--- a/PowerpointTemplater.Tests/files/ReplaceTables_output6.pptx
+++ b/PowerpointTemplater.Tests/files/ReplaceTables_output6.pptx
@@ -6,15 +6,15 @@
   </p:sldMasterIdLst>
   <p:sldIdLst>
     <p:sldId id="256" r:id="rId2"/>
-    <p:sldId id="259" r:id="Rf4827850a4c7440c"/>
-    <p:sldId id="260" r:id="R7572021667784e2d"/>
-    <p:sldId id="261" r:id="R788aa414380941ad"/>
-    <p:sldId id="262" r:id="R0c1031d71a5d4ebc"/>
-    <p:sldId id="263" r:id="R15831d800030478c"/>
-    <p:sldId id="264" r:id="R55fd8bad6c6d49ae"/>
-    <p:sldId id="265" r:id="R1151f6719d2f4b12"/>
-    <p:sldId id="266" r:id="R455bba1647084482"/>
-    <p:sldId id="267" r:id="R722aab4563b4433e"/>
+    <p:sldId id="259" r:id="Ra926adc3e8e84ef7"/>
+    <p:sldId id="260" r:id="R583a821498874d77"/>
+    <p:sldId id="261" r:id="R78e60c297dc845fa"/>
+    <p:sldId id="262" r:id="Rab2a403e14d54359"/>
+    <p:sldId id="263" r:id="R6fedfd7c5c2249e4"/>
+    <p:sldId id="264" r:id="R212d3c0e71ee44d3"/>
+    <p:sldId id="265" r:id="R65daf052bd904714"/>
+    <p:sldId id="266" r:id="Rcc1768f67db14462"/>
+    <p:sldId id="267" r:id="R3d31c442e88e4654"/>
     <p:sldId id="258" r:id="rId4"/>
   </p:sldIdLst>
   <p:sldSz cx="9144000" cy="6858000" type="screen4x3"/>
@@ -9322,7 +9322,7 @@
           </p:nvPr>
         </p:nvPicPr>
         <p:blipFill>
-          <a:blip r:embed="Rf90669b016084a90">
+          <a:blip r:embed="Re275a6c67b314cc1">
             <a:extLst>
               <a:ext uri="{28A0092B-C50C-407E-A947-70E740481C1C}">
                 <a14:useLocalDpi xmlns:a14="http://schemas.microsoft.com/office/drawing/2010/main" val="0"/>

--- a/PowerpointTemplater.Tests/files/ReplaceTables_output6.pptx
+++ b/PowerpointTemplater.Tests/files/ReplaceTables_output6.pptx
@@ -6,15 +6,15 @@
   </p:sldMasterIdLst>
   <p:sldIdLst>
     <p:sldId id="256" r:id="rId2"/>
-    <p:sldId id="259" r:id="Ra926adc3e8e84ef7"/>
-    <p:sldId id="260" r:id="R583a821498874d77"/>
-    <p:sldId id="261" r:id="R78e60c297dc845fa"/>
-    <p:sldId id="262" r:id="Rab2a403e14d54359"/>
-    <p:sldId id="263" r:id="R6fedfd7c5c2249e4"/>
-    <p:sldId id="264" r:id="R212d3c0e71ee44d3"/>
-    <p:sldId id="265" r:id="R65daf052bd904714"/>
-    <p:sldId id="266" r:id="Rcc1768f67db14462"/>
-    <p:sldId id="267" r:id="R3d31c442e88e4654"/>
+    <p:sldId id="259" r:id="R88b779d1ca3d468b"/>
+    <p:sldId id="260" r:id="R5f716f2d030a40ea"/>
+    <p:sldId id="261" r:id="R83e28a5c26ed44ab"/>
+    <p:sldId id="262" r:id="R9625860bd34f4b72"/>
+    <p:sldId id="263" r:id="R1b1387ebafb14771"/>
+    <p:sldId id="264" r:id="R71e7419bdde846d7"/>
+    <p:sldId id="265" r:id="R385f0e2bceec4040"/>
+    <p:sldId id="266" r:id="Rdf938d77b7374b51"/>
+    <p:sldId id="267" r:id="R3a5234ffeade4cad"/>
     <p:sldId id="258" r:id="rId4"/>
   </p:sldIdLst>
   <p:sldSz cx="9144000" cy="6858000" type="screen4x3"/>
@@ -9322,7 +9322,7 @@
           </p:nvPr>
         </p:nvPicPr>
         <p:blipFill>
-          <a:blip r:embed="Re275a6c67b314cc1">
+          <a:blip r:embed="R178cbe043dd849d8">
             <a:extLst>
               <a:ext uri="{28A0092B-C50C-407E-A947-70E740481C1C}">
                 <a14:useLocalDpi xmlns:a14="http://schemas.microsoft.com/office/drawing/2010/main" val="0"/>

--- a/PowerpointTemplater.Tests/files/ReplaceTables_output6.pptx
+++ b/PowerpointTemplater.Tests/files/ReplaceTables_output6.pptx
@@ -6,15 +6,15 @@
   </p:sldMasterIdLst>
   <p:sldIdLst>
     <p:sldId id="256" r:id="rId2"/>
-    <p:sldId id="259" r:id="R88b779d1ca3d468b"/>
-    <p:sldId id="260" r:id="R5f716f2d030a40ea"/>
-    <p:sldId id="261" r:id="R83e28a5c26ed44ab"/>
-    <p:sldId id="262" r:id="R9625860bd34f4b72"/>
-    <p:sldId id="263" r:id="R1b1387ebafb14771"/>
-    <p:sldId id="264" r:id="R71e7419bdde846d7"/>
-    <p:sldId id="265" r:id="R385f0e2bceec4040"/>
-    <p:sldId id="266" r:id="Rdf938d77b7374b51"/>
-    <p:sldId id="267" r:id="R3a5234ffeade4cad"/>
+    <p:sldId id="259" r:id="R432764c0e9c841f8"/>
+    <p:sldId id="260" r:id="Rcda6e8fdcf1d424c"/>
+    <p:sldId id="261" r:id="Rbb08d40dd9e94f6a"/>
+    <p:sldId id="262" r:id="Rce56ecf1e7364f4b"/>
+    <p:sldId id="263" r:id="Rf34b6ef3c8cb4fa5"/>
+    <p:sldId id="264" r:id="R977bb247487d49c7"/>
+    <p:sldId id="265" r:id="Rae4927771be047a8"/>
+    <p:sldId id="266" r:id="Rb1affca70e034eb8"/>
+    <p:sldId id="267" r:id="R935b8318fa5d4bfb"/>
     <p:sldId id="258" r:id="rId4"/>
   </p:sldIdLst>
   <p:sldSz cx="9144000" cy="6858000" type="screen4x3"/>
@@ -3439,7 +3439,7 @@
                     <a:lstStyle/>
                     <a:p>
                       <a:r>
-                        <a:rPr lang="en-US" sz="1800" b="0" i="0" u="none" dirty="0" smtClean="0"/>
+                        <a:rPr lang="en-US" sz="1800" b="0" i="0" u="none" strike="noStrike" dirty="0" smtClean="0"/>
                         <a:t>1.9.1</a:t>
                       </a:r>
                       <a:endParaRPr lang="fr-FR" sz="1800" b="0" i="0" u="none" dirty="0"/>
@@ -3470,7 +3470,7 @@
                         <a:defRPr/>
                       </a:pPr>
                       <a:r>
-                        <a:rPr lang="en-US" dirty="0" smtClean="0"/>
+                        <a:rPr lang="en-US" b="0" i="0" strike="noStrike" dirty="0" smtClean="0"/>
                         <a:t>1.9.2</a:t>
                       </a:r>
                       <a:endParaRPr lang="fr-FR" dirty="0" smtClean="0"/>
@@ -3484,7 +3484,7 @@
                     <a:lstStyle/>
                     <a:p>
                       <a:r>
-                        <a:rPr lang="en-US" dirty="0" smtClean="0"/>
+                        <a:rPr lang="en-US" b="0" i="0" strike="noStrike" dirty="0" smtClean="0"/>
                         <a:t>1.9.3</a:t>
                       </a:r>
                       <a:endParaRPr lang="fr-FR" dirty="0"/>
@@ -3498,7 +3498,7 @@
                     <a:lstStyle/>
                     <a:p>
                       <a:r>
-                        <a:rPr lang="en-US" dirty="0" smtClean="0"/>
+                        <a:rPr lang="en-US" b="0" i="0" strike="noStrike" dirty="0" smtClean="0"/>
                         <a:t>1.9.4</a:t>
                       </a:r>
                       <a:endParaRPr lang="fr-FR" dirty="0"/>
@@ -3512,7 +3512,7 @@
                     <a:lstStyle/>
                     <a:p>
                       <a:r>
-                        <a:rPr lang="en-US" dirty="0" smtClean="0"/>
+                        <a:rPr lang="en-US" b="0" i="0" strike="noStrike" dirty="0" smtClean="0"/>
                         <a:t>1.9.5</a:t>
                       </a:r>
                       <a:endParaRPr lang="fr-FR" dirty="0"/>
@@ -3526,7 +3526,7 @@
                     <a:lstStyle/>
                     <a:p>
                       <a:r>
-                        <a:rPr lang="en-US" dirty="0" smtClean="0"/>
+                        <a:rPr lang="en-US" b="0" i="0" strike="noStrike" dirty="0" smtClean="0"/>
                         <a:t>1.9.6</a:t>
                       </a:r>
                       <a:endParaRPr lang="fr-FR" dirty="0"/>
@@ -3542,7 +3542,7 @@
                     <a:lstStyle/>
                     <a:p>
                       <a:r>
-                        <a:rPr lang="en-US" dirty="0" smtClean="0"/>
+                        <a:rPr lang="en-US" b="0" i="0" strike="noStrike" dirty="0" smtClean="0"/>
                         <a:t>1.10.1</a:t>
                       </a:r>
                       <a:endParaRPr lang="fr-FR" dirty="0"/>
@@ -3573,7 +3573,7 @@
                         <a:defRPr/>
                       </a:pPr>
                       <a:r>
-                        <a:rPr lang="en-US" dirty="0" smtClean="0"/>
+                        <a:rPr lang="en-US" b="0" i="0" strike="noStrike" dirty="0" smtClean="0"/>
                         <a:t>1.10.2</a:t>
                       </a:r>
                       <a:endParaRPr lang="fr-FR" dirty="0" smtClean="0"/>
@@ -3587,7 +3587,7 @@
                     <a:lstStyle/>
                     <a:p>
                       <a:r>
-                        <a:rPr lang="en-US" dirty="0" smtClean="0"/>
+                        <a:rPr lang="en-US" b="0" i="0" strike="noStrike" dirty="0" smtClean="0"/>
                         <a:t>1.10.3</a:t>
                       </a:r>
                       <a:endParaRPr lang="fr-FR" dirty="0"/>
@@ -3601,7 +3601,7 @@
                     <a:lstStyle/>
                     <a:p>
                       <a:r>
-                        <a:rPr lang="en-US" dirty="0" smtClean="0"/>
+                        <a:rPr lang="en-US" b="0" i="0" strike="noStrike" dirty="0" smtClean="0"/>
                         <a:t>1.10.4</a:t>
                       </a:r>
                       <a:endParaRPr lang="fr-FR" dirty="0"/>
@@ -3615,7 +3615,7 @@
                     <a:lstStyle/>
                     <a:p>
                       <a:r>
-                        <a:rPr lang="en-US" dirty="0" smtClean="0"/>
+                        <a:rPr lang="en-US" b="0" i="0" strike="noStrike" dirty="0" smtClean="0"/>
                         <a:t>1.10.5</a:t>
                       </a:r>
                       <a:endParaRPr lang="fr-FR" dirty="0"/>
@@ -3629,7 +3629,7 @@
                     <a:lstStyle/>
                     <a:p>
                       <a:r>
-                        <a:rPr lang="en-US" dirty="0" smtClean="0"/>
+                        <a:rPr lang="en-US" b="0" i="0" strike="noStrike" dirty="0" smtClean="0"/>
                         <a:t>1.10.6</a:t>
                       </a:r>
                       <a:endParaRPr lang="fr-FR" dirty="0"/>
@@ -3767,7 +3767,7 @@
                     <a:lstStyle/>
                     <a:p>
                       <a:r>
-                        <a:rPr lang="en-US" dirty="0" smtClean="0"/>
+                        <a:rPr lang="en-US" b="0" i="0" strike="noStrike" dirty="0" smtClean="0"/>
                         <a:t>2.16.1</a:t>
                       </a:r>
                       <a:endParaRPr lang="fr-FR" dirty="0"/>
@@ -3798,7 +3798,7 @@
                         <a:defRPr/>
                       </a:pPr>
                       <a:r>
-                        <a:rPr lang="en-US" dirty="0" smtClean="0"/>
+                        <a:rPr lang="en-US" b="0" i="0" strike="noStrike" dirty="0" smtClean="0"/>
                         <a:t>2.16.2</a:t>
                       </a:r>
                       <a:endParaRPr lang="fr-FR" dirty="0" smtClean="0"/>
@@ -3812,7 +3812,7 @@
                     <a:lstStyle/>
                     <a:p>
                       <a:r>
-                        <a:rPr lang="en-US" dirty="0" smtClean="0"/>
+                        <a:rPr lang="en-US" b="0" i="0" strike="noStrike" dirty="0" smtClean="0"/>
                         <a:t>2.16.3</a:t>
                       </a:r>
                       <a:endParaRPr lang="fr-FR" dirty="0"/>
@@ -3826,7 +3826,7 @@
                     <a:lstStyle/>
                     <a:p>
                       <a:r>
-                        <a:rPr lang="en-US" dirty="0" smtClean="0"/>
+                        <a:rPr lang="en-US" b="0" i="0" strike="noStrike" dirty="0" smtClean="0"/>
                         <a:t>2.16.4</a:t>
                       </a:r>
                       <a:endParaRPr lang="fr-FR" dirty="0"/>
@@ -3840,7 +3840,7 @@
                     <a:lstStyle/>
                     <a:p>
                       <a:r>
-                        <a:rPr lang="en-US" dirty="0" smtClean="0"/>
+                        <a:rPr lang="en-US" b="0" i="0" strike="noStrike" dirty="0" smtClean="0"/>
                         <a:t>2.16.5</a:t>
                       </a:r>
                       <a:endParaRPr lang="fr-FR" dirty="0"/>
@@ -3854,7 +3854,7 @@
                     <a:lstStyle/>
                     <a:p>
                       <a:r>
-                        <a:rPr lang="en-US" dirty="0" smtClean="0"/>
+                        <a:rPr lang="en-US" b="0" i="0" strike="noStrike" dirty="0" smtClean="0"/>
                         <a:t>2.16.6</a:t>
                       </a:r>
                       <a:endParaRPr lang="fr-FR" dirty="0"/>
@@ -3870,7 +3870,7 @@
                     <a:lstStyle/>
                     <a:p>
                       <a:r>
-                        <a:rPr lang="en-US" dirty="0" smtClean="0"/>
+                        <a:rPr lang="en-US" b="0" i="0" strike="noStrike" dirty="0" smtClean="0"/>
                         <a:t>2.17.1</a:t>
                       </a:r>
                       <a:endParaRPr lang="fr-FR" dirty="0"/>
@@ -3901,7 +3901,7 @@
                         <a:defRPr/>
                       </a:pPr>
                       <a:r>
-                        <a:rPr lang="en-US" dirty="0" smtClean="0"/>
+                        <a:rPr lang="en-US" b="0" i="0" strike="noStrike" dirty="0" smtClean="0"/>
                         <a:t>2.17.2</a:t>
                       </a:r>
                       <a:endParaRPr lang="fr-FR" dirty="0" smtClean="0"/>
@@ -3915,7 +3915,7 @@
                     <a:lstStyle/>
                     <a:p>
                       <a:r>
-                        <a:rPr lang="en-US" dirty="0" smtClean="0"/>
+                        <a:rPr lang="en-US" b="0" i="0" strike="noStrike" dirty="0" smtClean="0"/>
                         <a:t>2.17.3</a:t>
                       </a:r>
                       <a:endParaRPr lang="fr-FR" dirty="0"/>
@@ -3929,7 +3929,7 @@
                     <a:lstStyle/>
                     <a:p>
                       <a:r>
-                        <a:rPr lang="en-US" dirty="0" smtClean="0"/>
+                        <a:rPr lang="en-US" b="0" i="0" strike="noStrike" dirty="0" smtClean="0"/>
                         <a:t>2.17.4</a:t>
                       </a:r>
                       <a:endParaRPr lang="fr-FR" dirty="0"/>
@@ -3943,7 +3943,7 @@
                     <a:lstStyle/>
                     <a:p>
                       <a:r>
-                        <a:rPr lang="en-US" dirty="0" smtClean="0"/>
+                        <a:rPr lang="en-US" b="0" i="0" strike="noStrike" dirty="0" smtClean="0"/>
                         <a:t>2.17.5</a:t>
                       </a:r>
                       <a:endParaRPr lang="fr-FR" dirty="0"/>
@@ -3957,7 +3957,7 @@
                     <a:lstStyle/>
                     <a:p>
                       <a:r>
-                        <a:rPr lang="en-US" dirty="0" smtClean="0"/>
+                        <a:rPr lang="en-US" b="0" i="0" strike="noStrike" dirty="0" smtClean="0"/>
                         <a:t>2.17.6</a:t>
                       </a:r>
                       <a:endParaRPr lang="fr-FR" dirty="0"/>
@@ -3973,7 +3973,7 @@
                     <a:lstStyle/>
                     <a:p>
                       <a:r>
-                        <a:rPr lang="en-US" dirty="0" smtClean="0"/>
+                        <a:rPr lang="en-US" b="0" i="0" strike="noStrike" dirty="0" smtClean="0"/>
                         <a:t>2.18.1</a:t>
                       </a:r>
                       <a:endParaRPr lang="fr-FR" dirty="0"/>
@@ -4004,7 +4004,7 @@
                         <a:defRPr/>
                       </a:pPr>
                       <a:r>
-                        <a:rPr lang="en-US" dirty="0" smtClean="0"/>
+                        <a:rPr lang="en-US" b="0" i="0" strike="noStrike" dirty="0" smtClean="0"/>
                         <a:t>2.18.2</a:t>
                       </a:r>
                       <a:endParaRPr lang="fr-FR" dirty="0" smtClean="0"/>
@@ -4018,7 +4018,7 @@
                     <a:lstStyle/>
                     <a:p>
                       <a:r>
-                        <a:rPr lang="en-US" dirty="0" smtClean="0"/>
+                        <a:rPr lang="en-US" b="0" i="0" strike="noStrike" dirty="0" smtClean="0"/>
                         <a:t>2.18.3</a:t>
                       </a:r>
                       <a:endParaRPr lang="fr-FR" dirty="0"/>
@@ -4032,7 +4032,7 @@
                     <a:lstStyle/>
                     <a:p>
                       <a:r>
-                        <a:rPr lang="en-US" dirty="0" smtClean="0"/>
+                        <a:rPr lang="en-US" b="0" i="0" strike="noStrike" dirty="0" smtClean="0"/>
                         <a:t>2.18.4</a:t>
                       </a:r>
                       <a:endParaRPr lang="fr-FR" dirty="0"/>
@@ -4046,7 +4046,7 @@
                     <a:lstStyle/>
                     <a:p>
                       <a:r>
-                        <a:rPr lang="en-US" dirty="0" smtClean="0"/>
+                        <a:rPr lang="en-US" b="0" i="0" strike="noStrike" dirty="0" smtClean="0"/>
                         <a:t>2.18.5</a:t>
                       </a:r>
                       <a:endParaRPr lang="fr-FR" dirty="0"/>
@@ -4060,7 +4060,7 @@
                     <a:lstStyle/>
                     <a:p>
                       <a:r>
-                        <a:rPr lang="en-US" dirty="0" smtClean="0"/>
+                        <a:rPr lang="en-US" b="0" i="0" strike="noStrike" dirty="0" smtClean="0"/>
                         <a:t>2.18.6</a:t>
                       </a:r>
                       <a:endParaRPr lang="fr-FR" dirty="0"/>
@@ -4076,7 +4076,7 @@
                     <a:lstStyle/>
                     <a:p>
                       <a:r>
-                        <a:rPr lang="en-US" dirty="0" smtClean="0"/>
+                        <a:rPr lang="en-US" b="0" i="0" strike="noStrike" dirty="0" smtClean="0"/>
                         <a:t>2.19.1</a:t>
                       </a:r>
                       <a:endParaRPr lang="fr-FR" dirty="0"/>
@@ -4107,7 +4107,7 @@
                         <a:defRPr/>
                       </a:pPr>
                       <a:r>
-                        <a:rPr lang="en-US" dirty="0" smtClean="0"/>
+                        <a:rPr lang="en-US" b="0" i="0" strike="noStrike" dirty="0" smtClean="0"/>
                         <a:t>2.19.2</a:t>
                       </a:r>
                       <a:endParaRPr lang="fr-FR" dirty="0" smtClean="0"/>
@@ -4121,7 +4121,7 @@
                     <a:lstStyle/>
                     <a:p>
                       <a:r>
-                        <a:rPr lang="en-US" dirty="0" smtClean="0"/>
+                        <a:rPr lang="en-US" b="0" i="0" strike="noStrike" dirty="0" smtClean="0"/>
                         <a:t>2.19.3</a:t>
                       </a:r>
                       <a:endParaRPr lang="fr-FR" dirty="0"/>
@@ -4135,7 +4135,7 @@
                     <a:lstStyle/>
                     <a:p>
                       <a:r>
-                        <a:rPr lang="en-US" dirty="0" smtClean="0"/>
+                        <a:rPr lang="en-US" b="0" i="0" strike="noStrike" dirty="0" smtClean="0"/>
                         <a:t>2.19.4</a:t>
                       </a:r>
                       <a:endParaRPr lang="fr-FR" dirty="0"/>
@@ -4149,7 +4149,7 @@
                     <a:lstStyle/>
                     <a:p>
                       <a:r>
-                        <a:rPr lang="en-US" dirty="0" smtClean="0"/>
+                        <a:rPr lang="en-US" b="0" i="0" strike="noStrike" dirty="0" smtClean="0"/>
                         <a:t>2.19.5</a:t>
                       </a:r>
                       <a:endParaRPr lang="fr-FR" dirty="0"/>
@@ -4163,7 +4163,7 @@
                     <a:lstStyle/>
                     <a:p>
                       <a:r>
-                        <a:rPr lang="en-US" dirty="0" smtClean="0"/>
+                        <a:rPr lang="en-US" b="0" i="0" strike="noStrike" dirty="0" smtClean="0"/>
                         <a:t>2.19.6</a:t>
                       </a:r>
                       <a:endParaRPr lang="fr-FR" dirty="0"/>
@@ -4301,7 +4301,7 @@
                     <a:lstStyle/>
                     <a:p>
                       <a:r>
-                        <a:rPr lang="en-US" dirty="0" smtClean="0"/>
+                        <a:rPr lang="en-US" b="0" i="0" strike="noStrike" dirty="0" smtClean="0"/>
                         <a:t>3.16.1</a:t>
                       </a:r>
                       <a:endParaRPr lang="fr-FR" dirty="0"/>
@@ -4332,7 +4332,7 @@
                         <a:defRPr/>
                       </a:pPr>
                       <a:r>
-                        <a:rPr lang="en-US" dirty="0" smtClean="0"/>
+                        <a:rPr lang="en-US" b="0" i="0" strike="noStrike" dirty="0" smtClean="0"/>
                         <a:t>3.16.2</a:t>
                       </a:r>
                       <a:endParaRPr lang="fr-FR" dirty="0" smtClean="0"/>
@@ -4346,7 +4346,7 @@
                     <a:lstStyle/>
                     <a:p>
                       <a:r>
-                        <a:rPr lang="en-US" dirty="0" smtClean="0"/>
+                        <a:rPr lang="en-US" b="0" i="0" strike="noStrike" dirty="0" smtClean="0"/>
                         <a:t>3.16.3</a:t>
                       </a:r>
                       <a:endParaRPr lang="fr-FR" dirty="0"/>
@@ -4360,7 +4360,7 @@
                     <a:lstStyle/>
                     <a:p>
                       <a:r>
-                        <a:rPr lang="en-US" dirty="0" smtClean="0"/>
+                        <a:rPr lang="en-US" b="0" i="0" strike="noStrike" dirty="0" smtClean="0"/>
                         <a:t>3.16.4</a:t>
                       </a:r>
                       <a:endParaRPr lang="fr-FR" dirty="0"/>
@@ -4374,7 +4374,7 @@
                     <a:lstStyle/>
                     <a:p>
                       <a:r>
-                        <a:rPr lang="en-US" dirty="0" smtClean="0"/>
+                        <a:rPr lang="en-US" b="0" i="0" strike="noStrike" dirty="0" smtClean="0"/>
                         <a:t>3.16.5</a:t>
                       </a:r>
                       <a:endParaRPr lang="fr-FR" dirty="0"/>
@@ -4388,7 +4388,7 @@
                     <a:lstStyle/>
                     <a:p>
                       <a:r>
-                        <a:rPr lang="en-US" dirty="0" smtClean="0"/>
+                        <a:rPr lang="en-US" b="0" i="0" strike="noStrike" dirty="0" smtClean="0"/>
                         <a:t>3.16.6</a:t>
                       </a:r>
                       <a:endParaRPr lang="fr-FR" dirty="0"/>
@@ -4404,7 +4404,7 @@
                     <a:lstStyle/>
                     <a:p>
                       <a:r>
-                        <a:rPr lang="en-US" dirty="0" smtClean="0"/>
+                        <a:rPr lang="en-US" b="0" i="0" strike="noStrike" dirty="0" smtClean="0"/>
                         <a:t>3.17.1</a:t>
                       </a:r>
                       <a:endParaRPr lang="fr-FR" dirty="0"/>
@@ -4435,7 +4435,7 @@
                         <a:defRPr/>
                       </a:pPr>
                       <a:r>
-                        <a:rPr lang="en-US" dirty="0" smtClean="0"/>
+                        <a:rPr lang="en-US" b="0" i="0" strike="noStrike" dirty="0" smtClean="0"/>
                         <a:t>3.17.2</a:t>
                       </a:r>
                       <a:endParaRPr lang="fr-FR" dirty="0" smtClean="0"/>
@@ -4449,7 +4449,7 @@
                     <a:lstStyle/>
                     <a:p>
                       <a:r>
-                        <a:rPr lang="en-US" dirty="0" smtClean="0"/>
+                        <a:rPr lang="en-US" b="0" i="0" strike="noStrike" dirty="0" smtClean="0"/>
                         <a:t>3.17.3</a:t>
                       </a:r>
                       <a:endParaRPr lang="fr-FR" dirty="0"/>
@@ -4463,7 +4463,7 @@
                     <a:lstStyle/>
                     <a:p>
                       <a:r>
-                        <a:rPr lang="en-US" dirty="0" smtClean="0"/>
+                        <a:rPr lang="en-US" b="0" i="0" strike="noStrike" dirty="0" smtClean="0"/>
                         <a:t>3.17.4</a:t>
                       </a:r>
                       <a:endParaRPr lang="fr-FR" dirty="0"/>
@@ -4477,7 +4477,7 @@
                     <a:lstStyle/>
                     <a:p>
                       <a:r>
-                        <a:rPr lang="en-US" dirty="0" smtClean="0"/>
+                        <a:rPr lang="en-US" b="0" i="0" strike="noStrike" dirty="0" smtClean="0"/>
                         <a:t>3.17.5</a:t>
                       </a:r>
                       <a:endParaRPr lang="fr-FR" dirty="0"/>
@@ -4491,7 +4491,7 @@
                     <a:lstStyle/>
                     <a:p>
                       <a:r>
-                        <a:rPr lang="en-US" dirty="0" smtClean="0"/>
+                        <a:rPr lang="en-US" b="0" i="0" strike="noStrike" dirty="0" smtClean="0"/>
                         <a:t>3.17.6</a:t>
                       </a:r>
                       <a:endParaRPr lang="fr-FR" dirty="0"/>
@@ -4507,7 +4507,7 @@
                     <a:lstStyle/>
                     <a:p>
                       <a:r>
-                        <a:rPr lang="en-US" dirty="0" smtClean="0"/>
+                        <a:rPr lang="en-US" b="0" i="0" strike="noStrike" dirty="0" smtClean="0"/>
                         <a:t>3.18.1</a:t>
                       </a:r>
                       <a:endParaRPr lang="fr-FR" dirty="0"/>
@@ -4538,7 +4538,7 @@
                         <a:defRPr/>
                       </a:pPr>
                       <a:r>
-                        <a:rPr lang="en-US" dirty="0" smtClean="0"/>
+                        <a:rPr lang="en-US" b="0" i="0" strike="noStrike" dirty="0" smtClean="0"/>
                         <a:t>3.18.2</a:t>
                       </a:r>
                       <a:endParaRPr lang="fr-FR" dirty="0" smtClean="0"/>
@@ -4552,7 +4552,7 @@
                     <a:lstStyle/>
                     <a:p>
                       <a:r>
-                        <a:rPr lang="en-US" dirty="0" smtClean="0"/>
+                        <a:rPr lang="en-US" b="0" i="0" strike="noStrike" dirty="0" smtClean="0"/>
                         <a:t>3.18.3</a:t>
                       </a:r>
                       <a:endParaRPr lang="fr-FR" dirty="0"/>
@@ -4566,7 +4566,7 @@
                     <a:lstStyle/>
                     <a:p>
                       <a:r>
-                        <a:rPr lang="en-US" dirty="0" smtClean="0"/>
+                        <a:rPr lang="en-US" b="0" i="0" strike="noStrike" dirty="0" smtClean="0"/>
                         <a:t>3.18.4</a:t>
                       </a:r>
                       <a:endParaRPr lang="fr-FR" dirty="0"/>
@@ -4580,7 +4580,7 @@
                     <a:lstStyle/>
                     <a:p>
                       <a:r>
-                        <a:rPr lang="en-US" dirty="0" smtClean="0"/>
+                        <a:rPr lang="en-US" b="0" i="0" strike="noStrike" dirty="0" smtClean="0"/>
                         <a:t>3.18.5</a:t>
                       </a:r>
                       <a:endParaRPr lang="fr-FR" dirty="0"/>
@@ -4594,7 +4594,7 @@
                     <a:lstStyle/>
                     <a:p>
                       <a:r>
-                        <a:rPr lang="en-US" dirty="0" smtClean="0"/>
+                        <a:rPr lang="en-US" b="0" i="0" strike="noStrike" dirty="0" smtClean="0"/>
                         <a:t>3.18.6</a:t>
                       </a:r>
                       <a:endParaRPr lang="fr-FR" dirty="0"/>
@@ -4610,7 +4610,7 @@
                     <a:lstStyle/>
                     <a:p>
                       <a:r>
-                        <a:rPr lang="en-US" dirty="0" smtClean="0"/>
+                        <a:rPr lang="en-US" b="0" i="0" strike="noStrike" dirty="0" smtClean="0"/>
                         <a:t>3.19.1</a:t>
                       </a:r>
                       <a:endParaRPr lang="fr-FR" dirty="0"/>
@@ -4641,7 +4641,7 @@
                         <a:defRPr/>
                       </a:pPr>
                       <a:r>
-                        <a:rPr lang="en-US" dirty="0" smtClean="0"/>
+                        <a:rPr lang="en-US" b="0" i="0" strike="noStrike" dirty="0" smtClean="0"/>
                         <a:t>3.19.2</a:t>
                       </a:r>
                       <a:endParaRPr lang="fr-FR" dirty="0" smtClean="0"/>
@@ -4655,7 +4655,7 @@
                     <a:lstStyle/>
                     <a:p>
                       <a:r>
-                        <a:rPr lang="en-US" dirty="0" smtClean="0"/>
+                        <a:rPr lang="en-US" b="0" i="0" strike="noStrike" dirty="0" smtClean="0"/>
                         <a:t>3.19.3</a:t>
                       </a:r>
                       <a:endParaRPr lang="fr-FR" dirty="0"/>
@@ -4669,7 +4669,7 @@
                     <a:lstStyle/>
                     <a:p>
                       <a:r>
-                        <a:rPr lang="en-US" dirty="0" smtClean="0"/>
+                        <a:rPr lang="en-US" b="0" i="0" strike="noStrike" dirty="0" smtClean="0"/>
                         <a:t>3.19.4</a:t>
                       </a:r>
                       <a:endParaRPr lang="fr-FR" dirty="0"/>
@@ -4683,7 +4683,7 @@
                     <a:lstStyle/>
                     <a:p>
                       <a:r>
-                        <a:rPr lang="en-US" dirty="0" smtClean="0"/>
+                        <a:rPr lang="en-US" b="0" i="0" strike="noStrike" dirty="0" smtClean="0"/>
                         <a:t>3.19.5</a:t>
                       </a:r>
                       <a:endParaRPr lang="fr-FR" dirty="0"/>
@@ -4697,7 +4697,7 @@
                     <a:lstStyle/>
                     <a:p>
                       <a:r>
-                        <a:rPr lang="en-US" dirty="0" smtClean="0"/>
+                        <a:rPr lang="en-US" b="0" i="0" strike="noStrike" dirty="0" smtClean="0"/>
                         <a:t>3.19.6</a:t>
                       </a:r>
                       <a:endParaRPr lang="fr-FR" dirty="0"/>
@@ -4865,7 +4865,7 @@
                     <a:lstStyle/>
                     <a:p>
                       <a:r>
-                        <a:rPr lang="en-US" sz="1800" b="0" i="0" u="none" dirty="0" smtClean="0"/>
+                        <a:rPr lang="en-US" sz="1800" b="0" i="0" u="none" strike="noStrike" dirty="0" smtClean="0"/>
                         <a:t>1.9.1</a:t>
                       </a:r>
                       <a:endParaRPr lang="fr-FR" sz="1800" b="0" i="0" u="none" dirty="0"/>
@@ -4896,7 +4896,7 @@
                         <a:defRPr/>
                       </a:pPr>
                       <a:r>
-                        <a:rPr lang="en-US" dirty="0" smtClean="0"/>
+                        <a:rPr lang="en-US" b="0" i="0" strike="noStrike" dirty="0" smtClean="0"/>
                         <a:t>1.9.2</a:t>
                       </a:r>
                       <a:endParaRPr lang="fr-FR" dirty="0" smtClean="0"/>
@@ -4910,7 +4910,7 @@
                     <a:lstStyle/>
                     <a:p>
                       <a:r>
-                        <a:rPr lang="en-US" dirty="0" smtClean="0"/>
+                        <a:rPr lang="en-US" b="0" i="0" strike="noStrike" dirty="0" smtClean="0"/>
                         <a:t>1.9.3</a:t>
                       </a:r>
                       <a:endParaRPr lang="fr-FR" dirty="0"/>
@@ -4924,7 +4924,7 @@
                     <a:lstStyle/>
                     <a:p>
                       <a:r>
-                        <a:rPr lang="en-US" dirty="0" smtClean="0"/>
+                        <a:rPr lang="en-US" b="0" i="0" strike="noStrike" dirty="0" smtClean="0"/>
                         <a:t>1.9.4</a:t>
                       </a:r>
                       <a:endParaRPr lang="fr-FR" dirty="0"/>
@@ -4938,7 +4938,7 @@
                     <a:lstStyle/>
                     <a:p>
                       <a:r>
-                        <a:rPr lang="en-US" dirty="0" smtClean="0"/>
+                        <a:rPr lang="en-US" b="0" i="0" strike="noStrike" dirty="0" smtClean="0"/>
                         <a:t>1.9.5</a:t>
                       </a:r>
                       <a:endParaRPr lang="fr-FR" dirty="0"/>
@@ -4952,7 +4952,7 @@
                     <a:lstStyle/>
                     <a:p>
                       <a:r>
-                        <a:rPr lang="en-US" dirty="0" smtClean="0"/>
+                        <a:rPr lang="en-US" b="0" i="0" strike="noStrike" dirty="0" smtClean="0"/>
                         <a:t>1.9.6</a:t>
                       </a:r>
                       <a:endParaRPr lang="fr-FR" dirty="0"/>
@@ -4968,7 +4968,7 @@
                     <a:lstStyle/>
                     <a:p>
                       <a:r>
-                        <a:rPr lang="en-US" dirty="0" smtClean="0"/>
+                        <a:rPr lang="en-US" b="0" i="0" strike="noStrike" dirty="0" smtClean="0"/>
                         <a:t>1.10.1</a:t>
                       </a:r>
                       <a:endParaRPr lang="fr-FR" dirty="0"/>
@@ -4999,7 +4999,7 @@
                         <a:defRPr/>
                       </a:pPr>
                       <a:r>
-                        <a:rPr lang="en-US" dirty="0" smtClean="0"/>
+                        <a:rPr lang="en-US" b="0" i="0" strike="noStrike" dirty="0" smtClean="0"/>
                         <a:t>1.10.2</a:t>
                       </a:r>
                       <a:endParaRPr lang="fr-FR" dirty="0" smtClean="0"/>
@@ -5013,7 +5013,7 @@
                     <a:lstStyle/>
                     <a:p>
                       <a:r>
-                        <a:rPr lang="en-US" dirty="0" smtClean="0"/>
+                        <a:rPr lang="en-US" b="0" i="0" strike="noStrike" dirty="0" smtClean="0"/>
                         <a:t>1.10.3</a:t>
                       </a:r>
                       <a:endParaRPr lang="fr-FR" dirty="0"/>
@@ -5027,7 +5027,7 @@
                     <a:lstStyle/>
                     <a:p>
                       <a:r>
-                        <a:rPr lang="en-US" dirty="0" smtClean="0"/>
+                        <a:rPr lang="en-US" b="0" i="0" strike="noStrike" dirty="0" smtClean="0"/>
                         <a:t>1.10.4</a:t>
                       </a:r>
                       <a:endParaRPr lang="fr-FR" dirty="0"/>
@@ -5041,7 +5041,7 @@
                     <a:lstStyle/>
                     <a:p>
                       <a:r>
-                        <a:rPr lang="en-US" dirty="0" smtClean="0"/>
+                        <a:rPr lang="en-US" b="0" i="0" strike="noStrike" dirty="0" smtClean="0"/>
                         <a:t>1.10.5</a:t>
                       </a:r>
                       <a:endParaRPr lang="fr-FR" dirty="0"/>
@@ -5055,7 +5055,7 @@
                     <a:lstStyle/>
                     <a:p>
                       <a:r>
-                        <a:rPr lang="en-US" dirty="0" smtClean="0"/>
+                        <a:rPr lang="en-US" b="0" i="0" strike="noStrike" dirty="0" smtClean="0"/>
                         <a:t>1.10.6</a:t>
                       </a:r>
                       <a:endParaRPr lang="fr-FR" dirty="0"/>
@@ -5193,7 +5193,7 @@
                     <a:lstStyle/>
                     <a:p>
                       <a:r>
-                        <a:rPr lang="en-US" dirty="0" smtClean="0"/>
+                        <a:rPr lang="en-US" b="0" i="0" strike="noStrike" dirty="0" smtClean="0"/>
                         <a:t>2.20.1</a:t>
                       </a:r>
                       <a:endParaRPr lang="fr-FR" dirty="0"/>
@@ -5224,7 +5224,7 @@
                         <a:defRPr/>
                       </a:pPr>
                       <a:r>
-                        <a:rPr lang="en-US" dirty="0" smtClean="0"/>
+                        <a:rPr lang="en-US" b="0" i="0" strike="noStrike" dirty="0" smtClean="0"/>
                         <a:t>2.20.2</a:t>
                       </a:r>
                       <a:endParaRPr lang="fr-FR" dirty="0" smtClean="0"/>
@@ -5238,7 +5238,7 @@
                     <a:lstStyle/>
                     <a:p>
                       <a:r>
-                        <a:rPr lang="en-US" dirty="0" smtClean="0"/>
+                        <a:rPr lang="en-US" b="0" i="0" strike="noStrike" dirty="0" smtClean="0"/>
                         <a:t>2.20.3</a:t>
                       </a:r>
                       <a:endParaRPr lang="fr-FR" dirty="0"/>
@@ -5252,7 +5252,7 @@
                     <a:lstStyle/>
                     <a:p>
                       <a:r>
-                        <a:rPr lang="en-US" dirty="0" smtClean="0"/>
+                        <a:rPr lang="en-US" b="0" i="0" strike="noStrike" dirty="0" smtClean="0"/>
                         <a:t>2.20.4</a:t>
                       </a:r>
                       <a:endParaRPr lang="fr-FR" dirty="0"/>
@@ -5266,7 +5266,7 @@
                     <a:lstStyle/>
                     <a:p>
                       <a:r>
-                        <a:rPr lang="en-US" dirty="0" smtClean="0"/>
+                        <a:rPr lang="en-US" b="0" i="0" strike="noStrike" dirty="0" smtClean="0"/>
                         <a:t>2.20.5</a:t>
                       </a:r>
                       <a:endParaRPr lang="fr-FR" dirty="0"/>
@@ -5280,7 +5280,7 @@
                     <a:lstStyle/>
                     <a:p>
                       <a:r>
-                        <a:rPr lang="en-US" dirty="0" smtClean="0"/>
+                        <a:rPr lang="en-US" b="0" i="0" strike="noStrike" dirty="0" smtClean="0"/>
                         <a:t>2.20.6</a:t>
                       </a:r>
                       <a:endParaRPr lang="fr-FR" dirty="0"/>
@@ -5296,7 +5296,7 @@
                     <a:lstStyle/>
                     <a:p>
                       <a:r>
-                        <a:rPr lang="en-US" dirty="0" smtClean="0"/>
+                        <a:rPr lang="en-US" b="0" i="0" strike="noStrike" dirty="0" smtClean="0"/>
                         <a:t>2.21.1</a:t>
                       </a:r>
                       <a:endParaRPr lang="fr-FR" dirty="0"/>
@@ -5327,7 +5327,7 @@
                         <a:defRPr/>
                       </a:pPr>
                       <a:r>
-                        <a:rPr lang="en-US" dirty="0" smtClean="0"/>
+                        <a:rPr lang="en-US" b="0" i="0" strike="noStrike" dirty="0" smtClean="0"/>
                         <a:t>2.21.2</a:t>
                       </a:r>
                       <a:endParaRPr lang="fr-FR" dirty="0" smtClean="0"/>
@@ -5341,7 +5341,7 @@
                     <a:lstStyle/>
                     <a:p>
                       <a:r>
-                        <a:rPr lang="en-US" dirty="0" smtClean="0"/>
+                        <a:rPr lang="en-US" b="0" i="0" strike="noStrike" dirty="0" smtClean="0"/>
                         <a:t>2.21.3</a:t>
                       </a:r>
                       <a:endParaRPr lang="fr-FR" dirty="0"/>
@@ -5355,7 +5355,7 @@
                     <a:lstStyle/>
                     <a:p>
                       <a:r>
-                        <a:rPr lang="en-US" dirty="0" smtClean="0"/>
+                        <a:rPr lang="en-US" b="0" i="0" strike="noStrike" dirty="0" smtClean="0"/>
                         <a:t>2.21.4</a:t>
                       </a:r>
                       <a:endParaRPr lang="fr-FR" dirty="0"/>
@@ -5369,7 +5369,7 @@
                     <a:lstStyle/>
                     <a:p>
                       <a:r>
-                        <a:rPr lang="en-US" dirty="0" smtClean="0"/>
+                        <a:rPr lang="en-US" b="0" i="0" strike="noStrike" dirty="0" smtClean="0"/>
                         <a:t>2.21.5</a:t>
                       </a:r>
                       <a:endParaRPr lang="fr-FR" dirty="0"/>
@@ -5383,7 +5383,7 @@
                     <a:lstStyle/>
                     <a:p>
                       <a:r>
-                        <a:rPr lang="en-US" dirty="0" smtClean="0"/>
+                        <a:rPr lang="en-US" b="0" i="0" strike="noStrike" dirty="0" smtClean="0"/>
                         <a:t>2.21.6</a:t>
                       </a:r>
                       <a:endParaRPr lang="fr-FR" dirty="0"/>
@@ -5521,7 +5521,7 @@
                     <a:lstStyle/>
                     <a:p>
                       <a:r>
-                        <a:rPr lang="en-US" dirty="0" smtClean="0"/>
+                        <a:rPr lang="en-US" b="0" i="0" strike="noStrike" dirty="0" smtClean="0"/>
                         <a:t>3.20.1</a:t>
                       </a:r>
                       <a:endParaRPr lang="fr-FR" dirty="0"/>
@@ -5552,7 +5552,7 @@
                         <a:defRPr/>
                       </a:pPr>
                       <a:r>
-                        <a:rPr lang="en-US" dirty="0" smtClean="0"/>
+                        <a:rPr lang="en-US" b="0" i="0" strike="noStrike" dirty="0" smtClean="0"/>
                         <a:t>3.20.2</a:t>
                       </a:r>
                       <a:endParaRPr lang="fr-FR" dirty="0" smtClean="0"/>
@@ -5566,7 +5566,7 @@
                     <a:lstStyle/>
                     <a:p>
                       <a:r>
-                        <a:rPr lang="en-US" dirty="0" smtClean="0"/>
+                        <a:rPr lang="en-US" b="0" i="0" strike="noStrike" dirty="0" smtClean="0"/>
                         <a:t>3.20.3</a:t>
                       </a:r>
                       <a:endParaRPr lang="fr-FR" dirty="0"/>
@@ -5580,7 +5580,7 @@
                     <a:lstStyle/>
                     <a:p>
                       <a:r>
-                        <a:rPr lang="en-US" dirty="0" smtClean="0"/>
+                        <a:rPr lang="en-US" b="0" i="0" strike="noStrike" dirty="0" smtClean="0"/>
                         <a:t>3.20.4</a:t>
                       </a:r>
                       <a:endParaRPr lang="fr-FR" dirty="0"/>
@@ -5594,7 +5594,7 @@
                     <a:lstStyle/>
                     <a:p>
                       <a:r>
-                        <a:rPr lang="en-US" dirty="0" smtClean="0"/>
+                        <a:rPr lang="en-US" b="0" i="0" strike="noStrike" dirty="0" smtClean="0"/>
                         <a:t>3.20.5</a:t>
                       </a:r>
                       <a:endParaRPr lang="fr-FR" dirty="0"/>
@@ -5608,7 +5608,7 @@
                     <a:lstStyle/>
                     <a:p>
                       <a:r>
-                        <a:rPr lang="en-US" dirty="0" smtClean="0"/>
+                        <a:rPr lang="en-US" b="0" i="0" strike="noStrike" dirty="0" smtClean="0"/>
                         <a:t>3.20.6</a:t>
                       </a:r>
                       <a:endParaRPr lang="fr-FR" dirty="0"/>
@@ -5624,7 +5624,7 @@
                     <a:lstStyle/>
                     <a:p>
                       <a:r>
-                        <a:rPr lang="en-US" dirty="0" smtClean="0"/>
+                        <a:rPr lang="en-US" b="0" i="0" strike="noStrike" dirty="0" smtClean="0"/>
                         <a:t>3.21.1</a:t>
                       </a:r>
                       <a:endParaRPr lang="fr-FR" dirty="0"/>
@@ -5655,7 +5655,7 @@
                         <a:defRPr/>
                       </a:pPr>
                       <a:r>
-                        <a:rPr lang="en-US" dirty="0" smtClean="0"/>
+                        <a:rPr lang="en-US" b="0" i="0" strike="noStrike" dirty="0" smtClean="0"/>
                         <a:t>3.21.2</a:t>
                       </a:r>
                       <a:endParaRPr lang="fr-FR" dirty="0" smtClean="0"/>
@@ -5669,7 +5669,7 @@
                     <a:lstStyle/>
                     <a:p>
                       <a:r>
-                        <a:rPr lang="en-US" dirty="0" smtClean="0"/>
+                        <a:rPr lang="en-US" b="0" i="0" strike="noStrike" dirty="0" smtClean="0"/>
                         <a:t>3.21.3</a:t>
                       </a:r>
                       <a:endParaRPr lang="fr-FR" dirty="0"/>
@@ -5683,7 +5683,7 @@
                     <a:lstStyle/>
                     <a:p>
                       <a:r>
-                        <a:rPr lang="en-US" dirty="0" smtClean="0"/>
+                        <a:rPr lang="en-US" b="0" i="0" strike="noStrike" dirty="0" smtClean="0"/>
                         <a:t>3.21.4</a:t>
                       </a:r>
                       <a:endParaRPr lang="fr-FR" dirty="0"/>
@@ -5697,7 +5697,7 @@
                     <a:lstStyle/>
                     <a:p>
                       <a:r>
-                        <a:rPr lang="en-US" dirty="0" smtClean="0"/>
+                        <a:rPr lang="en-US" b="0" i="0" strike="noStrike" dirty="0" smtClean="0"/>
                         <a:t>3.21.5</a:t>
                       </a:r>
                       <a:endParaRPr lang="fr-FR" dirty="0"/>
@@ -5711,7 +5711,7 @@
                     <a:lstStyle/>
                     <a:p>
                       <a:r>
-                        <a:rPr lang="en-US" dirty="0" smtClean="0"/>
+                        <a:rPr lang="en-US" b="0" i="0" strike="noStrike" dirty="0" smtClean="0"/>
                         <a:t>3.21.6</a:t>
                       </a:r>
                       <a:endParaRPr lang="fr-FR" dirty="0"/>
@@ -5727,7 +5727,7 @@
                     <a:lstStyle/>
                     <a:p>
                       <a:r>
-                        <a:rPr lang="en-US" dirty="0" smtClean="0"/>
+                        <a:rPr lang="en-US" b="0" i="0" strike="noStrike" dirty="0" smtClean="0"/>
                         <a:t>3.22.1</a:t>
                       </a:r>
                       <a:endParaRPr lang="fr-FR" dirty="0"/>
@@ -5758,7 +5758,7 @@
                         <a:defRPr/>
                       </a:pPr>
                       <a:r>
-                        <a:rPr lang="en-US" dirty="0" smtClean="0"/>
+                        <a:rPr lang="en-US" b="0" i="0" strike="noStrike" dirty="0" smtClean="0"/>
                         <a:t>3.22.2</a:t>
                       </a:r>
                       <a:endParaRPr lang="fr-FR" dirty="0" smtClean="0"/>
@@ -5772,7 +5772,7 @@
                     <a:lstStyle/>
                     <a:p>
                       <a:r>
-                        <a:rPr lang="en-US" dirty="0" smtClean="0"/>
+                        <a:rPr lang="en-US" b="0" i="0" strike="noStrike" dirty="0" smtClean="0"/>
                         <a:t>3.22.3</a:t>
                       </a:r>
                       <a:endParaRPr lang="fr-FR" dirty="0"/>
@@ -5786,7 +5786,7 @@
                     <a:lstStyle/>
                     <a:p>
                       <a:r>
-                        <a:rPr lang="en-US" dirty="0" smtClean="0"/>
+                        <a:rPr lang="en-US" b="0" i="0" strike="noStrike" dirty="0" smtClean="0"/>
                         <a:t>3.22.4</a:t>
                       </a:r>
                       <a:endParaRPr lang="fr-FR" dirty="0"/>
@@ -5800,7 +5800,7 @@
                     <a:lstStyle/>
                     <a:p>
                       <a:r>
-                        <a:rPr lang="en-US" dirty="0" smtClean="0"/>
+                        <a:rPr lang="en-US" b="0" i="0" strike="noStrike" dirty="0" smtClean="0"/>
                         <a:t>3.22.5</a:t>
                       </a:r>
                       <a:endParaRPr lang="fr-FR" dirty="0"/>
@@ -5814,7 +5814,7 @@
                     <a:lstStyle/>
                     <a:p>
                       <a:r>
-                        <a:rPr lang="en-US" dirty="0" smtClean="0"/>
+                        <a:rPr lang="en-US" b="0" i="0" strike="noStrike" dirty="0" smtClean="0"/>
                         <a:t>3.22.6</a:t>
                       </a:r>
                       <a:endParaRPr lang="fr-FR" dirty="0"/>
@@ -5830,7 +5830,7 @@
                     <a:lstStyle/>
                     <a:p>
                       <a:r>
-                        <a:rPr lang="en-US" dirty="0" smtClean="0"/>
+                        <a:rPr lang="en-US" b="0" i="0" strike="noStrike" dirty="0" smtClean="0"/>
                         <a:t>3.23.1</a:t>
                       </a:r>
                       <a:endParaRPr lang="fr-FR" dirty="0"/>
@@ -5861,7 +5861,7 @@
                         <a:defRPr/>
                       </a:pPr>
                       <a:r>
-                        <a:rPr lang="en-US" dirty="0" smtClean="0"/>
+                        <a:rPr lang="en-US" b="0" i="0" strike="noStrike" dirty="0" smtClean="0"/>
                         <a:t>3.23.2</a:t>
                       </a:r>
                       <a:endParaRPr lang="fr-FR" dirty="0" smtClean="0"/>
@@ -5875,7 +5875,7 @@
                     <a:lstStyle/>
                     <a:p>
                       <a:r>
-                        <a:rPr lang="en-US" dirty="0" smtClean="0"/>
+                        <a:rPr lang="en-US" b="0" i="0" strike="noStrike" dirty="0" smtClean="0"/>
                         <a:t>3.23.3</a:t>
                       </a:r>
                       <a:endParaRPr lang="fr-FR" dirty="0"/>
@@ -5889,7 +5889,7 @@
                     <a:lstStyle/>
                     <a:p>
                       <a:r>
-                        <a:rPr lang="en-US" dirty="0" smtClean="0"/>
+                        <a:rPr lang="en-US" b="0" i="0" strike="noStrike" dirty="0" smtClean="0"/>
                         <a:t>3.23.4</a:t>
                       </a:r>
                       <a:endParaRPr lang="fr-FR" dirty="0"/>
@@ -5903,7 +5903,7 @@
                     <a:lstStyle/>
                     <a:p>
                       <a:r>
-                        <a:rPr lang="en-US" dirty="0" smtClean="0"/>
+                        <a:rPr lang="en-US" b="0" i="0" strike="noStrike" dirty="0" smtClean="0"/>
                         <a:t>3.23.5</a:t>
                       </a:r>
                       <a:endParaRPr lang="fr-FR" dirty="0"/>
@@ -5917,7 +5917,7 @@
                     <a:lstStyle/>
                     <a:p>
                       <a:r>
-                        <a:rPr lang="en-US" dirty="0" smtClean="0"/>
+                        <a:rPr lang="en-US" b="0" i="0" strike="noStrike" dirty="0" smtClean="0"/>
                         <a:t>3.23.6</a:t>
                       </a:r>
                       <a:endParaRPr lang="fr-FR" dirty="0"/>
@@ -6085,7 +6085,7 @@
                     <a:lstStyle/>
                     <a:p>
                       <a:r>
-                        <a:rPr lang="en-US" sz="1800" b="0" i="0" u="none" dirty="0" smtClean="0"/>
+                        <a:rPr lang="en-US" sz="1800" b="0" i="0" u="none" strike="noStrike" dirty="0" smtClean="0"/>
                         <a:t>1.9.1</a:t>
                       </a:r>
                       <a:endParaRPr lang="fr-FR" sz="1800" b="0" i="0" u="none" dirty="0"/>
@@ -6116,7 +6116,7 @@
                         <a:defRPr/>
                       </a:pPr>
                       <a:r>
-                        <a:rPr lang="en-US" dirty="0" smtClean="0"/>
+                        <a:rPr lang="en-US" b="0" i="0" strike="noStrike" dirty="0" smtClean="0"/>
                         <a:t>1.9.2</a:t>
                       </a:r>
                       <a:endParaRPr lang="fr-FR" dirty="0" smtClean="0"/>
@@ -6130,7 +6130,7 @@
                     <a:lstStyle/>
                     <a:p>
                       <a:r>
-                        <a:rPr lang="en-US" dirty="0" smtClean="0"/>
+                        <a:rPr lang="en-US" b="0" i="0" strike="noStrike" dirty="0" smtClean="0"/>
                         <a:t>1.9.3</a:t>
                       </a:r>
                       <a:endParaRPr lang="fr-FR" dirty="0"/>
@@ -6144,7 +6144,7 @@
                     <a:lstStyle/>
                     <a:p>
                       <a:r>
-                        <a:rPr lang="en-US" dirty="0" smtClean="0"/>
+                        <a:rPr lang="en-US" b="0" i="0" strike="noStrike" dirty="0" smtClean="0"/>
                         <a:t>1.9.4</a:t>
                       </a:r>
                       <a:endParaRPr lang="fr-FR" dirty="0"/>
@@ -6158,7 +6158,7 @@
                     <a:lstStyle/>
                     <a:p>
                       <a:r>
-                        <a:rPr lang="en-US" dirty="0" smtClean="0"/>
+                        <a:rPr lang="en-US" b="0" i="0" strike="noStrike" dirty="0" smtClean="0"/>
                         <a:t>1.9.5</a:t>
                       </a:r>
                       <a:endParaRPr lang="fr-FR" dirty="0"/>
@@ -6172,7 +6172,7 @@
                     <a:lstStyle/>
                     <a:p>
                       <a:r>
-                        <a:rPr lang="en-US" dirty="0" smtClean="0"/>
+                        <a:rPr lang="en-US" b="0" i="0" strike="noStrike" dirty="0" smtClean="0"/>
                         <a:t>1.9.6</a:t>
                       </a:r>
                       <a:endParaRPr lang="fr-FR" dirty="0"/>
@@ -6188,7 +6188,7 @@
                     <a:lstStyle/>
                     <a:p>
                       <a:r>
-                        <a:rPr lang="en-US" dirty="0" smtClean="0"/>
+                        <a:rPr lang="en-US" b="0" i="0" strike="noStrike" dirty="0" smtClean="0"/>
                         <a:t>1.10.1</a:t>
                       </a:r>
                       <a:endParaRPr lang="fr-FR" dirty="0"/>
@@ -6219,7 +6219,7 @@
                         <a:defRPr/>
                       </a:pPr>
                       <a:r>
-                        <a:rPr lang="en-US" dirty="0" smtClean="0"/>
+                        <a:rPr lang="en-US" b="0" i="0" strike="noStrike" dirty="0" smtClean="0"/>
                         <a:t>1.10.2</a:t>
                       </a:r>
                       <a:endParaRPr lang="fr-FR" dirty="0" smtClean="0"/>
@@ -6233,7 +6233,7 @@
                     <a:lstStyle/>
                     <a:p>
                       <a:r>
-                        <a:rPr lang="en-US" dirty="0" smtClean="0"/>
+                        <a:rPr lang="en-US" b="0" i="0" strike="noStrike" dirty="0" smtClean="0"/>
                         <a:t>1.10.3</a:t>
                       </a:r>
                       <a:endParaRPr lang="fr-FR" dirty="0"/>
@@ -6247,7 +6247,7 @@
                     <a:lstStyle/>
                     <a:p>
                       <a:r>
-                        <a:rPr lang="en-US" dirty="0" smtClean="0"/>
+                        <a:rPr lang="en-US" b="0" i="0" strike="noStrike" dirty="0" smtClean="0"/>
                         <a:t>1.10.4</a:t>
                       </a:r>
                       <a:endParaRPr lang="fr-FR" dirty="0"/>
@@ -6261,7 +6261,7 @@
                     <a:lstStyle/>
                     <a:p>
                       <a:r>
-                        <a:rPr lang="en-US" dirty="0" smtClean="0"/>
+                        <a:rPr lang="en-US" b="0" i="0" strike="noStrike" dirty="0" smtClean="0"/>
                         <a:t>1.10.5</a:t>
                       </a:r>
                       <a:endParaRPr lang="fr-FR" dirty="0"/>
@@ -6275,7 +6275,7 @@
                     <a:lstStyle/>
                     <a:p>
                       <a:r>
-                        <a:rPr lang="en-US" dirty="0" smtClean="0"/>
+                        <a:rPr lang="en-US" b="0" i="0" strike="noStrike" dirty="0" smtClean="0"/>
                         <a:t>1.10.6</a:t>
                       </a:r>
                       <a:endParaRPr lang="fr-FR" dirty="0"/>
@@ -6413,7 +6413,7 @@
                     <a:lstStyle/>
                     <a:p>
                       <a:r>
-                        <a:rPr lang="en-US" dirty="0" smtClean="0"/>
+                        <a:rPr lang="en-US" b="0" i="0" strike="noStrike" dirty="0" smtClean="0"/>
                         <a:t>2.20.1</a:t>
                       </a:r>
                       <a:endParaRPr lang="fr-FR" dirty="0"/>
@@ -6444,7 +6444,7 @@
                         <a:defRPr/>
                       </a:pPr>
                       <a:r>
-                        <a:rPr lang="en-US" dirty="0" smtClean="0"/>
+                        <a:rPr lang="en-US" b="0" i="0" strike="noStrike" dirty="0" smtClean="0"/>
                         <a:t>2.20.2</a:t>
                       </a:r>
                       <a:endParaRPr lang="fr-FR" dirty="0" smtClean="0"/>
@@ -6458,7 +6458,7 @@
                     <a:lstStyle/>
                     <a:p>
                       <a:r>
-                        <a:rPr lang="en-US" dirty="0" smtClean="0"/>
+                        <a:rPr lang="en-US" b="0" i="0" strike="noStrike" dirty="0" smtClean="0"/>
                         <a:t>2.20.3</a:t>
                       </a:r>
                       <a:endParaRPr lang="fr-FR" dirty="0"/>
@@ -6472,7 +6472,7 @@
                     <a:lstStyle/>
                     <a:p>
                       <a:r>
-                        <a:rPr lang="en-US" dirty="0" smtClean="0"/>
+                        <a:rPr lang="en-US" b="0" i="0" strike="noStrike" dirty="0" smtClean="0"/>
                         <a:t>2.20.4</a:t>
                       </a:r>
                       <a:endParaRPr lang="fr-FR" dirty="0"/>
@@ -6486,7 +6486,7 @@
                     <a:lstStyle/>
                     <a:p>
                       <a:r>
-                        <a:rPr lang="en-US" dirty="0" smtClean="0"/>
+                        <a:rPr lang="en-US" b="0" i="0" strike="noStrike" dirty="0" smtClean="0"/>
                         <a:t>2.20.5</a:t>
                       </a:r>
                       <a:endParaRPr lang="fr-FR" dirty="0"/>
@@ -6500,7 +6500,7 @@
                     <a:lstStyle/>
                     <a:p>
                       <a:r>
-                        <a:rPr lang="en-US" dirty="0" smtClean="0"/>
+                        <a:rPr lang="en-US" b="0" i="0" strike="noStrike" dirty="0" smtClean="0"/>
                         <a:t>2.20.6</a:t>
                       </a:r>
                       <a:endParaRPr lang="fr-FR" dirty="0"/>
@@ -6516,7 +6516,7 @@
                     <a:lstStyle/>
                     <a:p>
                       <a:r>
-                        <a:rPr lang="en-US" dirty="0" smtClean="0"/>
+                        <a:rPr lang="en-US" b="0" i="0" strike="noStrike" dirty="0" smtClean="0"/>
                         <a:t>2.21.1</a:t>
                       </a:r>
                       <a:endParaRPr lang="fr-FR" dirty="0"/>
@@ -6547,7 +6547,7 @@
                         <a:defRPr/>
                       </a:pPr>
                       <a:r>
-                        <a:rPr lang="en-US" dirty="0" smtClean="0"/>
+                        <a:rPr lang="en-US" b="0" i="0" strike="noStrike" dirty="0" smtClean="0"/>
                         <a:t>2.21.2</a:t>
                       </a:r>
                       <a:endParaRPr lang="fr-FR" dirty="0" smtClean="0"/>
@@ -6561,7 +6561,7 @@
                     <a:lstStyle/>
                     <a:p>
                       <a:r>
-                        <a:rPr lang="en-US" dirty="0" smtClean="0"/>
+                        <a:rPr lang="en-US" b="0" i="0" strike="noStrike" dirty="0" smtClean="0"/>
                         <a:t>2.21.3</a:t>
                       </a:r>
                       <a:endParaRPr lang="fr-FR" dirty="0"/>
@@ -6575,7 +6575,7 @@
                     <a:lstStyle/>
                     <a:p>
                       <a:r>
-                        <a:rPr lang="en-US" dirty="0" smtClean="0"/>
+                        <a:rPr lang="en-US" b="0" i="0" strike="noStrike" dirty="0" smtClean="0"/>
                         <a:t>2.21.4</a:t>
                       </a:r>
                       <a:endParaRPr lang="fr-FR" dirty="0"/>
@@ -6589,7 +6589,7 @@
                     <a:lstStyle/>
                     <a:p>
                       <a:r>
-                        <a:rPr lang="en-US" dirty="0" smtClean="0"/>
+                        <a:rPr lang="en-US" b="0" i="0" strike="noStrike" dirty="0" smtClean="0"/>
                         <a:t>2.21.5</a:t>
                       </a:r>
                       <a:endParaRPr lang="fr-FR" dirty="0"/>
@@ -6603,7 +6603,7 @@
                     <a:lstStyle/>
                     <a:p>
                       <a:r>
-                        <a:rPr lang="en-US" dirty="0" smtClean="0"/>
+                        <a:rPr lang="en-US" b="0" i="0" strike="noStrike" dirty="0" smtClean="0"/>
                         <a:t>2.21.6</a:t>
                       </a:r>
                       <a:endParaRPr lang="fr-FR" dirty="0"/>
@@ -6741,7 +6741,7 @@
                     <a:lstStyle/>
                     <a:p>
                       <a:r>
-                        <a:rPr lang="en-US" dirty="0" smtClean="0"/>
+                        <a:rPr lang="en-US" b="0" i="0" strike="noStrike" dirty="0" smtClean="0"/>
                         <a:t>3.24.1</a:t>
                       </a:r>
                       <a:endParaRPr lang="fr-FR" dirty="0"/>
@@ -6772,7 +6772,7 @@
                         <a:defRPr/>
                       </a:pPr>
                       <a:r>
-                        <a:rPr lang="en-US" dirty="0" smtClean="0"/>
+                        <a:rPr lang="en-US" b="0" i="0" strike="noStrike" dirty="0" smtClean="0"/>
                         <a:t>3.24.2</a:t>
                       </a:r>
                       <a:endParaRPr lang="fr-FR" dirty="0" smtClean="0"/>
@@ -6786,7 +6786,7 @@
                     <a:lstStyle/>
                     <a:p>
                       <a:r>
-                        <a:rPr lang="en-US" dirty="0" smtClean="0"/>
+                        <a:rPr lang="en-US" b="0" i="0" strike="noStrike" dirty="0" smtClean="0"/>
                         <a:t>3.24.3</a:t>
                       </a:r>
                       <a:endParaRPr lang="fr-FR" dirty="0"/>
@@ -6800,7 +6800,7 @@
                     <a:lstStyle/>
                     <a:p>
                       <a:r>
-                        <a:rPr lang="en-US" dirty="0" smtClean="0"/>
+                        <a:rPr lang="en-US" b="0" i="0" strike="noStrike" dirty="0" smtClean="0"/>
                         <a:t>3.24.4</a:t>
                       </a:r>
                       <a:endParaRPr lang="fr-FR" dirty="0"/>
@@ -6814,7 +6814,7 @@
                     <a:lstStyle/>
                     <a:p>
                       <a:r>
-                        <a:rPr lang="en-US" dirty="0" smtClean="0"/>
+                        <a:rPr lang="en-US" b="0" i="0" strike="noStrike" dirty="0" smtClean="0"/>
                         <a:t>3.24.5</a:t>
                       </a:r>
                       <a:endParaRPr lang="fr-FR" dirty="0"/>
@@ -6828,7 +6828,7 @@
                     <a:lstStyle/>
                     <a:p>
                       <a:r>
-                        <a:rPr lang="en-US" dirty="0" smtClean="0"/>
+                        <a:rPr lang="en-US" b="0" i="0" strike="noStrike" dirty="0" smtClean="0"/>
                         <a:t>3.24.6</a:t>
                       </a:r>
                       <a:endParaRPr lang="fr-FR" dirty="0"/>
@@ -6844,7 +6844,7 @@
                     <a:lstStyle/>
                     <a:p>
                       <a:r>
-                        <a:rPr lang="en-US" dirty="0" smtClean="0"/>
+                        <a:rPr lang="en-US" b="0" i="0" strike="noStrike" dirty="0" smtClean="0"/>
                         <a:t>3.25.1</a:t>
                       </a:r>
                       <a:endParaRPr lang="fr-FR" dirty="0"/>
@@ -6875,7 +6875,7 @@
                         <a:defRPr/>
                       </a:pPr>
                       <a:r>
-                        <a:rPr lang="en-US" dirty="0" smtClean="0"/>
+                        <a:rPr lang="en-US" b="0" i="0" strike="noStrike" dirty="0" smtClean="0"/>
                         <a:t>3.25.2</a:t>
                       </a:r>
                       <a:endParaRPr lang="fr-FR" dirty="0" smtClean="0"/>
@@ -6889,7 +6889,7 @@
                     <a:lstStyle/>
                     <a:p>
                       <a:r>
-                        <a:rPr lang="en-US" dirty="0" smtClean="0"/>
+                        <a:rPr lang="en-US" b="0" i="0" strike="noStrike" dirty="0" smtClean="0"/>
                         <a:t>3.25.3</a:t>
                       </a:r>
                       <a:endParaRPr lang="fr-FR" dirty="0"/>
@@ -6903,7 +6903,7 @@
                     <a:lstStyle/>
                     <a:p>
                       <a:r>
-                        <a:rPr lang="en-US" dirty="0" smtClean="0"/>
+                        <a:rPr lang="en-US" b="0" i="0" strike="noStrike" dirty="0" smtClean="0"/>
                         <a:t>3.25.4</a:t>
                       </a:r>
                       <a:endParaRPr lang="fr-FR" dirty="0"/>
@@ -6917,7 +6917,7 @@
                     <a:lstStyle/>
                     <a:p>
                       <a:r>
-                        <a:rPr lang="en-US" dirty="0" smtClean="0"/>
+                        <a:rPr lang="en-US" b="0" i="0" strike="noStrike" dirty="0" smtClean="0"/>
                         <a:t>3.25.5</a:t>
                       </a:r>
                       <a:endParaRPr lang="fr-FR" dirty="0"/>
@@ -6931,7 +6931,7 @@
                     <a:lstStyle/>
                     <a:p>
                       <a:r>
-                        <a:rPr lang="en-US" dirty="0" smtClean="0"/>
+                        <a:rPr lang="en-US" b="0" i="0" strike="noStrike" dirty="0" smtClean="0"/>
                         <a:t>3.25.6</a:t>
                       </a:r>
                       <a:endParaRPr lang="fr-FR" dirty="0"/>
@@ -6947,7 +6947,7 @@
                     <a:lstStyle/>
                     <a:p>
                       <a:r>
-                        <a:rPr lang="en-US" dirty="0" smtClean="0"/>
+                        <a:rPr lang="en-US" b="0" i="0" strike="noStrike" dirty="0" smtClean="0"/>
                         <a:t>3.26.1</a:t>
                       </a:r>
                       <a:endParaRPr lang="fr-FR" dirty="0"/>
@@ -6978,7 +6978,7 @@
                         <a:defRPr/>
                       </a:pPr>
                       <a:r>
-                        <a:rPr lang="en-US" dirty="0" smtClean="0"/>
+                        <a:rPr lang="en-US" b="0" i="0" strike="noStrike" dirty="0" smtClean="0"/>
                         <a:t>3.26.2</a:t>
                       </a:r>
                       <a:endParaRPr lang="fr-FR" dirty="0" smtClean="0"/>
@@ -6992,7 +6992,7 @@
                     <a:lstStyle/>
                     <a:p>
                       <a:r>
-                        <a:rPr lang="en-US" dirty="0" smtClean="0"/>
+                        <a:rPr lang="en-US" b="0" i="0" strike="noStrike" dirty="0" smtClean="0"/>
                         <a:t>3.26.3</a:t>
                       </a:r>
                       <a:endParaRPr lang="fr-FR" dirty="0"/>
@@ -7006,7 +7006,7 @@
                     <a:lstStyle/>
                     <a:p>
                       <a:r>
-                        <a:rPr lang="en-US" dirty="0" smtClean="0"/>
+                        <a:rPr lang="en-US" b="0" i="0" strike="noStrike" dirty="0" smtClean="0"/>
                         <a:t>3.26.4</a:t>
                       </a:r>
                       <a:endParaRPr lang="fr-FR" dirty="0"/>
@@ -7020,7 +7020,7 @@
                     <a:lstStyle/>
                     <a:p>
                       <a:r>
-                        <a:rPr lang="en-US" dirty="0" smtClean="0"/>
+                        <a:rPr lang="en-US" b="0" i="0" strike="noStrike" dirty="0" smtClean="0"/>
                         <a:t>3.26.5</a:t>
                       </a:r>
                       <a:endParaRPr lang="fr-FR" dirty="0"/>
@@ -7034,7 +7034,7 @@
                     <a:lstStyle/>
                     <a:p>
                       <a:r>
-                        <a:rPr lang="en-US" dirty="0" smtClean="0"/>
+                        <a:rPr lang="en-US" b="0" i="0" strike="noStrike" dirty="0" smtClean="0"/>
                         <a:t>3.26.6</a:t>
                       </a:r>
                       <a:endParaRPr lang="fr-FR" dirty="0"/>
@@ -7050,7 +7050,7 @@
                     <a:lstStyle/>
                     <a:p>
                       <a:r>
-                        <a:rPr lang="en-US" dirty="0" smtClean="0"/>
+                        <a:rPr lang="en-US" b="0" i="0" strike="noStrike" dirty="0" smtClean="0"/>
                         <a:t>3.27.1</a:t>
                       </a:r>
                       <a:endParaRPr lang="fr-FR" dirty="0"/>
@@ -7081,7 +7081,7 @@
                         <a:defRPr/>
                       </a:pPr>
                       <a:r>
-                        <a:rPr lang="en-US" dirty="0" smtClean="0"/>
+                        <a:rPr lang="en-US" b="0" i="0" strike="noStrike" dirty="0" smtClean="0"/>
                         <a:t>3.27.2</a:t>
                       </a:r>
                       <a:endParaRPr lang="fr-FR" dirty="0" smtClean="0"/>
@@ -7095,7 +7095,7 @@
                     <a:lstStyle/>
                     <a:p>
                       <a:r>
-                        <a:rPr lang="en-US" dirty="0" smtClean="0"/>
+                        <a:rPr lang="en-US" b="0" i="0" strike="noStrike" dirty="0" smtClean="0"/>
                         <a:t>3.27.3</a:t>
                       </a:r>
                       <a:endParaRPr lang="fr-FR" dirty="0"/>
@@ -7109,7 +7109,7 @@
                     <a:lstStyle/>
                     <a:p>
                       <a:r>
-                        <a:rPr lang="en-US" dirty="0" smtClean="0"/>
+                        <a:rPr lang="en-US" b="0" i="0" strike="noStrike" dirty="0" smtClean="0"/>
                         <a:t>3.27.4</a:t>
                       </a:r>
                       <a:endParaRPr lang="fr-FR" dirty="0"/>
@@ -7123,7 +7123,7 @@
                     <a:lstStyle/>
                     <a:p>
                       <a:r>
-                        <a:rPr lang="en-US" dirty="0" smtClean="0"/>
+                        <a:rPr lang="en-US" b="0" i="0" strike="noStrike" dirty="0" smtClean="0"/>
                         <a:t>3.27.5</a:t>
                       </a:r>
                       <a:endParaRPr lang="fr-FR" dirty="0"/>
@@ -7137,7 +7137,7 @@
                     <a:lstStyle/>
                     <a:p>
                       <a:r>
-                        <a:rPr lang="en-US" dirty="0" smtClean="0"/>
+                        <a:rPr lang="en-US" b="0" i="0" strike="noStrike" dirty="0" smtClean="0"/>
                         <a:t>3.27.6</a:t>
                       </a:r>
                       <a:endParaRPr lang="fr-FR" dirty="0"/>
@@ -7305,7 +7305,7 @@
                     <a:lstStyle/>
                     <a:p>
                       <a:r>
-                        <a:rPr lang="en-US" sz="1800" b="0" i="0" u="none" dirty="0" smtClean="0"/>
+                        <a:rPr lang="en-US" sz="1800" b="0" i="0" u="none" strike="noStrike" dirty="0" smtClean="0"/>
                         <a:t>1.9.1</a:t>
                       </a:r>
                       <a:endParaRPr lang="fr-FR" sz="1800" b="0" i="0" u="none" dirty="0"/>
@@ -7336,7 +7336,7 @@
                         <a:defRPr/>
                       </a:pPr>
                       <a:r>
-                        <a:rPr lang="en-US" dirty="0" smtClean="0"/>
+                        <a:rPr lang="en-US" b="0" i="0" strike="noStrike" dirty="0" smtClean="0"/>
                         <a:t>1.9.2</a:t>
                       </a:r>
                       <a:endParaRPr lang="fr-FR" dirty="0" smtClean="0"/>
@@ -7350,7 +7350,7 @@
                     <a:lstStyle/>
                     <a:p>
                       <a:r>
-                        <a:rPr lang="en-US" dirty="0" smtClean="0"/>
+                        <a:rPr lang="en-US" b="0" i="0" strike="noStrike" dirty="0" smtClean="0"/>
                         <a:t>1.9.3</a:t>
                       </a:r>
                       <a:endParaRPr lang="fr-FR" dirty="0"/>
@@ -7364,7 +7364,7 @@
                     <a:lstStyle/>
                     <a:p>
                       <a:r>
-                        <a:rPr lang="en-US" dirty="0" smtClean="0"/>
+                        <a:rPr lang="en-US" b="0" i="0" strike="noStrike" dirty="0" smtClean="0"/>
                         <a:t>1.9.4</a:t>
                       </a:r>
                       <a:endParaRPr lang="fr-FR" dirty="0"/>
@@ -7378,7 +7378,7 @@
                     <a:lstStyle/>
                     <a:p>
                       <a:r>
-                        <a:rPr lang="en-US" dirty="0" smtClean="0"/>
+                        <a:rPr lang="en-US" b="0" i="0" strike="noStrike" dirty="0" smtClean="0"/>
                         <a:t>1.9.5</a:t>
                       </a:r>
                       <a:endParaRPr lang="fr-FR" dirty="0"/>
@@ -7392,7 +7392,7 @@
                     <a:lstStyle/>
                     <a:p>
                       <a:r>
-                        <a:rPr lang="en-US" dirty="0" smtClean="0"/>
+                        <a:rPr lang="en-US" b="0" i="0" strike="noStrike" dirty="0" smtClean="0"/>
                         <a:t>1.9.6</a:t>
                       </a:r>
                       <a:endParaRPr lang="fr-FR" dirty="0"/>
@@ -7408,7 +7408,7 @@
                     <a:lstStyle/>
                     <a:p>
                       <a:r>
-                        <a:rPr lang="en-US" dirty="0" smtClean="0"/>
+                        <a:rPr lang="en-US" b="0" i="0" strike="noStrike" dirty="0" smtClean="0"/>
                         <a:t>1.10.1</a:t>
                       </a:r>
                       <a:endParaRPr lang="fr-FR" dirty="0"/>
@@ -7439,7 +7439,7 @@
                         <a:defRPr/>
                       </a:pPr>
                       <a:r>
-                        <a:rPr lang="en-US" dirty="0" smtClean="0"/>
+                        <a:rPr lang="en-US" b="0" i="0" strike="noStrike" dirty="0" smtClean="0"/>
                         <a:t>1.10.2</a:t>
                       </a:r>
                       <a:endParaRPr lang="fr-FR" dirty="0" smtClean="0"/>
@@ -7453,7 +7453,7 @@
                     <a:lstStyle/>
                     <a:p>
                       <a:r>
-                        <a:rPr lang="en-US" dirty="0" smtClean="0"/>
+                        <a:rPr lang="en-US" b="0" i="0" strike="noStrike" dirty="0" smtClean="0"/>
                         <a:t>1.10.3</a:t>
                       </a:r>
                       <a:endParaRPr lang="fr-FR" dirty="0"/>
@@ -7467,7 +7467,7 @@
                     <a:lstStyle/>
                     <a:p>
                       <a:r>
-                        <a:rPr lang="en-US" dirty="0" smtClean="0"/>
+                        <a:rPr lang="en-US" b="0" i="0" strike="noStrike" dirty="0" smtClean="0"/>
                         <a:t>1.10.4</a:t>
                       </a:r>
                       <a:endParaRPr lang="fr-FR" dirty="0"/>
@@ -7481,7 +7481,7 @@
                     <a:lstStyle/>
                     <a:p>
                       <a:r>
-                        <a:rPr lang="en-US" dirty="0" smtClean="0"/>
+                        <a:rPr lang="en-US" b="0" i="0" strike="noStrike" dirty="0" smtClean="0"/>
                         <a:t>1.10.5</a:t>
                       </a:r>
                       <a:endParaRPr lang="fr-FR" dirty="0"/>
@@ -7495,7 +7495,7 @@
                     <a:lstStyle/>
                     <a:p>
                       <a:r>
-                        <a:rPr lang="en-US" dirty="0" smtClean="0"/>
+                        <a:rPr lang="en-US" b="0" i="0" strike="noStrike" dirty="0" smtClean="0"/>
                         <a:t>1.10.6</a:t>
                       </a:r>
                       <a:endParaRPr lang="fr-FR" dirty="0"/>
@@ -7633,7 +7633,7 @@
                     <a:lstStyle/>
                     <a:p>
                       <a:r>
-                        <a:rPr lang="en-US" dirty="0" smtClean="0"/>
+                        <a:rPr lang="en-US" b="0" i="0" strike="noStrike" dirty="0" smtClean="0"/>
                         <a:t>2.20.1</a:t>
                       </a:r>
                       <a:endParaRPr lang="fr-FR" dirty="0"/>
@@ -7664,7 +7664,7 @@
                         <a:defRPr/>
                       </a:pPr>
                       <a:r>
-                        <a:rPr lang="en-US" dirty="0" smtClean="0"/>
+                        <a:rPr lang="en-US" b="0" i="0" strike="noStrike" dirty="0" smtClean="0"/>
                         <a:t>2.20.2</a:t>
                       </a:r>
                       <a:endParaRPr lang="fr-FR" dirty="0" smtClean="0"/>
@@ -7678,7 +7678,7 @@
                     <a:lstStyle/>
                     <a:p>
                       <a:r>
-                        <a:rPr lang="en-US" dirty="0" smtClean="0"/>
+                        <a:rPr lang="en-US" b="0" i="0" strike="noStrike" dirty="0" smtClean="0"/>
                         <a:t>2.20.3</a:t>
                       </a:r>
                       <a:endParaRPr lang="fr-FR" dirty="0"/>
@@ -7692,7 +7692,7 @@
                     <a:lstStyle/>
                     <a:p>
                       <a:r>
-                        <a:rPr lang="en-US" dirty="0" smtClean="0"/>
+                        <a:rPr lang="en-US" b="0" i="0" strike="noStrike" dirty="0" smtClean="0"/>
                         <a:t>2.20.4</a:t>
                       </a:r>
                       <a:endParaRPr lang="fr-FR" dirty="0"/>
@@ -7706,7 +7706,7 @@
                     <a:lstStyle/>
                     <a:p>
                       <a:r>
-                        <a:rPr lang="en-US" dirty="0" smtClean="0"/>
+                        <a:rPr lang="en-US" b="0" i="0" strike="noStrike" dirty="0" smtClean="0"/>
                         <a:t>2.20.5</a:t>
                       </a:r>
                       <a:endParaRPr lang="fr-FR" dirty="0"/>
@@ -7720,7 +7720,7 @@
                     <a:lstStyle/>
                     <a:p>
                       <a:r>
-                        <a:rPr lang="en-US" dirty="0" smtClean="0"/>
+                        <a:rPr lang="en-US" b="0" i="0" strike="noStrike" dirty="0" smtClean="0"/>
                         <a:t>2.20.6</a:t>
                       </a:r>
                       <a:endParaRPr lang="fr-FR" dirty="0"/>
@@ -7736,7 +7736,7 @@
                     <a:lstStyle/>
                     <a:p>
                       <a:r>
-                        <a:rPr lang="en-US" dirty="0" smtClean="0"/>
+                        <a:rPr lang="en-US" b="0" i="0" strike="noStrike" dirty="0" smtClean="0"/>
                         <a:t>2.21.1</a:t>
                       </a:r>
                       <a:endParaRPr lang="fr-FR" dirty="0"/>
@@ -7767,7 +7767,7 @@
                         <a:defRPr/>
                       </a:pPr>
                       <a:r>
-                        <a:rPr lang="en-US" dirty="0" smtClean="0"/>
+                        <a:rPr lang="en-US" b="0" i="0" strike="noStrike" dirty="0" smtClean="0"/>
                         <a:t>2.21.2</a:t>
                       </a:r>
                       <a:endParaRPr lang="fr-FR" dirty="0" smtClean="0"/>
@@ -7781,7 +7781,7 @@
                     <a:lstStyle/>
                     <a:p>
                       <a:r>
-                        <a:rPr lang="en-US" dirty="0" smtClean="0"/>
+                        <a:rPr lang="en-US" b="0" i="0" strike="noStrike" dirty="0" smtClean="0"/>
                         <a:t>2.21.3</a:t>
                       </a:r>
                       <a:endParaRPr lang="fr-FR" dirty="0"/>
@@ -7795,7 +7795,7 @@
                     <a:lstStyle/>
                     <a:p>
                       <a:r>
-                        <a:rPr lang="en-US" dirty="0" smtClean="0"/>
+                        <a:rPr lang="en-US" b="0" i="0" strike="noStrike" dirty="0" smtClean="0"/>
                         <a:t>2.21.4</a:t>
                       </a:r>
                       <a:endParaRPr lang="fr-FR" dirty="0"/>
@@ -7809,7 +7809,7 @@
                     <a:lstStyle/>
                     <a:p>
                       <a:r>
-                        <a:rPr lang="en-US" dirty="0" smtClean="0"/>
+                        <a:rPr lang="en-US" b="0" i="0" strike="noStrike" dirty="0" smtClean="0"/>
                         <a:t>2.21.5</a:t>
                       </a:r>
                       <a:endParaRPr lang="fr-FR" dirty="0"/>
@@ -7823,7 +7823,7 @@
                     <a:lstStyle/>
                     <a:p>
                       <a:r>
-                        <a:rPr lang="en-US" dirty="0" smtClean="0"/>
+                        <a:rPr lang="en-US" b="0" i="0" strike="noStrike" dirty="0" smtClean="0"/>
                         <a:t>2.21.6</a:t>
                       </a:r>
                       <a:endParaRPr lang="fr-FR" dirty="0"/>
@@ -7961,7 +7961,7 @@
                     <a:lstStyle/>
                     <a:p>
                       <a:r>
-                        <a:rPr lang="en-US" dirty="0" smtClean="0"/>
+                        <a:rPr lang="en-US" b="0" i="0" strike="noStrike" dirty="0" smtClean="0"/>
                         <a:t>3.28.1</a:t>
                       </a:r>
                       <a:endParaRPr lang="fr-FR" dirty="0"/>
@@ -7992,7 +7992,7 @@
                         <a:defRPr/>
                       </a:pPr>
                       <a:r>
-                        <a:rPr lang="en-US" dirty="0" smtClean="0"/>
+                        <a:rPr lang="en-US" b="0" i="0" strike="noStrike" dirty="0" smtClean="0"/>
                         <a:t>3.28.2</a:t>
                       </a:r>
                       <a:endParaRPr lang="fr-FR" dirty="0" smtClean="0"/>
@@ -8006,7 +8006,7 @@
                     <a:lstStyle/>
                     <a:p>
                       <a:r>
-                        <a:rPr lang="en-US" dirty="0" smtClean="0"/>
+                        <a:rPr lang="en-US" b="0" i="0" strike="noStrike" dirty="0" smtClean="0"/>
                         <a:t>3.28.3</a:t>
                       </a:r>
                       <a:endParaRPr lang="fr-FR" dirty="0"/>
@@ -8020,7 +8020,7 @@
                     <a:lstStyle/>
                     <a:p>
                       <a:r>
-                        <a:rPr lang="en-US" dirty="0" smtClean="0"/>
+                        <a:rPr lang="en-US" b="0" i="0" strike="noStrike" dirty="0" smtClean="0"/>
                         <a:t>3.28.4</a:t>
                       </a:r>
                       <a:endParaRPr lang="fr-FR" dirty="0"/>
@@ -8034,7 +8034,7 @@
                     <a:lstStyle/>
                     <a:p>
                       <a:r>
-                        <a:rPr lang="en-US" dirty="0" smtClean="0"/>
+                        <a:rPr lang="en-US" b="0" i="0" strike="noStrike" dirty="0" smtClean="0"/>
                         <a:t>3.28.5</a:t>
                       </a:r>
                       <a:endParaRPr lang="fr-FR" dirty="0"/>
@@ -8048,7 +8048,7 @@
                     <a:lstStyle/>
                     <a:p>
                       <a:r>
-                        <a:rPr lang="en-US" dirty="0" smtClean="0"/>
+                        <a:rPr lang="en-US" b="0" i="0" strike="noStrike" dirty="0" smtClean="0"/>
                         <a:t>3.28.6</a:t>
                       </a:r>
                       <a:endParaRPr lang="fr-FR" dirty="0"/>
@@ -8064,7 +8064,7 @@
                     <a:lstStyle/>
                     <a:p>
                       <a:r>
-                        <a:rPr lang="en-US" dirty="0" smtClean="0"/>
+                        <a:rPr lang="en-US" b="0" i="0" strike="noStrike" dirty="0" smtClean="0"/>
                         <a:t>3.29.1</a:t>
                       </a:r>
                       <a:endParaRPr lang="fr-FR" dirty="0"/>
@@ -8095,7 +8095,7 @@
                         <a:defRPr/>
                       </a:pPr>
                       <a:r>
-                        <a:rPr lang="en-US" dirty="0" smtClean="0"/>
+                        <a:rPr lang="en-US" b="0" i="0" strike="noStrike" dirty="0" smtClean="0"/>
                         <a:t>3.29.2</a:t>
                       </a:r>
                       <a:endParaRPr lang="fr-FR" dirty="0" smtClean="0"/>
@@ -8109,7 +8109,7 @@
                     <a:lstStyle/>
                     <a:p>
                       <a:r>
-                        <a:rPr lang="en-US" dirty="0" smtClean="0"/>
+                        <a:rPr lang="en-US" b="0" i="0" strike="noStrike" dirty="0" smtClean="0"/>
                         <a:t>3.29.3</a:t>
                       </a:r>
                       <a:endParaRPr lang="fr-FR" dirty="0"/>
@@ -8123,7 +8123,7 @@
                     <a:lstStyle/>
                     <a:p>
                       <a:r>
-                        <a:rPr lang="en-US" dirty="0" smtClean="0"/>
+                        <a:rPr lang="en-US" b="0" i="0" strike="noStrike" dirty="0" smtClean="0"/>
                         <a:t>3.29.4</a:t>
                       </a:r>
                       <a:endParaRPr lang="fr-FR" dirty="0"/>
@@ -8137,7 +8137,7 @@
                     <a:lstStyle/>
                     <a:p>
                       <a:r>
-                        <a:rPr lang="en-US" dirty="0" smtClean="0"/>
+                        <a:rPr lang="en-US" b="0" i="0" strike="noStrike" dirty="0" smtClean="0"/>
                         <a:t>3.29.5</a:t>
                       </a:r>
                       <a:endParaRPr lang="fr-FR" dirty="0"/>
@@ -8151,7 +8151,7 @@
                     <a:lstStyle/>
                     <a:p>
                       <a:r>
-                        <a:rPr lang="en-US" dirty="0" smtClean="0"/>
+                        <a:rPr lang="en-US" b="0" i="0" strike="noStrike" dirty="0" smtClean="0"/>
                         <a:t>3.29.6</a:t>
                       </a:r>
                       <a:endParaRPr lang="fr-FR" dirty="0"/>
@@ -8167,7 +8167,7 @@
                     <a:lstStyle/>
                     <a:p>
                       <a:r>
-                        <a:rPr lang="en-US" dirty="0" smtClean="0"/>
+                        <a:rPr lang="en-US" b="0" i="0" strike="noStrike" dirty="0" smtClean="0"/>
                         <a:t>3.30.1</a:t>
                       </a:r>
                       <a:endParaRPr lang="fr-FR" dirty="0"/>
@@ -8198,7 +8198,7 @@
                         <a:defRPr/>
                       </a:pPr>
                       <a:r>
-                        <a:rPr lang="en-US" dirty="0" smtClean="0"/>
+                        <a:rPr lang="en-US" b="0" i="0" strike="noStrike" dirty="0" smtClean="0"/>
                         <a:t>3.30.2</a:t>
                       </a:r>
                       <a:endParaRPr lang="fr-FR" dirty="0" smtClean="0"/>
@@ -8212,7 +8212,7 @@
                     <a:lstStyle/>
                     <a:p>
                       <a:r>
-                        <a:rPr lang="en-US" dirty="0" smtClean="0"/>
+                        <a:rPr lang="en-US" b="0" i="0" strike="noStrike" dirty="0" smtClean="0"/>
                         <a:t>3.30.3</a:t>
                       </a:r>
                       <a:endParaRPr lang="fr-FR" dirty="0"/>
@@ -8226,7 +8226,7 @@
                     <a:lstStyle/>
                     <a:p>
                       <a:r>
-                        <a:rPr lang="en-US" dirty="0" smtClean="0"/>
+                        <a:rPr lang="en-US" b="0" i="0" strike="noStrike" dirty="0" smtClean="0"/>
                         <a:t>3.30.4</a:t>
                       </a:r>
                       <a:endParaRPr lang="fr-FR" dirty="0"/>
@@ -8240,7 +8240,7 @@
                     <a:lstStyle/>
                     <a:p>
                       <a:r>
-                        <a:rPr lang="en-US" dirty="0" smtClean="0"/>
+                        <a:rPr lang="en-US" b="0" i="0" strike="noStrike" dirty="0" smtClean="0"/>
                         <a:t>3.30.5</a:t>
                       </a:r>
                       <a:endParaRPr lang="fr-FR" dirty="0"/>
@@ -8254,7 +8254,7 @@
                     <a:lstStyle/>
                     <a:p>
                       <a:r>
-                        <a:rPr lang="en-US" dirty="0" smtClean="0"/>
+                        <a:rPr lang="en-US" b="0" i="0" strike="noStrike" dirty="0" smtClean="0"/>
                         <a:t>3.30.6</a:t>
                       </a:r>
                       <a:endParaRPr lang="fr-FR" dirty="0"/>
@@ -8270,7 +8270,7 @@
                     <a:lstStyle/>
                     <a:p>
                       <a:r>
-                        <a:rPr lang="en-US" dirty="0" smtClean="0"/>
+                        <a:rPr lang="en-US" b="0" i="0" strike="noStrike" dirty="0" smtClean="0"/>
                         <a:t>3.31.1</a:t>
                       </a:r>
                       <a:endParaRPr lang="fr-FR" dirty="0"/>
@@ -8301,7 +8301,7 @@
                         <a:defRPr/>
                       </a:pPr>
                       <a:r>
-                        <a:rPr lang="en-US" dirty="0" smtClean="0"/>
+                        <a:rPr lang="en-US" b="0" i="0" strike="noStrike" dirty="0" smtClean="0"/>
                         <a:t>3.31.2</a:t>
                       </a:r>
                       <a:endParaRPr lang="fr-FR" dirty="0" smtClean="0"/>
@@ -8315,7 +8315,7 @@
                     <a:lstStyle/>
                     <a:p>
                       <a:r>
-                        <a:rPr lang="en-US" dirty="0" smtClean="0"/>
+                        <a:rPr lang="en-US" b="0" i="0" strike="noStrike" dirty="0" smtClean="0"/>
                         <a:t>3.31.3</a:t>
                       </a:r>
                       <a:endParaRPr lang="fr-FR" dirty="0"/>
@@ -8329,7 +8329,7 @@
                     <a:lstStyle/>
                     <a:p>
                       <a:r>
-                        <a:rPr lang="en-US" dirty="0" smtClean="0"/>
+                        <a:rPr lang="en-US" b="0" i="0" strike="noStrike" dirty="0" smtClean="0"/>
                         <a:t>3.31.4</a:t>
                       </a:r>
                       <a:endParaRPr lang="fr-FR" dirty="0"/>
@@ -8343,7 +8343,7 @@
                     <a:lstStyle/>
                     <a:p>
                       <a:r>
-                        <a:rPr lang="en-US" dirty="0" smtClean="0"/>
+                        <a:rPr lang="en-US" b="0" i="0" strike="noStrike" dirty="0" smtClean="0"/>
                         <a:t>3.31.5</a:t>
                       </a:r>
                       <a:endParaRPr lang="fr-FR" dirty="0"/>
@@ -8357,7 +8357,7 @@
                     <a:lstStyle/>
                     <a:p>
                       <a:r>
-                        <a:rPr lang="en-US" dirty="0" smtClean="0"/>
+                        <a:rPr lang="en-US" b="0" i="0" strike="noStrike" dirty="0" smtClean="0"/>
                         <a:t>3.31.6</a:t>
                       </a:r>
                       <a:endParaRPr lang="fr-FR" dirty="0"/>
@@ -8525,7 +8525,7 @@
                     <a:lstStyle/>
                     <a:p>
                       <a:r>
-                        <a:rPr lang="en-US" sz="1800" b="0" i="0" u="none" dirty="0" smtClean="0"/>
+                        <a:rPr lang="en-US" sz="1800" b="0" i="0" u="none" strike="noStrike" dirty="0" smtClean="0"/>
                         <a:t>1.9.1</a:t>
                       </a:r>
                       <a:endParaRPr lang="fr-FR" sz="1800" b="0" i="0" u="none" dirty="0"/>
@@ -8556,7 +8556,7 @@
                         <a:defRPr/>
                       </a:pPr>
                       <a:r>
-                        <a:rPr lang="en-US" dirty="0" smtClean="0"/>
+                        <a:rPr lang="en-US" b="0" i="0" strike="noStrike" dirty="0" smtClean="0"/>
                         <a:t>1.9.2</a:t>
                       </a:r>
                       <a:endParaRPr lang="fr-FR" dirty="0" smtClean="0"/>
@@ -8570,7 +8570,7 @@
                     <a:lstStyle/>
                     <a:p>
                       <a:r>
-                        <a:rPr lang="en-US" dirty="0" smtClean="0"/>
+                        <a:rPr lang="en-US" b="0" i="0" strike="noStrike" dirty="0" smtClean="0"/>
                         <a:t>1.9.3</a:t>
                       </a:r>
                       <a:endParaRPr lang="fr-FR" dirty="0"/>
@@ -8584,7 +8584,7 @@
                     <a:lstStyle/>
                     <a:p>
                       <a:r>
-                        <a:rPr lang="en-US" dirty="0" smtClean="0"/>
+                        <a:rPr lang="en-US" b="0" i="0" strike="noStrike" dirty="0" smtClean="0"/>
                         <a:t>1.9.4</a:t>
                       </a:r>
                       <a:endParaRPr lang="fr-FR" dirty="0"/>
@@ -8598,7 +8598,7 @@
                     <a:lstStyle/>
                     <a:p>
                       <a:r>
-                        <a:rPr lang="en-US" dirty="0" smtClean="0"/>
+                        <a:rPr lang="en-US" b="0" i="0" strike="noStrike" dirty="0" smtClean="0"/>
                         <a:t>1.9.5</a:t>
                       </a:r>
                       <a:endParaRPr lang="fr-FR" dirty="0"/>
@@ -8612,7 +8612,7 @@
                     <a:lstStyle/>
                     <a:p>
                       <a:r>
-                        <a:rPr lang="en-US" dirty="0" smtClean="0"/>
+                        <a:rPr lang="en-US" b="0" i="0" strike="noStrike" dirty="0" smtClean="0"/>
                         <a:t>1.9.6</a:t>
                       </a:r>
                       <a:endParaRPr lang="fr-FR" dirty="0"/>
@@ -8628,7 +8628,7 @@
                     <a:lstStyle/>
                     <a:p>
                       <a:r>
-                        <a:rPr lang="en-US" dirty="0" smtClean="0"/>
+                        <a:rPr lang="en-US" b="0" i="0" strike="noStrike" dirty="0" smtClean="0"/>
                         <a:t>1.10.1</a:t>
                       </a:r>
                       <a:endParaRPr lang="fr-FR" dirty="0"/>
@@ -8659,7 +8659,7 @@
                         <a:defRPr/>
                       </a:pPr>
                       <a:r>
-                        <a:rPr lang="en-US" dirty="0" smtClean="0"/>
+                        <a:rPr lang="en-US" b="0" i="0" strike="noStrike" dirty="0" smtClean="0"/>
                         <a:t>1.10.2</a:t>
                       </a:r>
                       <a:endParaRPr lang="fr-FR" dirty="0" smtClean="0"/>
@@ -8673,7 +8673,7 @@
                     <a:lstStyle/>
                     <a:p>
                       <a:r>
-                        <a:rPr lang="en-US" dirty="0" smtClean="0"/>
+                        <a:rPr lang="en-US" b="0" i="0" strike="noStrike" dirty="0" smtClean="0"/>
                         <a:t>1.10.3</a:t>
                       </a:r>
                       <a:endParaRPr lang="fr-FR" dirty="0"/>
@@ -8687,7 +8687,7 @@
                     <a:lstStyle/>
                     <a:p>
                       <a:r>
-                        <a:rPr lang="en-US" dirty="0" smtClean="0"/>
+                        <a:rPr lang="en-US" b="0" i="0" strike="noStrike" dirty="0" smtClean="0"/>
                         <a:t>1.10.4</a:t>
                       </a:r>
                       <a:endParaRPr lang="fr-FR" dirty="0"/>
@@ -8701,7 +8701,7 @@
                     <a:lstStyle/>
                     <a:p>
                       <a:r>
-                        <a:rPr lang="en-US" dirty="0" smtClean="0"/>
+                        <a:rPr lang="en-US" b="0" i="0" strike="noStrike" dirty="0" smtClean="0"/>
                         <a:t>1.10.5</a:t>
                       </a:r>
                       <a:endParaRPr lang="fr-FR" dirty="0"/>
@@ -8715,7 +8715,7 @@
                     <a:lstStyle/>
                     <a:p>
                       <a:r>
-                        <a:rPr lang="en-US" dirty="0" smtClean="0"/>
+                        <a:rPr lang="en-US" b="0" i="0" strike="noStrike" dirty="0" smtClean="0"/>
                         <a:t>1.10.6</a:t>
                       </a:r>
                       <a:endParaRPr lang="fr-FR" dirty="0"/>
@@ -8853,7 +8853,7 @@
                     <a:lstStyle/>
                     <a:p>
                       <a:r>
-                        <a:rPr lang="en-US" dirty="0" smtClean="0"/>
+                        <a:rPr lang="en-US" b="0" i="0" strike="noStrike" dirty="0" smtClean="0"/>
                         <a:t>2.20.1</a:t>
                       </a:r>
                       <a:endParaRPr lang="fr-FR" dirty="0"/>
@@ -8884,7 +8884,7 @@
                         <a:defRPr/>
                       </a:pPr>
                       <a:r>
-                        <a:rPr lang="en-US" dirty="0" smtClean="0"/>
+                        <a:rPr lang="en-US" b="0" i="0" strike="noStrike" dirty="0" smtClean="0"/>
                         <a:t>2.20.2</a:t>
                       </a:r>
                       <a:endParaRPr lang="fr-FR" dirty="0" smtClean="0"/>
@@ -8898,7 +8898,7 @@
                     <a:lstStyle/>
                     <a:p>
                       <a:r>
-                        <a:rPr lang="en-US" dirty="0" smtClean="0"/>
+                        <a:rPr lang="en-US" b="0" i="0" strike="noStrike" dirty="0" smtClean="0"/>
                         <a:t>2.20.3</a:t>
                       </a:r>
                       <a:endParaRPr lang="fr-FR" dirty="0"/>
@@ -8912,7 +8912,7 @@
                     <a:lstStyle/>
                     <a:p>
                       <a:r>
-                        <a:rPr lang="en-US" dirty="0" smtClean="0"/>
+                        <a:rPr lang="en-US" b="0" i="0" strike="noStrike" dirty="0" smtClean="0"/>
                         <a:t>2.20.4</a:t>
                       </a:r>
                       <a:endParaRPr lang="fr-FR" dirty="0"/>
@@ -8926,7 +8926,7 @@
                     <a:lstStyle/>
                     <a:p>
                       <a:r>
-                        <a:rPr lang="en-US" dirty="0" smtClean="0"/>
+                        <a:rPr lang="en-US" b="0" i="0" strike="noStrike" dirty="0" smtClean="0"/>
                         <a:t>2.20.5</a:t>
                       </a:r>
                       <a:endParaRPr lang="fr-FR" dirty="0"/>
@@ -8940,7 +8940,7 @@
                     <a:lstStyle/>
                     <a:p>
                       <a:r>
-                        <a:rPr lang="en-US" dirty="0" smtClean="0"/>
+                        <a:rPr lang="en-US" b="0" i="0" strike="noStrike" dirty="0" smtClean="0"/>
                         <a:t>2.20.6</a:t>
                       </a:r>
                       <a:endParaRPr lang="fr-FR" dirty="0"/>
@@ -8956,7 +8956,7 @@
                     <a:lstStyle/>
                     <a:p>
                       <a:r>
-                        <a:rPr lang="en-US" dirty="0" smtClean="0"/>
+                        <a:rPr lang="en-US" b="0" i="0" strike="noStrike" dirty="0" smtClean="0"/>
                         <a:t>2.21.1</a:t>
                       </a:r>
                       <a:endParaRPr lang="fr-FR" dirty="0"/>
@@ -8987,7 +8987,7 @@
                         <a:defRPr/>
                       </a:pPr>
                       <a:r>
-                        <a:rPr lang="en-US" dirty="0" smtClean="0"/>
+                        <a:rPr lang="en-US" b="0" i="0" strike="noStrike" dirty="0" smtClean="0"/>
                         <a:t>2.21.2</a:t>
                       </a:r>
                       <a:endParaRPr lang="fr-FR" dirty="0" smtClean="0"/>
@@ -9001,7 +9001,7 @@
                     <a:lstStyle/>
                     <a:p>
                       <a:r>
-                        <a:rPr lang="en-US" dirty="0" smtClean="0"/>
+                        <a:rPr lang="en-US" b="0" i="0" strike="noStrike" dirty="0" smtClean="0"/>
                         <a:t>2.21.3</a:t>
                       </a:r>
                       <a:endParaRPr lang="fr-FR" dirty="0"/>
@@ -9015,7 +9015,7 @@
                     <a:lstStyle/>
                     <a:p>
                       <a:r>
-                        <a:rPr lang="en-US" dirty="0" smtClean="0"/>
+                        <a:rPr lang="en-US" b="0" i="0" strike="noStrike" dirty="0" smtClean="0"/>
                         <a:t>2.21.4</a:t>
                       </a:r>
                       <a:endParaRPr lang="fr-FR" dirty="0"/>
@@ -9029,7 +9029,7 @@
                     <a:lstStyle/>
                     <a:p>
                       <a:r>
-                        <a:rPr lang="en-US" dirty="0" smtClean="0"/>
+                        <a:rPr lang="en-US" b="0" i="0" strike="noStrike" dirty="0" smtClean="0"/>
                         <a:t>2.21.5</a:t>
                       </a:r>
                       <a:endParaRPr lang="fr-FR" dirty="0"/>
@@ -9043,7 +9043,7 @@
                     <a:lstStyle/>
                     <a:p>
                       <a:r>
-                        <a:rPr lang="en-US" dirty="0" smtClean="0"/>
+                        <a:rPr lang="en-US" b="0" i="0" strike="noStrike" dirty="0" smtClean="0"/>
                         <a:t>2.21.6</a:t>
                       </a:r>
                       <a:endParaRPr lang="fr-FR" dirty="0"/>
@@ -9181,7 +9181,7 @@
                     <a:lstStyle/>
                     <a:p>
                       <a:r>
-                        <a:rPr lang="en-US" dirty="0" smtClean="0"/>
+                        <a:rPr lang="en-US" b="0" i="0" strike="noStrike" dirty="0" smtClean="0"/>
                         <a:t>3.32.1</a:t>
                       </a:r>
                       <a:endParaRPr lang="fr-FR" dirty="0"/>
@@ -9212,7 +9212,7 @@
                         <a:defRPr/>
                       </a:pPr>
                       <a:r>
-                        <a:rPr lang="en-US" dirty="0" smtClean="0"/>
+                        <a:rPr lang="en-US" b="0" i="0" strike="noStrike" dirty="0" smtClean="0"/>
                         <a:t>3.32.2</a:t>
                       </a:r>
                       <a:endParaRPr lang="fr-FR" dirty="0" smtClean="0"/>
@@ -9226,7 +9226,7 @@
                     <a:lstStyle/>
                     <a:p>
                       <a:r>
-                        <a:rPr lang="en-US" dirty="0" smtClean="0"/>
+                        <a:rPr lang="en-US" b="0" i="0" strike="noStrike" dirty="0" smtClean="0"/>
                         <a:t>3.32.3</a:t>
                       </a:r>
                       <a:endParaRPr lang="fr-FR" dirty="0"/>
@@ -9240,7 +9240,7 @@
                     <a:lstStyle/>
                     <a:p>
                       <a:r>
-                        <a:rPr lang="en-US" dirty="0" smtClean="0"/>
+                        <a:rPr lang="en-US" b="0" i="0" strike="noStrike" dirty="0" smtClean="0"/>
                         <a:t>3.32.4</a:t>
                       </a:r>
                       <a:endParaRPr lang="fr-FR" dirty="0"/>
@@ -9254,7 +9254,7 @@
                     <a:lstStyle/>
                     <a:p>
                       <a:r>
-                        <a:rPr lang="en-US" dirty="0" smtClean="0"/>
+                        <a:rPr lang="en-US" b="0" i="0" strike="noStrike" dirty="0" smtClean="0"/>
                         <a:t>3.32.5</a:t>
                       </a:r>
                       <a:endParaRPr lang="fr-FR" dirty="0"/>
@@ -9268,7 +9268,7 @@
                     <a:lstStyle/>
                     <a:p>
                       <a:r>
-                        <a:rPr lang="en-US" dirty="0" smtClean="0"/>
+                        <a:rPr lang="en-US" b="0" i="0" strike="noStrike" dirty="0" smtClean="0"/>
                         <a:t>3.32.6</a:t>
                       </a:r>
                       <a:endParaRPr lang="fr-FR" dirty="0"/>
@@ -9322,7 +9322,7 @@
           </p:nvPr>
         </p:nvPicPr>
         <p:blipFill>
-          <a:blip r:embed="R178cbe043dd849d8">
+          <a:blip r:embed="R9d43d3db3b1e4fa8">
             <a:extLst>
               <a:ext uri="{28A0092B-C50C-407E-A947-70E740481C1C}">
                 <a14:useLocalDpi xmlns:a14="http://schemas.microsoft.com/office/drawing/2010/main" val="0"/>
@@ -9495,7 +9495,7 @@
                     <a:lstStyle/>
                     <a:p>
                       <a:r>
-                        <a:rPr lang="en-US" sz="1800" b="0" i="0" u="none" dirty="0" smtClean="0"/>
+                        <a:rPr lang="en-US" sz="1800" b="0" i="0" u="none" strike="noStrike" dirty="0" smtClean="0"/>
                         <a:t>1.0.1</a:t>
                       </a:r>
                       <a:endParaRPr lang="fr-FR" sz="1800" b="0" i="0" u="none" dirty="0"/>
@@ -9526,7 +9526,7 @@
                         <a:defRPr/>
                       </a:pPr>
                       <a:r>
-                        <a:rPr lang="en-US" dirty="0" smtClean="0"/>
+                        <a:rPr lang="en-US" b="0" i="0" strike="noStrike" dirty="0" smtClean="0"/>
                         <a:t>1.0.2</a:t>
                       </a:r>
                       <a:endParaRPr lang="fr-FR" dirty="0" smtClean="0"/>
@@ -9540,7 +9540,7 @@
                     <a:lstStyle/>
                     <a:p>
                       <a:r>
-                        <a:rPr lang="en-US" dirty="0" smtClean="0"/>
+                        <a:rPr lang="en-US" b="0" i="0" strike="noStrike" dirty="0" smtClean="0"/>
                         <a:t>1.0.3</a:t>
                       </a:r>
                       <a:endParaRPr lang="fr-FR" dirty="0"/>
@@ -9554,7 +9554,7 @@
                     <a:lstStyle/>
                     <a:p>
                       <a:r>
-                        <a:rPr lang="en-US" dirty="0" smtClean="0"/>
+                        <a:rPr lang="en-US" b="0" i="0" strike="noStrike" dirty="0" smtClean="0"/>
                         <a:t>1.0.4</a:t>
                       </a:r>
                       <a:endParaRPr lang="fr-FR" dirty="0"/>
@@ -9568,7 +9568,7 @@
                     <a:lstStyle/>
                     <a:p>
                       <a:r>
-                        <a:rPr lang="en-US" dirty="0" smtClean="0"/>
+                        <a:rPr lang="en-US" b="0" i="0" strike="noStrike" dirty="0" smtClean="0"/>
                         <a:t>1.0.5</a:t>
                       </a:r>
                       <a:endParaRPr lang="fr-FR" dirty="0"/>
@@ -9582,7 +9582,7 @@
                     <a:lstStyle/>
                     <a:p>
                       <a:r>
-                        <a:rPr lang="en-US" dirty="0" smtClean="0"/>
+                        <a:rPr lang="en-US" b="0" i="0" strike="noStrike" dirty="0" smtClean="0"/>
                         <a:t>1.0.6</a:t>
                       </a:r>
                       <a:endParaRPr lang="fr-FR" dirty="0"/>
@@ -9598,7 +9598,7 @@
                     <a:lstStyle/>
                     <a:p>
                       <a:r>
-                        <a:rPr lang="en-US" dirty="0" smtClean="0"/>
+                        <a:rPr lang="en-US" b="0" i="0" strike="noStrike" dirty="0" smtClean="0"/>
                         <a:t>1.1.1</a:t>
                       </a:r>
                       <a:endParaRPr lang="fr-FR" dirty="0"/>
@@ -9629,7 +9629,7 @@
                         <a:defRPr/>
                       </a:pPr>
                       <a:r>
-                        <a:rPr lang="en-US" dirty="0" smtClean="0"/>
+                        <a:rPr lang="en-US" b="0" i="0" strike="noStrike" dirty="0" smtClean="0"/>
                         <a:t>1.1.2</a:t>
                       </a:r>
                       <a:endParaRPr lang="fr-FR" dirty="0" smtClean="0"/>
@@ -9643,7 +9643,7 @@
                     <a:lstStyle/>
                     <a:p>
                       <a:r>
-                        <a:rPr lang="en-US" dirty="0" smtClean="0"/>
+                        <a:rPr lang="en-US" b="0" i="0" strike="noStrike" dirty="0" smtClean="0"/>
                         <a:t>1.1.3</a:t>
                       </a:r>
                       <a:endParaRPr lang="fr-FR" dirty="0"/>
@@ -9657,7 +9657,7 @@
                     <a:lstStyle/>
                     <a:p>
                       <a:r>
-                        <a:rPr lang="en-US" dirty="0" smtClean="0"/>
+                        <a:rPr lang="en-US" b="0" i="0" strike="noStrike" dirty="0" smtClean="0"/>
                         <a:t>1.1.4</a:t>
                       </a:r>
                       <a:endParaRPr lang="fr-FR" dirty="0"/>
@@ -9671,7 +9671,7 @@
                     <a:lstStyle/>
                     <a:p>
                       <a:r>
-                        <a:rPr lang="en-US" dirty="0" smtClean="0"/>
+                        <a:rPr lang="en-US" b="0" i="0" strike="noStrike" dirty="0" smtClean="0"/>
                         <a:t>1.1.5</a:t>
                       </a:r>
                       <a:endParaRPr lang="fr-FR" dirty="0"/>
@@ -9685,7 +9685,7 @@
                     <a:lstStyle/>
                     <a:p>
                       <a:r>
-                        <a:rPr lang="en-US" dirty="0" smtClean="0"/>
+                        <a:rPr lang="en-US" b="0" i="0" strike="noStrike" dirty="0" smtClean="0"/>
                         <a:t>1.1.6</a:t>
                       </a:r>
                       <a:endParaRPr lang="fr-FR" dirty="0"/>
@@ -9701,7 +9701,7 @@
                     <a:lstStyle/>
                     <a:p>
                       <a:r>
-                        <a:rPr lang="en-US" dirty="0" smtClean="0"/>
+                        <a:rPr lang="en-US" b="0" i="0" strike="noStrike" dirty="0" smtClean="0"/>
                         <a:t>1.2.1</a:t>
                       </a:r>
                       <a:endParaRPr lang="fr-FR" dirty="0"/>
@@ -9732,7 +9732,7 @@
                         <a:defRPr/>
                       </a:pPr>
                       <a:r>
-                        <a:rPr lang="en-US" dirty="0" smtClean="0"/>
+                        <a:rPr lang="en-US" b="0" i="0" strike="noStrike" dirty="0" smtClean="0"/>
                         <a:t>1.2.2</a:t>
                       </a:r>
                       <a:endParaRPr lang="fr-FR" dirty="0" smtClean="0"/>
@@ -9746,7 +9746,7 @@
                     <a:lstStyle/>
                     <a:p>
                       <a:r>
-                        <a:rPr lang="en-US" dirty="0" smtClean="0"/>
+                        <a:rPr lang="en-US" b="0" i="0" strike="noStrike" dirty="0" smtClean="0"/>
                         <a:t>1.2.3</a:t>
                       </a:r>
                       <a:endParaRPr lang="fr-FR" dirty="0"/>
@@ -9760,7 +9760,7 @@
                     <a:lstStyle/>
                     <a:p>
                       <a:r>
-                        <a:rPr lang="en-US" dirty="0" smtClean="0"/>
+                        <a:rPr lang="en-US" b="0" i="0" strike="noStrike" dirty="0" smtClean="0"/>
                         <a:t>1.2.4</a:t>
                       </a:r>
                       <a:endParaRPr lang="fr-FR" dirty="0"/>
@@ -9774,7 +9774,7 @@
                     <a:lstStyle/>
                     <a:p>
                       <a:r>
-                        <a:rPr lang="en-US" dirty="0" smtClean="0"/>
+                        <a:rPr lang="en-US" b="0" i="0" strike="noStrike" dirty="0" smtClean="0"/>
                         <a:t>1.2.5</a:t>
                       </a:r>
                       <a:endParaRPr lang="fr-FR" dirty="0"/>
@@ -9788,7 +9788,7 @@
                     <a:lstStyle/>
                     <a:p>
                       <a:r>
-                        <a:rPr lang="en-US" dirty="0" smtClean="0"/>
+                        <a:rPr lang="en-US" b="0" i="0" strike="noStrike" dirty="0" smtClean="0"/>
                         <a:t>1.2.6</a:t>
                       </a:r>
                       <a:endParaRPr lang="fr-FR" dirty="0"/>
@@ -9926,7 +9926,7 @@
                     <a:lstStyle/>
                     <a:p>
                       <a:r>
-                        <a:rPr lang="en-US" dirty="0" smtClean="0"/>
+                        <a:rPr lang="en-US" b="0" i="0" strike="noStrike" dirty="0" smtClean="0"/>
                         <a:t>2.0.1</a:t>
                       </a:r>
                       <a:endParaRPr lang="fr-FR" dirty="0"/>
@@ -9957,7 +9957,7 @@
                         <a:defRPr/>
                       </a:pPr>
                       <a:r>
-                        <a:rPr lang="en-US" dirty="0" smtClean="0"/>
+                        <a:rPr lang="en-US" b="0" i="0" strike="noStrike" dirty="0" smtClean="0"/>
                         <a:t>2.0.2</a:t>
                       </a:r>
                       <a:endParaRPr lang="fr-FR" dirty="0" smtClean="0"/>
@@ -9971,7 +9971,7 @@
                     <a:lstStyle/>
                     <a:p>
                       <a:r>
-                        <a:rPr lang="en-US" dirty="0" smtClean="0"/>
+                        <a:rPr lang="en-US" b="0" i="0" strike="noStrike" dirty="0" smtClean="0"/>
                         <a:t>2.0.3</a:t>
                       </a:r>
                       <a:endParaRPr lang="fr-FR" dirty="0"/>
@@ -9985,7 +9985,7 @@
                     <a:lstStyle/>
                     <a:p>
                       <a:r>
-                        <a:rPr lang="en-US" dirty="0" smtClean="0"/>
+                        <a:rPr lang="en-US" b="0" i="0" strike="noStrike" dirty="0" smtClean="0"/>
                         <a:t>2.0.4</a:t>
                       </a:r>
                       <a:endParaRPr lang="fr-FR" dirty="0"/>
@@ -9999,7 +9999,7 @@
                     <a:lstStyle/>
                     <a:p>
                       <a:r>
-                        <a:rPr lang="en-US" dirty="0" smtClean="0"/>
+                        <a:rPr lang="en-US" b="0" i="0" strike="noStrike" dirty="0" smtClean="0"/>
                         <a:t>2.0.5</a:t>
                       </a:r>
                       <a:endParaRPr lang="fr-FR" dirty="0"/>
@@ -10013,7 +10013,7 @@
                     <a:lstStyle/>
                     <a:p>
                       <a:r>
-                        <a:rPr lang="en-US" dirty="0" smtClean="0"/>
+                        <a:rPr lang="en-US" b="0" i="0" strike="noStrike" dirty="0" smtClean="0"/>
                         <a:t>2.0.6</a:t>
                       </a:r>
                       <a:endParaRPr lang="fr-FR" dirty="0"/>
@@ -10029,7 +10029,7 @@
                     <a:lstStyle/>
                     <a:p>
                       <a:r>
-                        <a:rPr lang="en-US" dirty="0" smtClean="0"/>
+                        <a:rPr lang="en-US" b="0" i="0" strike="noStrike" dirty="0" smtClean="0"/>
                         <a:t>2.1.1</a:t>
                       </a:r>
                       <a:endParaRPr lang="fr-FR" dirty="0"/>
@@ -10060,7 +10060,7 @@
                         <a:defRPr/>
                       </a:pPr>
                       <a:r>
-                        <a:rPr lang="en-US" dirty="0" smtClean="0"/>
+                        <a:rPr lang="en-US" b="0" i="0" strike="noStrike" dirty="0" smtClean="0"/>
                         <a:t>2.1.2</a:t>
                       </a:r>
                       <a:endParaRPr lang="fr-FR" dirty="0" smtClean="0"/>
@@ -10074,7 +10074,7 @@
                     <a:lstStyle/>
                     <a:p>
                       <a:r>
-                        <a:rPr lang="en-US" dirty="0" smtClean="0"/>
+                        <a:rPr lang="en-US" b="0" i="0" strike="noStrike" dirty="0" smtClean="0"/>
                         <a:t>2.1.3</a:t>
                       </a:r>
                       <a:endParaRPr lang="fr-FR" dirty="0"/>
@@ -10088,7 +10088,7 @@
                     <a:lstStyle/>
                     <a:p>
                       <a:r>
-                        <a:rPr lang="en-US" dirty="0" smtClean="0"/>
+                        <a:rPr lang="en-US" b="0" i="0" strike="noStrike" dirty="0" smtClean="0"/>
                         <a:t>2.1.4</a:t>
                       </a:r>
                       <a:endParaRPr lang="fr-FR" dirty="0"/>
@@ -10102,7 +10102,7 @@
                     <a:lstStyle/>
                     <a:p>
                       <a:r>
-                        <a:rPr lang="en-US" dirty="0" smtClean="0"/>
+                        <a:rPr lang="en-US" b="0" i="0" strike="noStrike" dirty="0" smtClean="0"/>
                         <a:t>2.1.5</a:t>
                       </a:r>
                       <a:endParaRPr lang="fr-FR" dirty="0"/>
@@ -10116,7 +10116,7 @@
                     <a:lstStyle/>
                     <a:p>
                       <a:r>
-                        <a:rPr lang="en-US" dirty="0" smtClean="0"/>
+                        <a:rPr lang="en-US" b="0" i="0" strike="noStrike" dirty="0" smtClean="0"/>
                         <a:t>2.1.6</a:t>
                       </a:r>
                       <a:endParaRPr lang="fr-FR" dirty="0"/>
@@ -10132,7 +10132,7 @@
                     <a:lstStyle/>
                     <a:p>
                       <a:r>
-                        <a:rPr lang="en-US" dirty="0" smtClean="0"/>
+                        <a:rPr lang="en-US" b="0" i="0" strike="noStrike" dirty="0" smtClean="0"/>
                         <a:t>2.2.1</a:t>
                       </a:r>
                       <a:endParaRPr lang="fr-FR" dirty="0"/>
@@ -10163,7 +10163,7 @@
                         <a:defRPr/>
                       </a:pPr>
                       <a:r>
-                        <a:rPr lang="en-US" dirty="0" smtClean="0"/>
+                        <a:rPr lang="en-US" b="0" i="0" strike="noStrike" dirty="0" smtClean="0"/>
                         <a:t>2.2.2</a:t>
                       </a:r>
                       <a:endParaRPr lang="fr-FR" dirty="0" smtClean="0"/>
@@ -10177,7 +10177,7 @@
                     <a:lstStyle/>
                     <a:p>
                       <a:r>
-                        <a:rPr lang="en-US" dirty="0" smtClean="0"/>
+                        <a:rPr lang="en-US" b="0" i="0" strike="noStrike" dirty="0" smtClean="0"/>
                         <a:t>2.2.3</a:t>
                       </a:r>
                       <a:endParaRPr lang="fr-FR" dirty="0"/>
@@ -10191,7 +10191,7 @@
                     <a:lstStyle/>
                     <a:p>
                       <a:r>
-                        <a:rPr lang="en-US" dirty="0" smtClean="0"/>
+                        <a:rPr lang="en-US" b="0" i="0" strike="noStrike" dirty="0" smtClean="0"/>
                         <a:t>2.2.4</a:t>
                       </a:r>
                       <a:endParaRPr lang="fr-FR" dirty="0"/>
@@ -10205,7 +10205,7 @@
                     <a:lstStyle/>
                     <a:p>
                       <a:r>
-                        <a:rPr lang="en-US" dirty="0" smtClean="0"/>
+                        <a:rPr lang="en-US" b="0" i="0" strike="noStrike" dirty="0" smtClean="0"/>
                         <a:t>2.2.5</a:t>
                       </a:r>
                       <a:endParaRPr lang="fr-FR" dirty="0"/>
@@ -10219,7 +10219,7 @@
                     <a:lstStyle/>
                     <a:p>
                       <a:r>
-                        <a:rPr lang="en-US" dirty="0" smtClean="0"/>
+                        <a:rPr lang="en-US" b="0" i="0" strike="noStrike" dirty="0" smtClean="0"/>
                         <a:t>2.2.6</a:t>
                       </a:r>
                       <a:endParaRPr lang="fr-FR" dirty="0"/>
@@ -10235,7 +10235,7 @@
                     <a:lstStyle/>
                     <a:p>
                       <a:r>
-                        <a:rPr lang="en-US" dirty="0" smtClean="0"/>
+                        <a:rPr lang="en-US" b="0" i="0" strike="noStrike" dirty="0" smtClean="0"/>
                         <a:t>2.3.1</a:t>
                       </a:r>
                       <a:endParaRPr lang="fr-FR" dirty="0"/>
@@ -10266,7 +10266,7 @@
                         <a:defRPr/>
                       </a:pPr>
                       <a:r>
-                        <a:rPr lang="en-US" dirty="0" smtClean="0"/>
+                        <a:rPr lang="en-US" b="0" i="0" strike="noStrike" dirty="0" smtClean="0"/>
                         <a:t>2.3.2</a:t>
                       </a:r>
                       <a:endParaRPr lang="fr-FR" dirty="0" smtClean="0"/>
@@ -10280,7 +10280,7 @@
                     <a:lstStyle/>
                     <a:p>
                       <a:r>
-                        <a:rPr lang="en-US" dirty="0" smtClean="0"/>
+                        <a:rPr lang="en-US" b="0" i="0" strike="noStrike" dirty="0" smtClean="0"/>
                         <a:t>2.3.3</a:t>
                       </a:r>
                       <a:endParaRPr lang="fr-FR" dirty="0"/>
@@ -10294,7 +10294,7 @@
                     <a:lstStyle/>
                     <a:p>
                       <a:r>
-                        <a:rPr lang="en-US" dirty="0" smtClean="0"/>
+                        <a:rPr lang="en-US" b="0" i="0" strike="noStrike" dirty="0" smtClean="0"/>
                         <a:t>2.3.4</a:t>
                       </a:r>
                       <a:endParaRPr lang="fr-FR" dirty="0"/>
@@ -10308,7 +10308,7 @@
                     <a:lstStyle/>
                     <a:p>
                       <a:r>
-                        <a:rPr lang="en-US" dirty="0" smtClean="0"/>
+                        <a:rPr lang="en-US" b="0" i="0" strike="noStrike" dirty="0" smtClean="0"/>
                         <a:t>2.3.5</a:t>
                       </a:r>
                       <a:endParaRPr lang="fr-FR" dirty="0"/>
@@ -10322,7 +10322,7 @@
                     <a:lstStyle/>
                     <a:p>
                       <a:r>
-                        <a:rPr lang="en-US" dirty="0" smtClean="0"/>
+                        <a:rPr lang="en-US" b="0" i="0" strike="noStrike" dirty="0" smtClean="0"/>
                         <a:t>2.3.6</a:t>
                       </a:r>
                       <a:endParaRPr lang="fr-FR" dirty="0"/>
@@ -10460,7 +10460,7 @@
                     <a:lstStyle/>
                     <a:p>
                       <a:r>
-                        <a:rPr lang="en-US" dirty="0" smtClean="0"/>
+                        <a:rPr lang="en-US" b="0" i="0" strike="noStrike" dirty="0" smtClean="0"/>
                         <a:t>3.0.1</a:t>
                       </a:r>
                       <a:endParaRPr lang="fr-FR" dirty="0"/>
@@ -10491,7 +10491,7 @@
                         <a:defRPr/>
                       </a:pPr>
                       <a:r>
-                        <a:rPr lang="en-US" dirty="0" smtClean="0"/>
+                        <a:rPr lang="en-US" b="0" i="0" strike="noStrike" dirty="0" smtClean="0"/>
                         <a:t>3.0.2</a:t>
                       </a:r>
                       <a:endParaRPr lang="fr-FR" dirty="0" smtClean="0"/>
@@ -10505,7 +10505,7 @@
                     <a:lstStyle/>
                     <a:p>
                       <a:r>
-                        <a:rPr lang="en-US" dirty="0" smtClean="0"/>
+                        <a:rPr lang="en-US" b="0" i="0" strike="noStrike" dirty="0" smtClean="0"/>
                         <a:t>3.0.3</a:t>
                       </a:r>
                       <a:endParaRPr lang="fr-FR" dirty="0"/>
@@ -10519,7 +10519,7 @@
                     <a:lstStyle/>
                     <a:p>
                       <a:r>
-                        <a:rPr lang="en-US" dirty="0" smtClean="0"/>
+                        <a:rPr lang="en-US" b="0" i="0" strike="noStrike" dirty="0" smtClean="0"/>
                         <a:t>3.0.4</a:t>
                       </a:r>
                       <a:endParaRPr lang="fr-FR" dirty="0"/>
@@ -10533,7 +10533,7 @@
                     <a:lstStyle/>
                     <a:p>
                       <a:r>
-                        <a:rPr lang="en-US" dirty="0" smtClean="0"/>
+                        <a:rPr lang="en-US" b="0" i="0" strike="noStrike" dirty="0" smtClean="0"/>
                         <a:t>3.0.5</a:t>
                       </a:r>
                       <a:endParaRPr lang="fr-FR" dirty="0"/>
@@ -10547,7 +10547,7 @@
                     <a:lstStyle/>
                     <a:p>
                       <a:r>
-                        <a:rPr lang="en-US" dirty="0" smtClean="0"/>
+                        <a:rPr lang="en-US" b="0" i="0" strike="noStrike" dirty="0" smtClean="0"/>
                         <a:t>3.0.6</a:t>
                       </a:r>
                       <a:endParaRPr lang="fr-FR" dirty="0"/>
@@ -10563,7 +10563,7 @@
                     <a:lstStyle/>
                     <a:p>
                       <a:r>
-                        <a:rPr lang="en-US" dirty="0" smtClean="0"/>
+                        <a:rPr lang="en-US" b="0" i="0" strike="noStrike" dirty="0" smtClean="0"/>
                         <a:t>3.1.1</a:t>
                       </a:r>
                       <a:endParaRPr lang="fr-FR" dirty="0"/>
@@ -10594,7 +10594,7 @@
                         <a:defRPr/>
                       </a:pPr>
                       <a:r>
-                        <a:rPr lang="en-US" dirty="0" smtClean="0"/>
+                        <a:rPr lang="en-US" b="0" i="0" strike="noStrike" dirty="0" smtClean="0"/>
                         <a:t>3.1.2</a:t>
                       </a:r>
                       <a:endParaRPr lang="fr-FR" dirty="0" smtClean="0"/>
@@ -10608,7 +10608,7 @@
                     <a:lstStyle/>
                     <a:p>
                       <a:r>
-                        <a:rPr lang="en-US" dirty="0" smtClean="0"/>
+                        <a:rPr lang="en-US" b="0" i="0" strike="noStrike" dirty="0" smtClean="0"/>
                         <a:t>3.1.3</a:t>
                       </a:r>
                       <a:endParaRPr lang="fr-FR" dirty="0"/>
@@ -10622,7 +10622,7 @@
                     <a:lstStyle/>
                     <a:p>
                       <a:r>
-                        <a:rPr lang="en-US" dirty="0" smtClean="0"/>
+                        <a:rPr lang="en-US" b="0" i="0" strike="noStrike" dirty="0" smtClean="0"/>
                         <a:t>3.1.4</a:t>
                       </a:r>
                       <a:endParaRPr lang="fr-FR" dirty="0"/>
@@ -10636,7 +10636,7 @@
                     <a:lstStyle/>
                     <a:p>
                       <a:r>
-                        <a:rPr lang="en-US" dirty="0" smtClean="0"/>
+                        <a:rPr lang="en-US" b="0" i="0" strike="noStrike" dirty="0" smtClean="0"/>
                         <a:t>3.1.5</a:t>
                       </a:r>
                       <a:endParaRPr lang="fr-FR" dirty="0"/>
@@ -10650,7 +10650,7 @@
                     <a:lstStyle/>
                     <a:p>
                       <a:r>
-                        <a:rPr lang="en-US" dirty="0" smtClean="0"/>
+                        <a:rPr lang="en-US" b="0" i="0" strike="noStrike" dirty="0" smtClean="0"/>
                         <a:t>3.1.6</a:t>
                       </a:r>
                       <a:endParaRPr lang="fr-FR" dirty="0"/>
@@ -10666,7 +10666,7 @@
                     <a:lstStyle/>
                     <a:p>
                       <a:r>
-                        <a:rPr lang="en-US" dirty="0" smtClean="0"/>
+                        <a:rPr lang="en-US" b="0" i="0" strike="noStrike" dirty="0" smtClean="0"/>
                         <a:t>3.2.1</a:t>
                       </a:r>
                       <a:endParaRPr lang="fr-FR" dirty="0"/>
@@ -10697,7 +10697,7 @@
                         <a:defRPr/>
                       </a:pPr>
                       <a:r>
-                        <a:rPr lang="en-US" dirty="0" smtClean="0"/>
+                        <a:rPr lang="en-US" b="0" i="0" strike="noStrike" dirty="0" smtClean="0"/>
                         <a:t>3.2.2</a:t>
                       </a:r>
                       <a:endParaRPr lang="fr-FR" dirty="0" smtClean="0"/>
@@ -10711,7 +10711,7 @@
                     <a:lstStyle/>
                     <a:p>
                       <a:r>
-                        <a:rPr lang="en-US" dirty="0" smtClean="0"/>
+                        <a:rPr lang="en-US" b="0" i="0" strike="noStrike" dirty="0" smtClean="0"/>
                         <a:t>3.2.3</a:t>
                       </a:r>
                       <a:endParaRPr lang="fr-FR" dirty="0"/>
@@ -10725,7 +10725,7 @@
                     <a:lstStyle/>
                     <a:p>
                       <a:r>
-                        <a:rPr lang="en-US" dirty="0" smtClean="0"/>
+                        <a:rPr lang="en-US" b="0" i="0" strike="noStrike" dirty="0" smtClean="0"/>
                         <a:t>3.2.4</a:t>
                       </a:r>
                       <a:endParaRPr lang="fr-FR" dirty="0"/>
@@ -10739,7 +10739,7 @@
                     <a:lstStyle/>
                     <a:p>
                       <a:r>
-                        <a:rPr lang="en-US" dirty="0" smtClean="0"/>
+                        <a:rPr lang="en-US" b="0" i="0" strike="noStrike" dirty="0" smtClean="0"/>
                         <a:t>3.2.5</a:t>
                       </a:r>
                       <a:endParaRPr lang="fr-FR" dirty="0"/>
@@ -10753,7 +10753,7 @@
                     <a:lstStyle/>
                     <a:p>
                       <a:r>
-                        <a:rPr lang="en-US" dirty="0" smtClean="0"/>
+                        <a:rPr lang="en-US" b="0" i="0" strike="noStrike" dirty="0" smtClean="0"/>
                         <a:t>3.2.6</a:t>
                       </a:r>
                       <a:endParaRPr lang="fr-FR" dirty="0"/>
@@ -10769,7 +10769,7 @@
                     <a:lstStyle/>
                     <a:p>
                       <a:r>
-                        <a:rPr lang="en-US" dirty="0" smtClean="0"/>
+                        <a:rPr lang="en-US" b="0" i="0" strike="noStrike" dirty="0" smtClean="0"/>
                         <a:t>3.3.1</a:t>
                       </a:r>
                       <a:endParaRPr lang="fr-FR" dirty="0"/>
@@ -10800,7 +10800,7 @@
                         <a:defRPr/>
                       </a:pPr>
                       <a:r>
-                        <a:rPr lang="en-US" dirty="0" smtClean="0"/>
+                        <a:rPr lang="en-US" b="0" i="0" strike="noStrike" dirty="0" smtClean="0"/>
                         <a:t>3.3.2</a:t>
                       </a:r>
                       <a:endParaRPr lang="fr-FR" dirty="0" smtClean="0"/>
@@ -10814,7 +10814,7 @@
                     <a:lstStyle/>
                     <a:p>
                       <a:r>
-                        <a:rPr lang="en-US" dirty="0" smtClean="0"/>
+                        <a:rPr lang="en-US" b="0" i="0" strike="noStrike" dirty="0" smtClean="0"/>
                         <a:t>3.3.3</a:t>
                       </a:r>
                       <a:endParaRPr lang="fr-FR" dirty="0"/>
@@ -10828,7 +10828,7 @@
                     <a:lstStyle/>
                     <a:p>
                       <a:r>
-                        <a:rPr lang="en-US" dirty="0" smtClean="0"/>
+                        <a:rPr lang="en-US" b="0" i="0" strike="noStrike" dirty="0" smtClean="0"/>
                         <a:t>3.3.4</a:t>
                       </a:r>
                       <a:endParaRPr lang="fr-FR" dirty="0"/>
@@ -10842,7 +10842,7 @@
                     <a:lstStyle/>
                     <a:p>
                       <a:r>
-                        <a:rPr lang="en-US" dirty="0" smtClean="0"/>
+                        <a:rPr lang="en-US" b="0" i="0" strike="noStrike" dirty="0" smtClean="0"/>
                         <a:t>3.3.5</a:t>
                       </a:r>
                       <a:endParaRPr lang="fr-FR" dirty="0"/>
@@ -10856,7 +10856,7 @@
                     <a:lstStyle/>
                     <a:p>
                       <a:r>
-                        <a:rPr lang="en-US" dirty="0" smtClean="0"/>
+                        <a:rPr lang="en-US" b="0" i="0" strike="noStrike" dirty="0" smtClean="0"/>
                         <a:t>3.3.6</a:t>
                       </a:r>
                       <a:endParaRPr lang="fr-FR" dirty="0"/>
@@ -11024,7 +11024,7 @@
                     <a:lstStyle/>
                     <a:p>
                       <a:r>
-                        <a:rPr lang="en-US" sz="1800" b="0" i="0" u="none" dirty="0" smtClean="0"/>
+                        <a:rPr lang="en-US" sz="1800" b="0" i="0" u="none" strike="noStrike" dirty="0" smtClean="0"/>
                         <a:t>1.3.1</a:t>
                       </a:r>
                       <a:endParaRPr lang="fr-FR" sz="1800" b="0" i="0" u="none" dirty="0"/>
@@ -11055,7 +11055,7 @@
                         <a:defRPr/>
                       </a:pPr>
                       <a:r>
-                        <a:rPr lang="en-US" dirty="0" smtClean="0"/>
+                        <a:rPr lang="en-US" b="0" i="0" strike="noStrike" dirty="0" smtClean="0"/>
                         <a:t>1.3.2</a:t>
                       </a:r>
                       <a:endParaRPr lang="fr-FR" dirty="0" smtClean="0"/>
@@ -11069,7 +11069,7 @@
                     <a:lstStyle/>
                     <a:p>
                       <a:r>
-                        <a:rPr lang="en-US" dirty="0" smtClean="0"/>
+                        <a:rPr lang="en-US" b="0" i="0" strike="noStrike" dirty="0" smtClean="0"/>
                         <a:t>1.3.3</a:t>
                       </a:r>
                       <a:endParaRPr lang="fr-FR" dirty="0"/>
@@ -11083,7 +11083,7 @@
                     <a:lstStyle/>
                     <a:p>
                       <a:r>
-                        <a:rPr lang="en-US" dirty="0" smtClean="0"/>
+                        <a:rPr lang="en-US" b="0" i="0" strike="noStrike" dirty="0" smtClean="0"/>
                         <a:t>1.3.4</a:t>
                       </a:r>
                       <a:endParaRPr lang="fr-FR" dirty="0"/>
@@ -11097,7 +11097,7 @@
                     <a:lstStyle/>
                     <a:p>
                       <a:r>
-                        <a:rPr lang="en-US" dirty="0" smtClean="0"/>
+                        <a:rPr lang="en-US" b="0" i="0" strike="noStrike" dirty="0" smtClean="0"/>
                         <a:t>1.3.5</a:t>
                       </a:r>
                       <a:endParaRPr lang="fr-FR" dirty="0"/>
@@ -11111,7 +11111,7 @@
                     <a:lstStyle/>
                     <a:p>
                       <a:r>
-                        <a:rPr lang="en-US" dirty="0" smtClean="0"/>
+                        <a:rPr lang="en-US" b="0" i="0" strike="noStrike" dirty="0" smtClean="0"/>
                         <a:t>1.3.6</a:t>
                       </a:r>
                       <a:endParaRPr lang="fr-FR" dirty="0"/>
@@ -11127,7 +11127,7 @@
                     <a:lstStyle/>
                     <a:p>
                       <a:r>
-                        <a:rPr lang="en-US" dirty="0" smtClean="0"/>
+                        <a:rPr lang="en-US" b="0" i="0" strike="noStrike" dirty="0" smtClean="0"/>
                         <a:t>1.4.1</a:t>
                       </a:r>
                       <a:endParaRPr lang="fr-FR" dirty="0"/>
@@ -11158,7 +11158,7 @@
                         <a:defRPr/>
                       </a:pPr>
                       <a:r>
-                        <a:rPr lang="en-US" dirty="0" smtClean="0"/>
+                        <a:rPr lang="en-US" b="0" i="0" strike="noStrike" dirty="0" smtClean="0"/>
                         <a:t>1.4.2</a:t>
                       </a:r>
                       <a:endParaRPr lang="fr-FR" dirty="0" smtClean="0"/>
@@ -11172,7 +11172,7 @@
                     <a:lstStyle/>
                     <a:p>
                       <a:r>
-                        <a:rPr lang="en-US" dirty="0" smtClean="0"/>
+                        <a:rPr lang="en-US" b="0" i="0" strike="noStrike" dirty="0" smtClean="0"/>
                         <a:t>1.4.3</a:t>
                       </a:r>
                       <a:endParaRPr lang="fr-FR" dirty="0"/>
@@ -11186,7 +11186,7 @@
                     <a:lstStyle/>
                     <a:p>
                       <a:r>
-                        <a:rPr lang="en-US" dirty="0" smtClean="0"/>
+                        <a:rPr lang="en-US" b="0" i="0" strike="noStrike" dirty="0" smtClean="0"/>
                         <a:t>1.4.4</a:t>
                       </a:r>
                       <a:endParaRPr lang="fr-FR" dirty="0"/>
@@ -11200,7 +11200,7 @@
                     <a:lstStyle/>
                     <a:p>
                       <a:r>
-                        <a:rPr lang="en-US" dirty="0" smtClean="0"/>
+                        <a:rPr lang="en-US" b="0" i="0" strike="noStrike" dirty="0" smtClean="0"/>
                         <a:t>1.4.5</a:t>
                       </a:r>
                       <a:endParaRPr lang="fr-FR" dirty="0"/>
@@ -11214,7 +11214,7 @@
                     <a:lstStyle/>
                     <a:p>
                       <a:r>
-                        <a:rPr lang="en-US" dirty="0" smtClean="0"/>
+                        <a:rPr lang="en-US" b="0" i="0" strike="noStrike" dirty="0" smtClean="0"/>
                         <a:t>1.4.6</a:t>
                       </a:r>
                       <a:endParaRPr lang="fr-FR" dirty="0"/>
@@ -11230,7 +11230,7 @@
                     <a:lstStyle/>
                     <a:p>
                       <a:r>
-                        <a:rPr lang="en-US" dirty="0" smtClean="0"/>
+                        <a:rPr lang="en-US" b="0" i="0" strike="noStrike" dirty="0" smtClean="0"/>
                         <a:t>1.5.1</a:t>
                       </a:r>
                       <a:endParaRPr lang="fr-FR" dirty="0"/>
@@ -11261,7 +11261,7 @@
                         <a:defRPr/>
                       </a:pPr>
                       <a:r>
-                        <a:rPr lang="en-US" dirty="0" smtClean="0"/>
+                        <a:rPr lang="en-US" b="0" i="0" strike="noStrike" dirty="0" smtClean="0"/>
                         <a:t>1.5.2</a:t>
                       </a:r>
                       <a:endParaRPr lang="fr-FR" dirty="0" smtClean="0"/>
@@ -11275,7 +11275,7 @@
                     <a:lstStyle/>
                     <a:p>
                       <a:r>
-                        <a:rPr lang="en-US" dirty="0" smtClean="0"/>
+                        <a:rPr lang="en-US" b="0" i="0" strike="noStrike" dirty="0" smtClean="0"/>
                         <a:t>1.5.3</a:t>
                       </a:r>
                       <a:endParaRPr lang="fr-FR" dirty="0"/>
@@ -11289,7 +11289,7 @@
                     <a:lstStyle/>
                     <a:p>
                       <a:r>
-                        <a:rPr lang="en-US" dirty="0" smtClean="0"/>
+                        <a:rPr lang="en-US" b="0" i="0" strike="noStrike" dirty="0" smtClean="0"/>
                         <a:t>1.5.4</a:t>
                       </a:r>
                       <a:endParaRPr lang="fr-FR" dirty="0"/>
@@ -11303,7 +11303,7 @@
                     <a:lstStyle/>
                     <a:p>
                       <a:r>
-                        <a:rPr lang="en-US" dirty="0" smtClean="0"/>
+                        <a:rPr lang="en-US" b="0" i="0" strike="noStrike" dirty="0" smtClean="0"/>
                         <a:t>1.5.5</a:t>
                       </a:r>
                       <a:endParaRPr lang="fr-FR" dirty="0"/>
@@ -11317,7 +11317,7 @@
                     <a:lstStyle/>
                     <a:p>
                       <a:r>
-                        <a:rPr lang="en-US" dirty="0" smtClean="0"/>
+                        <a:rPr lang="en-US" b="0" i="0" strike="noStrike" dirty="0" smtClean="0"/>
                         <a:t>1.5.6</a:t>
                       </a:r>
                       <a:endParaRPr lang="fr-FR" dirty="0"/>
@@ -11455,7 +11455,7 @@
                     <a:lstStyle/>
                     <a:p>
                       <a:r>
-                        <a:rPr lang="en-US" dirty="0" smtClean="0"/>
+                        <a:rPr lang="en-US" b="0" i="0" strike="noStrike" dirty="0" smtClean="0"/>
                         <a:t>2.4.1</a:t>
                       </a:r>
                       <a:endParaRPr lang="fr-FR" dirty="0"/>
@@ -11486,7 +11486,7 @@
                         <a:defRPr/>
                       </a:pPr>
                       <a:r>
-                        <a:rPr lang="en-US" dirty="0" smtClean="0"/>
+                        <a:rPr lang="en-US" b="0" i="0" strike="noStrike" dirty="0" smtClean="0"/>
                         <a:t>2.4.2</a:t>
                       </a:r>
                       <a:endParaRPr lang="fr-FR" dirty="0" smtClean="0"/>
@@ -11500,7 +11500,7 @@
                     <a:lstStyle/>
                     <a:p>
                       <a:r>
-                        <a:rPr lang="en-US" dirty="0" smtClean="0"/>
+                        <a:rPr lang="en-US" b="0" i="0" strike="noStrike" dirty="0" smtClean="0"/>
                         <a:t>2.4.3</a:t>
                       </a:r>
                       <a:endParaRPr lang="fr-FR" dirty="0"/>
@@ -11514,7 +11514,7 @@
                     <a:lstStyle/>
                     <a:p>
                       <a:r>
-                        <a:rPr lang="en-US" dirty="0" smtClean="0"/>
+                        <a:rPr lang="en-US" b="0" i="0" strike="noStrike" dirty="0" smtClean="0"/>
                         <a:t>2.4.4</a:t>
                       </a:r>
                       <a:endParaRPr lang="fr-FR" dirty="0"/>
@@ -11528,7 +11528,7 @@
                     <a:lstStyle/>
                     <a:p>
                       <a:r>
-                        <a:rPr lang="en-US" dirty="0" smtClean="0"/>
+                        <a:rPr lang="en-US" b="0" i="0" strike="noStrike" dirty="0" smtClean="0"/>
                         <a:t>2.4.5</a:t>
                       </a:r>
                       <a:endParaRPr lang="fr-FR" dirty="0"/>
@@ -11542,7 +11542,7 @@
                     <a:lstStyle/>
                     <a:p>
                       <a:r>
-                        <a:rPr lang="en-US" dirty="0" smtClean="0"/>
+                        <a:rPr lang="en-US" b="0" i="0" strike="noStrike" dirty="0" smtClean="0"/>
                         <a:t>2.4.6</a:t>
                       </a:r>
                       <a:endParaRPr lang="fr-FR" dirty="0"/>
@@ -11558,7 +11558,7 @@
                     <a:lstStyle/>
                     <a:p>
                       <a:r>
-                        <a:rPr lang="en-US" dirty="0" smtClean="0"/>
+                        <a:rPr lang="en-US" b="0" i="0" strike="noStrike" dirty="0" smtClean="0"/>
                         <a:t>2.5.1</a:t>
                       </a:r>
                       <a:endParaRPr lang="fr-FR" dirty="0"/>
@@ -11589,7 +11589,7 @@
                         <a:defRPr/>
                       </a:pPr>
                       <a:r>
-                        <a:rPr lang="en-US" dirty="0" smtClean="0"/>
+                        <a:rPr lang="en-US" b="0" i="0" strike="noStrike" dirty="0" smtClean="0"/>
                         <a:t>2.5.2</a:t>
                       </a:r>
                       <a:endParaRPr lang="fr-FR" dirty="0" smtClean="0"/>
@@ -11603,7 +11603,7 @@
                     <a:lstStyle/>
                     <a:p>
                       <a:r>
-                        <a:rPr lang="en-US" dirty="0" smtClean="0"/>
+                        <a:rPr lang="en-US" b="0" i="0" strike="noStrike" dirty="0" smtClean="0"/>
                         <a:t>2.5.3</a:t>
                       </a:r>
                       <a:endParaRPr lang="fr-FR" dirty="0"/>
@@ -11617,7 +11617,7 @@
                     <a:lstStyle/>
                     <a:p>
                       <a:r>
-                        <a:rPr lang="en-US" dirty="0" smtClean="0"/>
+                        <a:rPr lang="en-US" b="0" i="0" strike="noStrike" dirty="0" smtClean="0"/>
                         <a:t>2.5.4</a:t>
                       </a:r>
                       <a:endParaRPr lang="fr-FR" dirty="0"/>
@@ -11631,7 +11631,7 @@
                     <a:lstStyle/>
                     <a:p>
                       <a:r>
-                        <a:rPr lang="en-US" dirty="0" smtClean="0"/>
+                        <a:rPr lang="en-US" b="0" i="0" strike="noStrike" dirty="0" smtClean="0"/>
                         <a:t>2.5.5</a:t>
                       </a:r>
                       <a:endParaRPr lang="fr-FR" dirty="0"/>
@@ -11645,7 +11645,7 @@
                     <a:lstStyle/>
                     <a:p>
                       <a:r>
-                        <a:rPr lang="en-US" dirty="0" smtClean="0"/>
+                        <a:rPr lang="en-US" b="0" i="0" strike="noStrike" dirty="0" smtClean="0"/>
                         <a:t>2.5.6</a:t>
                       </a:r>
                       <a:endParaRPr lang="fr-FR" dirty="0"/>
@@ -11661,7 +11661,7 @@
                     <a:lstStyle/>
                     <a:p>
                       <a:r>
-                        <a:rPr lang="en-US" dirty="0" smtClean="0"/>
+                        <a:rPr lang="en-US" b="0" i="0" strike="noStrike" dirty="0" smtClean="0"/>
                         <a:t>2.6.1</a:t>
                       </a:r>
                       <a:endParaRPr lang="fr-FR" dirty="0"/>
@@ -11692,7 +11692,7 @@
                         <a:defRPr/>
                       </a:pPr>
                       <a:r>
-                        <a:rPr lang="en-US" dirty="0" smtClean="0"/>
+                        <a:rPr lang="en-US" b="0" i="0" strike="noStrike" dirty="0" smtClean="0"/>
                         <a:t>2.6.2</a:t>
                       </a:r>
                       <a:endParaRPr lang="fr-FR" dirty="0" smtClean="0"/>
@@ -11706,7 +11706,7 @@
                     <a:lstStyle/>
                     <a:p>
                       <a:r>
-                        <a:rPr lang="en-US" dirty="0" smtClean="0"/>
+                        <a:rPr lang="en-US" b="0" i="0" strike="noStrike" dirty="0" smtClean="0"/>
                         <a:t>2.6.3</a:t>
                       </a:r>
                       <a:endParaRPr lang="fr-FR" dirty="0"/>
@@ -11720,7 +11720,7 @@
                     <a:lstStyle/>
                     <a:p>
                       <a:r>
-                        <a:rPr lang="en-US" dirty="0" smtClean="0"/>
+                        <a:rPr lang="en-US" b="0" i="0" strike="noStrike" dirty="0" smtClean="0"/>
                         <a:t>2.6.4</a:t>
                       </a:r>
                       <a:endParaRPr lang="fr-FR" dirty="0"/>
@@ -11734,7 +11734,7 @@
                     <a:lstStyle/>
                     <a:p>
                       <a:r>
-                        <a:rPr lang="en-US" dirty="0" smtClean="0"/>
+                        <a:rPr lang="en-US" b="0" i="0" strike="noStrike" dirty="0" smtClean="0"/>
                         <a:t>2.6.5</a:t>
                       </a:r>
                       <a:endParaRPr lang="fr-FR" dirty="0"/>
@@ -11748,7 +11748,7 @@
                     <a:lstStyle/>
                     <a:p>
                       <a:r>
-                        <a:rPr lang="en-US" dirty="0" smtClean="0"/>
+                        <a:rPr lang="en-US" b="0" i="0" strike="noStrike" dirty="0" smtClean="0"/>
                         <a:t>2.6.6</a:t>
                       </a:r>
                       <a:endParaRPr lang="fr-FR" dirty="0"/>
@@ -11764,7 +11764,7 @@
                     <a:lstStyle/>
                     <a:p>
                       <a:r>
-                        <a:rPr lang="en-US" dirty="0" smtClean="0"/>
+                        <a:rPr lang="en-US" b="0" i="0" strike="noStrike" dirty="0" smtClean="0"/>
                         <a:t>2.7.1</a:t>
                       </a:r>
                       <a:endParaRPr lang="fr-FR" dirty="0"/>
@@ -11795,7 +11795,7 @@
                         <a:defRPr/>
                       </a:pPr>
                       <a:r>
-                        <a:rPr lang="en-US" dirty="0" smtClean="0"/>
+                        <a:rPr lang="en-US" b="0" i="0" strike="noStrike" dirty="0" smtClean="0"/>
                         <a:t>2.7.2</a:t>
                       </a:r>
                       <a:endParaRPr lang="fr-FR" dirty="0" smtClean="0"/>
@@ -11809,7 +11809,7 @@
                     <a:lstStyle/>
                     <a:p>
                       <a:r>
-                        <a:rPr lang="en-US" dirty="0" smtClean="0"/>
+                        <a:rPr lang="en-US" b="0" i="0" strike="noStrike" dirty="0" smtClean="0"/>
                         <a:t>2.7.3</a:t>
                       </a:r>
                       <a:endParaRPr lang="fr-FR" dirty="0"/>
@@ -11823,7 +11823,7 @@
                     <a:lstStyle/>
                     <a:p>
                       <a:r>
-                        <a:rPr lang="en-US" dirty="0" smtClean="0"/>
+                        <a:rPr lang="en-US" b="0" i="0" strike="noStrike" dirty="0" smtClean="0"/>
                         <a:t>2.7.4</a:t>
                       </a:r>
                       <a:endParaRPr lang="fr-FR" dirty="0"/>
@@ -11837,7 +11837,7 @@
                     <a:lstStyle/>
                     <a:p>
                       <a:r>
-                        <a:rPr lang="en-US" dirty="0" smtClean="0"/>
+                        <a:rPr lang="en-US" b="0" i="0" strike="noStrike" dirty="0" smtClean="0"/>
                         <a:t>2.7.5</a:t>
                       </a:r>
                       <a:endParaRPr lang="fr-FR" dirty="0"/>
@@ -11851,7 +11851,7 @@
                     <a:lstStyle/>
                     <a:p>
                       <a:r>
-                        <a:rPr lang="en-US" dirty="0" smtClean="0"/>
+                        <a:rPr lang="en-US" b="0" i="0" strike="noStrike" dirty="0" smtClean="0"/>
                         <a:t>2.7.6</a:t>
                       </a:r>
                       <a:endParaRPr lang="fr-FR" dirty="0"/>
@@ -11989,7 +11989,7 @@
                     <a:lstStyle/>
                     <a:p>
                       <a:r>
-                        <a:rPr lang="en-US" dirty="0" smtClean="0"/>
+                        <a:rPr lang="en-US" b="0" i="0" strike="noStrike" dirty="0" smtClean="0"/>
                         <a:t>3.4.1</a:t>
                       </a:r>
                       <a:endParaRPr lang="fr-FR" dirty="0"/>
@@ -12020,7 +12020,7 @@
                         <a:defRPr/>
                       </a:pPr>
                       <a:r>
-                        <a:rPr lang="en-US" dirty="0" smtClean="0"/>
+                        <a:rPr lang="en-US" b="0" i="0" strike="noStrike" dirty="0" smtClean="0"/>
                         <a:t>3.4.2</a:t>
                       </a:r>
                       <a:endParaRPr lang="fr-FR" dirty="0" smtClean="0"/>
@@ -12034,7 +12034,7 @@
                     <a:lstStyle/>
                     <a:p>
                       <a:r>
-                        <a:rPr lang="en-US" dirty="0" smtClean="0"/>
+                        <a:rPr lang="en-US" b="0" i="0" strike="noStrike" dirty="0" smtClean="0"/>
                         <a:t>3.4.3</a:t>
                       </a:r>
                       <a:endParaRPr lang="fr-FR" dirty="0"/>
@@ -12048,7 +12048,7 @@
                     <a:lstStyle/>
                     <a:p>
                       <a:r>
-                        <a:rPr lang="en-US" dirty="0" smtClean="0"/>
+                        <a:rPr lang="en-US" b="0" i="0" strike="noStrike" dirty="0" smtClean="0"/>
                         <a:t>3.4.4</a:t>
                       </a:r>
                       <a:endParaRPr lang="fr-FR" dirty="0"/>
@@ -12062,7 +12062,7 @@
                     <a:lstStyle/>
                     <a:p>
                       <a:r>
-                        <a:rPr lang="en-US" dirty="0" smtClean="0"/>
+                        <a:rPr lang="en-US" b="0" i="0" strike="noStrike" dirty="0" smtClean="0"/>
                         <a:t>3.4.5</a:t>
                       </a:r>
                       <a:endParaRPr lang="fr-FR" dirty="0"/>
@@ -12076,7 +12076,7 @@
                     <a:lstStyle/>
                     <a:p>
                       <a:r>
-                        <a:rPr lang="en-US" dirty="0" smtClean="0"/>
+                        <a:rPr lang="en-US" b="0" i="0" strike="noStrike" dirty="0" smtClean="0"/>
                         <a:t>3.4.6</a:t>
                       </a:r>
                       <a:endParaRPr lang="fr-FR" dirty="0"/>
@@ -12092,7 +12092,7 @@
                     <a:lstStyle/>
                     <a:p>
                       <a:r>
-                        <a:rPr lang="en-US" dirty="0" smtClean="0"/>
+                        <a:rPr lang="en-US" b="0" i="0" strike="noStrike" dirty="0" smtClean="0"/>
                         <a:t>3.5.1</a:t>
                       </a:r>
                       <a:endParaRPr lang="fr-FR" dirty="0"/>
@@ -12123,7 +12123,7 @@
                         <a:defRPr/>
                       </a:pPr>
                       <a:r>
-                        <a:rPr lang="en-US" dirty="0" smtClean="0"/>
+                        <a:rPr lang="en-US" b="0" i="0" strike="noStrike" dirty="0" smtClean="0"/>
                         <a:t>3.5.2</a:t>
                       </a:r>
                       <a:endParaRPr lang="fr-FR" dirty="0" smtClean="0"/>
@@ -12137,7 +12137,7 @@
                     <a:lstStyle/>
                     <a:p>
                       <a:r>
-                        <a:rPr lang="en-US" dirty="0" smtClean="0"/>
+                        <a:rPr lang="en-US" b="0" i="0" strike="noStrike" dirty="0" smtClean="0"/>
                         <a:t>3.5.3</a:t>
                       </a:r>
                       <a:endParaRPr lang="fr-FR" dirty="0"/>
@@ -12151,7 +12151,7 @@
                     <a:lstStyle/>
                     <a:p>
                       <a:r>
-                        <a:rPr lang="en-US" dirty="0" smtClean="0"/>
+                        <a:rPr lang="en-US" b="0" i="0" strike="noStrike" dirty="0" smtClean="0"/>
                         <a:t>3.5.4</a:t>
                       </a:r>
                       <a:endParaRPr lang="fr-FR" dirty="0"/>
@@ -12165,7 +12165,7 @@
                     <a:lstStyle/>
                     <a:p>
                       <a:r>
-                        <a:rPr lang="en-US" dirty="0" smtClean="0"/>
+                        <a:rPr lang="en-US" b="0" i="0" strike="noStrike" dirty="0" smtClean="0"/>
                         <a:t>3.5.5</a:t>
                       </a:r>
                       <a:endParaRPr lang="fr-FR" dirty="0"/>
@@ -12179,7 +12179,7 @@
                     <a:lstStyle/>
                     <a:p>
                       <a:r>
-                        <a:rPr lang="en-US" dirty="0" smtClean="0"/>
+                        <a:rPr lang="en-US" b="0" i="0" strike="noStrike" dirty="0" smtClean="0"/>
                         <a:t>3.5.6</a:t>
                       </a:r>
                       <a:endParaRPr lang="fr-FR" dirty="0"/>
@@ -12195,7 +12195,7 @@
                     <a:lstStyle/>
                     <a:p>
                       <a:r>
-                        <a:rPr lang="en-US" dirty="0" smtClean="0"/>
+                        <a:rPr lang="en-US" b="0" i="0" strike="noStrike" dirty="0" smtClean="0"/>
                         <a:t>3.6.1</a:t>
                       </a:r>
                       <a:endParaRPr lang="fr-FR" dirty="0"/>
@@ -12226,7 +12226,7 @@
                         <a:defRPr/>
                       </a:pPr>
                       <a:r>
-                        <a:rPr lang="en-US" dirty="0" smtClean="0"/>
+                        <a:rPr lang="en-US" b="0" i="0" strike="noStrike" dirty="0" smtClean="0"/>
                         <a:t>3.6.2</a:t>
                       </a:r>
                       <a:endParaRPr lang="fr-FR" dirty="0" smtClean="0"/>
@@ -12240,7 +12240,7 @@
                     <a:lstStyle/>
                     <a:p>
                       <a:r>
-                        <a:rPr lang="en-US" dirty="0" smtClean="0"/>
+                        <a:rPr lang="en-US" b="0" i="0" strike="noStrike" dirty="0" smtClean="0"/>
                         <a:t>3.6.3</a:t>
                       </a:r>
                       <a:endParaRPr lang="fr-FR" dirty="0"/>
@@ -12254,7 +12254,7 @@
                     <a:lstStyle/>
                     <a:p>
                       <a:r>
-                        <a:rPr lang="en-US" dirty="0" smtClean="0"/>
+                        <a:rPr lang="en-US" b="0" i="0" strike="noStrike" dirty="0" smtClean="0"/>
                         <a:t>3.6.4</a:t>
                       </a:r>
                       <a:endParaRPr lang="fr-FR" dirty="0"/>
@@ -12268,7 +12268,7 @@
                     <a:lstStyle/>
                     <a:p>
                       <a:r>
-                        <a:rPr lang="en-US" dirty="0" smtClean="0"/>
+                        <a:rPr lang="en-US" b="0" i="0" strike="noStrike" dirty="0" smtClean="0"/>
                         <a:t>3.6.5</a:t>
                       </a:r>
                       <a:endParaRPr lang="fr-FR" dirty="0"/>
@@ -12282,7 +12282,7 @@
                     <a:lstStyle/>
                     <a:p>
                       <a:r>
-                        <a:rPr lang="en-US" dirty="0" smtClean="0"/>
+                        <a:rPr lang="en-US" b="0" i="0" strike="noStrike" dirty="0" smtClean="0"/>
                         <a:t>3.6.6</a:t>
                       </a:r>
                       <a:endParaRPr lang="fr-FR" dirty="0"/>
@@ -12298,7 +12298,7 @@
                     <a:lstStyle/>
                     <a:p>
                       <a:r>
-                        <a:rPr lang="en-US" dirty="0" smtClean="0"/>
+                        <a:rPr lang="en-US" b="0" i="0" strike="noStrike" dirty="0" smtClean="0"/>
                         <a:t>3.7.1</a:t>
                       </a:r>
                       <a:endParaRPr lang="fr-FR" dirty="0"/>
@@ -12329,7 +12329,7 @@
                         <a:defRPr/>
                       </a:pPr>
                       <a:r>
-                        <a:rPr lang="en-US" dirty="0" smtClean="0"/>
+                        <a:rPr lang="en-US" b="0" i="0" strike="noStrike" dirty="0" smtClean="0"/>
                         <a:t>3.7.2</a:t>
                       </a:r>
                       <a:endParaRPr lang="fr-FR" dirty="0" smtClean="0"/>
@@ -12343,7 +12343,7 @@
                     <a:lstStyle/>
                     <a:p>
                       <a:r>
-                        <a:rPr lang="en-US" dirty="0" smtClean="0"/>
+                        <a:rPr lang="en-US" b="0" i="0" strike="noStrike" dirty="0" smtClean="0"/>
                         <a:t>3.7.3</a:t>
                       </a:r>
                       <a:endParaRPr lang="fr-FR" dirty="0"/>
@@ -12357,7 +12357,7 @@
                     <a:lstStyle/>
                     <a:p>
                       <a:r>
-                        <a:rPr lang="en-US" dirty="0" smtClean="0"/>
+                        <a:rPr lang="en-US" b="0" i="0" strike="noStrike" dirty="0" smtClean="0"/>
                         <a:t>3.7.4</a:t>
                       </a:r>
                       <a:endParaRPr lang="fr-FR" dirty="0"/>
@@ -12371,7 +12371,7 @@
                     <a:lstStyle/>
                     <a:p>
                       <a:r>
-                        <a:rPr lang="en-US" dirty="0" smtClean="0"/>
+                        <a:rPr lang="en-US" b="0" i="0" strike="noStrike" dirty="0" smtClean="0"/>
                         <a:t>3.7.5</a:t>
                       </a:r>
                       <a:endParaRPr lang="fr-FR" dirty="0"/>
@@ -12385,7 +12385,7 @@
                     <a:lstStyle/>
                     <a:p>
                       <a:r>
-                        <a:rPr lang="en-US" dirty="0" smtClean="0"/>
+                        <a:rPr lang="en-US" b="0" i="0" strike="noStrike" dirty="0" smtClean="0"/>
                         <a:t>3.7.6</a:t>
                       </a:r>
                       <a:endParaRPr lang="fr-FR" dirty="0"/>
@@ -12553,7 +12553,7 @@
                     <a:lstStyle/>
                     <a:p>
                       <a:r>
-                        <a:rPr lang="en-US" sz="1800" b="0" i="0" u="none" dirty="0" smtClean="0"/>
+                        <a:rPr lang="en-US" sz="1800" b="0" i="0" u="none" strike="noStrike" dirty="0" smtClean="0"/>
                         <a:t>1.6.1</a:t>
                       </a:r>
                       <a:endParaRPr lang="fr-FR" sz="1800" b="0" i="0" u="none" dirty="0"/>
@@ -12584,7 +12584,7 @@
                         <a:defRPr/>
                       </a:pPr>
                       <a:r>
-                        <a:rPr lang="en-US" dirty="0" smtClean="0"/>
+                        <a:rPr lang="en-US" b="0" i="0" strike="noStrike" dirty="0" smtClean="0"/>
                         <a:t>1.6.2</a:t>
                       </a:r>
                       <a:endParaRPr lang="fr-FR" dirty="0" smtClean="0"/>
@@ -12598,7 +12598,7 @@
                     <a:lstStyle/>
                     <a:p>
                       <a:r>
-                        <a:rPr lang="en-US" dirty="0" smtClean="0"/>
+                        <a:rPr lang="en-US" b="0" i="0" strike="noStrike" dirty="0" smtClean="0"/>
                         <a:t>1.6.3</a:t>
                       </a:r>
                       <a:endParaRPr lang="fr-FR" dirty="0"/>
@@ -12612,7 +12612,7 @@
                     <a:lstStyle/>
                     <a:p>
                       <a:r>
-                        <a:rPr lang="en-US" dirty="0" smtClean="0"/>
+                        <a:rPr lang="en-US" b="0" i="0" strike="noStrike" dirty="0" smtClean="0"/>
                         <a:t>1.6.4</a:t>
                       </a:r>
                       <a:endParaRPr lang="fr-FR" dirty="0"/>
@@ -12626,7 +12626,7 @@
                     <a:lstStyle/>
                     <a:p>
                       <a:r>
-                        <a:rPr lang="en-US" dirty="0" smtClean="0"/>
+                        <a:rPr lang="en-US" b="0" i="0" strike="noStrike" dirty="0" smtClean="0"/>
                         <a:t>1.6.5</a:t>
                       </a:r>
                       <a:endParaRPr lang="fr-FR" dirty="0"/>
@@ -12640,7 +12640,7 @@
                     <a:lstStyle/>
                     <a:p>
                       <a:r>
-                        <a:rPr lang="en-US" dirty="0" smtClean="0"/>
+                        <a:rPr lang="en-US" b="0" i="0" strike="noStrike" dirty="0" smtClean="0"/>
                         <a:t>1.6.6</a:t>
                       </a:r>
                       <a:endParaRPr lang="fr-FR" dirty="0"/>
@@ -12656,7 +12656,7 @@
                     <a:lstStyle/>
                     <a:p>
                       <a:r>
-                        <a:rPr lang="en-US" dirty="0" smtClean="0"/>
+                        <a:rPr lang="en-US" b="0" i="0" strike="noStrike" dirty="0" smtClean="0"/>
                         <a:t>1.7.1</a:t>
                       </a:r>
                       <a:endParaRPr lang="fr-FR" dirty="0"/>
@@ -12687,7 +12687,7 @@
                         <a:defRPr/>
                       </a:pPr>
                       <a:r>
-                        <a:rPr lang="en-US" dirty="0" smtClean="0"/>
+                        <a:rPr lang="en-US" b="0" i="0" strike="noStrike" dirty="0" smtClean="0"/>
                         <a:t>1.7.2</a:t>
                       </a:r>
                       <a:endParaRPr lang="fr-FR" dirty="0" smtClean="0"/>
@@ -12701,7 +12701,7 @@
                     <a:lstStyle/>
                     <a:p>
                       <a:r>
-                        <a:rPr lang="en-US" dirty="0" smtClean="0"/>
+                        <a:rPr lang="en-US" b="0" i="0" strike="noStrike" dirty="0" smtClean="0"/>
                         <a:t>1.7.3</a:t>
                       </a:r>
                       <a:endParaRPr lang="fr-FR" dirty="0"/>
@@ -12715,7 +12715,7 @@
                     <a:lstStyle/>
                     <a:p>
                       <a:r>
-                        <a:rPr lang="en-US" dirty="0" smtClean="0"/>
+                        <a:rPr lang="en-US" b="0" i="0" strike="noStrike" dirty="0" smtClean="0"/>
                         <a:t>1.7.4</a:t>
                       </a:r>
                       <a:endParaRPr lang="fr-FR" dirty="0"/>
@@ -12729,7 +12729,7 @@
                     <a:lstStyle/>
                     <a:p>
                       <a:r>
-                        <a:rPr lang="en-US" dirty="0" smtClean="0"/>
+                        <a:rPr lang="en-US" b="0" i="0" strike="noStrike" dirty="0" smtClean="0"/>
                         <a:t>1.7.5</a:t>
                       </a:r>
                       <a:endParaRPr lang="fr-FR" dirty="0"/>
@@ -12743,7 +12743,7 @@
                     <a:lstStyle/>
                     <a:p>
                       <a:r>
-                        <a:rPr lang="en-US" dirty="0" smtClean="0"/>
+                        <a:rPr lang="en-US" b="0" i="0" strike="noStrike" dirty="0" smtClean="0"/>
                         <a:t>1.7.6</a:t>
                       </a:r>
                       <a:endParaRPr lang="fr-FR" dirty="0"/>
@@ -12759,7 +12759,7 @@
                     <a:lstStyle/>
                     <a:p>
                       <a:r>
-                        <a:rPr lang="en-US" dirty="0" smtClean="0"/>
+                        <a:rPr lang="en-US" b="0" i="0" strike="noStrike" dirty="0" smtClean="0"/>
                         <a:t>1.8.1</a:t>
                       </a:r>
                       <a:endParaRPr lang="fr-FR" dirty="0"/>
@@ -12790,7 +12790,7 @@
                         <a:defRPr/>
                       </a:pPr>
                       <a:r>
-                        <a:rPr lang="en-US" dirty="0" smtClean="0"/>
+                        <a:rPr lang="en-US" b="0" i="0" strike="noStrike" dirty="0" smtClean="0"/>
                         <a:t>1.8.2</a:t>
                       </a:r>
                       <a:endParaRPr lang="fr-FR" dirty="0" smtClean="0"/>
@@ -12804,7 +12804,7 @@
                     <a:lstStyle/>
                     <a:p>
                       <a:r>
-                        <a:rPr lang="en-US" dirty="0" smtClean="0"/>
+                        <a:rPr lang="en-US" b="0" i="0" strike="noStrike" dirty="0" smtClean="0"/>
                         <a:t>1.8.3</a:t>
                       </a:r>
                       <a:endParaRPr lang="fr-FR" dirty="0"/>
@@ -12818,7 +12818,7 @@
                     <a:lstStyle/>
                     <a:p>
                       <a:r>
-                        <a:rPr lang="en-US" dirty="0" smtClean="0"/>
+                        <a:rPr lang="en-US" b="0" i="0" strike="noStrike" dirty="0" smtClean="0"/>
                         <a:t>1.8.4</a:t>
                       </a:r>
                       <a:endParaRPr lang="fr-FR" dirty="0"/>
@@ -12832,7 +12832,7 @@
                     <a:lstStyle/>
                     <a:p>
                       <a:r>
-                        <a:rPr lang="en-US" dirty="0" smtClean="0"/>
+                        <a:rPr lang="en-US" b="0" i="0" strike="noStrike" dirty="0" smtClean="0"/>
                         <a:t>1.8.5</a:t>
                       </a:r>
                       <a:endParaRPr lang="fr-FR" dirty="0"/>
@@ -12846,7 +12846,7 @@
                     <a:lstStyle/>
                     <a:p>
                       <a:r>
-                        <a:rPr lang="en-US" dirty="0" smtClean="0"/>
+                        <a:rPr lang="en-US" b="0" i="0" strike="noStrike" dirty="0" smtClean="0"/>
                         <a:t>1.8.6</a:t>
                       </a:r>
                       <a:endParaRPr lang="fr-FR" dirty="0"/>
@@ -12984,7 +12984,7 @@
                     <a:lstStyle/>
                     <a:p>
                       <a:r>
-                        <a:rPr lang="en-US" dirty="0" smtClean="0"/>
+                        <a:rPr lang="en-US" b="0" i="0" strike="noStrike" dirty="0" smtClean="0"/>
                         <a:t>2.8.1</a:t>
                       </a:r>
                       <a:endParaRPr lang="fr-FR" dirty="0"/>
@@ -13015,7 +13015,7 @@
                         <a:defRPr/>
                       </a:pPr>
                       <a:r>
-                        <a:rPr lang="en-US" dirty="0" smtClean="0"/>
+                        <a:rPr lang="en-US" b="0" i="0" strike="noStrike" dirty="0" smtClean="0"/>
                         <a:t>2.8.2</a:t>
                       </a:r>
                       <a:endParaRPr lang="fr-FR" dirty="0" smtClean="0"/>
@@ -13029,7 +13029,7 @@
                     <a:lstStyle/>
                     <a:p>
                       <a:r>
-                        <a:rPr lang="en-US" dirty="0" smtClean="0"/>
+                        <a:rPr lang="en-US" b="0" i="0" strike="noStrike" dirty="0" smtClean="0"/>
                         <a:t>2.8.3</a:t>
                       </a:r>
                       <a:endParaRPr lang="fr-FR" dirty="0"/>
@@ -13043,7 +13043,7 @@
                     <a:lstStyle/>
                     <a:p>
                       <a:r>
-                        <a:rPr lang="en-US" dirty="0" smtClean="0"/>
+                        <a:rPr lang="en-US" b="0" i="0" strike="noStrike" dirty="0" smtClean="0"/>
                         <a:t>2.8.4</a:t>
                       </a:r>
                       <a:endParaRPr lang="fr-FR" dirty="0"/>
@@ -13057,7 +13057,7 @@
                     <a:lstStyle/>
                     <a:p>
                       <a:r>
-                        <a:rPr lang="en-US" dirty="0" smtClean="0"/>
+                        <a:rPr lang="en-US" b="0" i="0" strike="noStrike" dirty="0" smtClean="0"/>
                         <a:t>2.8.5</a:t>
                       </a:r>
                       <a:endParaRPr lang="fr-FR" dirty="0"/>
@@ -13071,7 +13071,7 @@
                     <a:lstStyle/>
                     <a:p>
                       <a:r>
-                        <a:rPr lang="en-US" dirty="0" smtClean="0"/>
+                        <a:rPr lang="en-US" b="0" i="0" strike="noStrike" dirty="0" smtClean="0"/>
                         <a:t>2.8.6</a:t>
                       </a:r>
                       <a:endParaRPr lang="fr-FR" dirty="0"/>
@@ -13087,7 +13087,7 @@
                     <a:lstStyle/>
                     <a:p>
                       <a:r>
-                        <a:rPr lang="en-US" dirty="0" smtClean="0"/>
+                        <a:rPr lang="en-US" b="0" i="0" strike="noStrike" dirty="0" smtClean="0"/>
                         <a:t>2.9.1</a:t>
                       </a:r>
                       <a:endParaRPr lang="fr-FR" dirty="0"/>
@@ -13118,7 +13118,7 @@
                         <a:defRPr/>
                       </a:pPr>
                       <a:r>
-                        <a:rPr lang="en-US" dirty="0" smtClean="0"/>
+                        <a:rPr lang="en-US" b="0" i="0" strike="noStrike" dirty="0" smtClean="0"/>
                         <a:t>2.9.2</a:t>
                       </a:r>
                       <a:endParaRPr lang="fr-FR" dirty="0" smtClean="0"/>
@@ -13132,7 +13132,7 @@
                     <a:lstStyle/>
                     <a:p>
                       <a:r>
-                        <a:rPr lang="en-US" dirty="0" smtClean="0"/>
+                        <a:rPr lang="en-US" b="0" i="0" strike="noStrike" dirty="0" smtClean="0"/>
                         <a:t>2.9.3</a:t>
                       </a:r>
                       <a:endParaRPr lang="fr-FR" dirty="0"/>
@@ -13146,7 +13146,7 @@
                     <a:lstStyle/>
                     <a:p>
                       <a:r>
-                        <a:rPr lang="en-US" dirty="0" smtClean="0"/>
+                        <a:rPr lang="en-US" b="0" i="0" strike="noStrike" dirty="0" smtClean="0"/>
                         <a:t>2.9.4</a:t>
                       </a:r>
                       <a:endParaRPr lang="fr-FR" dirty="0"/>
@@ -13160,7 +13160,7 @@
                     <a:lstStyle/>
                     <a:p>
                       <a:r>
-                        <a:rPr lang="en-US" dirty="0" smtClean="0"/>
+                        <a:rPr lang="en-US" b="0" i="0" strike="noStrike" dirty="0" smtClean="0"/>
                         <a:t>2.9.5</a:t>
                       </a:r>
                       <a:endParaRPr lang="fr-FR" dirty="0"/>
@@ -13174,7 +13174,7 @@
                     <a:lstStyle/>
                     <a:p>
                       <a:r>
-                        <a:rPr lang="en-US" dirty="0" smtClean="0"/>
+                        <a:rPr lang="en-US" b="0" i="0" strike="noStrike" dirty="0" smtClean="0"/>
                         <a:t>2.9.6</a:t>
                       </a:r>
                       <a:endParaRPr lang="fr-FR" dirty="0"/>
@@ -13190,7 +13190,7 @@
                     <a:lstStyle/>
                     <a:p>
                       <a:r>
-                        <a:rPr lang="en-US" dirty="0" smtClean="0"/>
+                        <a:rPr lang="en-US" b="0" i="0" strike="noStrike" dirty="0" smtClean="0"/>
                         <a:t>2.10.1</a:t>
                       </a:r>
                       <a:endParaRPr lang="fr-FR" dirty="0"/>
@@ -13221,7 +13221,7 @@
                         <a:defRPr/>
                       </a:pPr>
                       <a:r>
-                        <a:rPr lang="en-US" dirty="0" smtClean="0"/>
+                        <a:rPr lang="en-US" b="0" i="0" strike="noStrike" dirty="0" smtClean="0"/>
                         <a:t>2.10.2</a:t>
                       </a:r>
                       <a:endParaRPr lang="fr-FR" dirty="0" smtClean="0"/>
@@ -13235,7 +13235,7 @@
                     <a:lstStyle/>
                     <a:p>
                       <a:r>
-                        <a:rPr lang="en-US" dirty="0" smtClean="0"/>
+                        <a:rPr lang="en-US" b="0" i="0" strike="noStrike" dirty="0" smtClean="0"/>
                         <a:t>2.10.3</a:t>
                       </a:r>
                       <a:endParaRPr lang="fr-FR" dirty="0"/>
@@ -13249,7 +13249,7 @@
                     <a:lstStyle/>
                     <a:p>
                       <a:r>
-                        <a:rPr lang="en-US" dirty="0" smtClean="0"/>
+                        <a:rPr lang="en-US" b="0" i="0" strike="noStrike" dirty="0" smtClean="0"/>
                         <a:t>2.10.4</a:t>
                       </a:r>
                       <a:endParaRPr lang="fr-FR" dirty="0"/>
@@ -13263,7 +13263,7 @@
                     <a:lstStyle/>
                     <a:p>
                       <a:r>
-                        <a:rPr lang="en-US" dirty="0" smtClean="0"/>
+                        <a:rPr lang="en-US" b="0" i="0" strike="noStrike" dirty="0" smtClean="0"/>
                         <a:t>2.10.5</a:t>
                       </a:r>
                       <a:endParaRPr lang="fr-FR" dirty="0"/>
@@ -13277,7 +13277,7 @@
                     <a:lstStyle/>
                     <a:p>
                       <a:r>
-                        <a:rPr lang="en-US" dirty="0" smtClean="0"/>
+                        <a:rPr lang="en-US" b="0" i="0" strike="noStrike" dirty="0" smtClean="0"/>
                         <a:t>2.10.6</a:t>
                       </a:r>
                       <a:endParaRPr lang="fr-FR" dirty="0"/>
@@ -13293,7 +13293,7 @@
                     <a:lstStyle/>
                     <a:p>
                       <a:r>
-                        <a:rPr lang="en-US" dirty="0" smtClean="0"/>
+                        <a:rPr lang="en-US" b="0" i="0" strike="noStrike" dirty="0" smtClean="0"/>
                         <a:t>2.11.1</a:t>
                       </a:r>
                       <a:endParaRPr lang="fr-FR" dirty="0"/>
@@ -13324,7 +13324,7 @@
                         <a:defRPr/>
                       </a:pPr>
                       <a:r>
-                        <a:rPr lang="en-US" dirty="0" smtClean="0"/>
+                        <a:rPr lang="en-US" b="0" i="0" strike="noStrike" dirty="0" smtClean="0"/>
                         <a:t>2.11.2</a:t>
                       </a:r>
                       <a:endParaRPr lang="fr-FR" dirty="0" smtClean="0"/>
@@ -13338,7 +13338,7 @@
                     <a:lstStyle/>
                     <a:p>
                       <a:r>
-                        <a:rPr lang="en-US" dirty="0" smtClean="0"/>
+                        <a:rPr lang="en-US" b="0" i="0" strike="noStrike" dirty="0" smtClean="0"/>
                         <a:t>2.11.3</a:t>
                       </a:r>
                       <a:endParaRPr lang="fr-FR" dirty="0"/>
@@ -13352,7 +13352,7 @@
                     <a:lstStyle/>
                     <a:p>
                       <a:r>
-                        <a:rPr lang="en-US" dirty="0" smtClean="0"/>
+                        <a:rPr lang="en-US" b="0" i="0" strike="noStrike" dirty="0" smtClean="0"/>
                         <a:t>2.11.4</a:t>
                       </a:r>
                       <a:endParaRPr lang="fr-FR" dirty="0"/>
@@ -13366,7 +13366,7 @@
                     <a:lstStyle/>
                     <a:p>
                       <a:r>
-                        <a:rPr lang="en-US" dirty="0" smtClean="0"/>
+                        <a:rPr lang="en-US" b="0" i="0" strike="noStrike" dirty="0" smtClean="0"/>
                         <a:t>2.11.5</a:t>
                       </a:r>
                       <a:endParaRPr lang="fr-FR" dirty="0"/>
@@ -13380,7 +13380,7 @@
                     <a:lstStyle/>
                     <a:p>
                       <a:r>
-                        <a:rPr lang="en-US" dirty="0" smtClean="0"/>
+                        <a:rPr lang="en-US" b="0" i="0" strike="noStrike" dirty="0" smtClean="0"/>
                         <a:t>2.11.6</a:t>
                       </a:r>
                       <a:endParaRPr lang="fr-FR" dirty="0"/>
@@ -13518,7 +13518,7 @@
                     <a:lstStyle/>
                     <a:p>
                       <a:r>
-                        <a:rPr lang="en-US" dirty="0" smtClean="0"/>
+                        <a:rPr lang="en-US" b="0" i="0" strike="noStrike" dirty="0" smtClean="0"/>
                         <a:t>3.8.1</a:t>
                       </a:r>
                       <a:endParaRPr lang="fr-FR" dirty="0"/>
@@ -13549,7 +13549,7 @@
                         <a:defRPr/>
                       </a:pPr>
                       <a:r>
-                        <a:rPr lang="en-US" dirty="0" smtClean="0"/>
+                        <a:rPr lang="en-US" b="0" i="0" strike="noStrike" dirty="0" smtClean="0"/>
                         <a:t>3.8.2</a:t>
                       </a:r>
                       <a:endParaRPr lang="fr-FR" dirty="0" smtClean="0"/>
@@ -13563,7 +13563,7 @@
                     <a:lstStyle/>
                     <a:p>
                       <a:r>
-                        <a:rPr lang="en-US" dirty="0" smtClean="0"/>
+                        <a:rPr lang="en-US" b="0" i="0" strike="noStrike" dirty="0" smtClean="0"/>
                         <a:t>3.8.3</a:t>
                       </a:r>
                       <a:endParaRPr lang="fr-FR" dirty="0"/>
@@ -13577,7 +13577,7 @@
                     <a:lstStyle/>
                     <a:p>
                       <a:r>
-                        <a:rPr lang="en-US" dirty="0" smtClean="0"/>
+                        <a:rPr lang="en-US" b="0" i="0" strike="noStrike" dirty="0" smtClean="0"/>
                         <a:t>3.8.4</a:t>
                       </a:r>
                       <a:endParaRPr lang="fr-FR" dirty="0"/>
@@ -13591,7 +13591,7 @@
                     <a:lstStyle/>
                     <a:p>
                       <a:r>
-                        <a:rPr lang="en-US" dirty="0" smtClean="0"/>
+                        <a:rPr lang="en-US" b="0" i="0" strike="noStrike" dirty="0" smtClean="0"/>
                         <a:t>3.8.5</a:t>
                       </a:r>
                       <a:endParaRPr lang="fr-FR" dirty="0"/>
@@ -13605,7 +13605,7 @@
                     <a:lstStyle/>
                     <a:p>
                       <a:r>
-                        <a:rPr lang="en-US" dirty="0" smtClean="0"/>
+                        <a:rPr lang="en-US" b="0" i="0" strike="noStrike" dirty="0" smtClean="0"/>
                         <a:t>3.8.6</a:t>
                       </a:r>
                       <a:endParaRPr lang="fr-FR" dirty="0"/>
@@ -13621,7 +13621,7 @@
                     <a:lstStyle/>
                     <a:p>
                       <a:r>
-                        <a:rPr lang="en-US" dirty="0" smtClean="0"/>
+                        <a:rPr lang="en-US" b="0" i="0" strike="noStrike" dirty="0" smtClean="0"/>
                         <a:t>3.9.1</a:t>
                       </a:r>
                       <a:endParaRPr lang="fr-FR" dirty="0"/>
@@ -13652,7 +13652,7 @@
                         <a:defRPr/>
                       </a:pPr>
                       <a:r>
-                        <a:rPr lang="en-US" dirty="0" smtClean="0"/>
+                        <a:rPr lang="en-US" b="0" i="0" strike="noStrike" dirty="0" smtClean="0"/>
                         <a:t>3.9.2</a:t>
                       </a:r>
                       <a:endParaRPr lang="fr-FR" dirty="0" smtClean="0"/>
@@ -13666,7 +13666,7 @@
                     <a:lstStyle/>
                     <a:p>
                       <a:r>
-                        <a:rPr lang="en-US" dirty="0" smtClean="0"/>
+                        <a:rPr lang="en-US" b="0" i="0" strike="noStrike" dirty="0" smtClean="0"/>
                         <a:t>3.9.3</a:t>
                       </a:r>
                       <a:endParaRPr lang="fr-FR" dirty="0"/>
@@ -13680,7 +13680,7 @@
                     <a:lstStyle/>
                     <a:p>
                       <a:r>
-                        <a:rPr lang="en-US" dirty="0" smtClean="0"/>
+                        <a:rPr lang="en-US" b="0" i="0" strike="noStrike" dirty="0" smtClean="0"/>
                         <a:t>3.9.4</a:t>
                       </a:r>
                       <a:endParaRPr lang="fr-FR" dirty="0"/>
@@ -13694,7 +13694,7 @@
                     <a:lstStyle/>
                     <a:p>
                       <a:r>
-                        <a:rPr lang="en-US" dirty="0" smtClean="0"/>
+                        <a:rPr lang="en-US" b="0" i="0" strike="noStrike" dirty="0" smtClean="0"/>
                         <a:t>3.9.5</a:t>
                       </a:r>
                       <a:endParaRPr lang="fr-FR" dirty="0"/>
@@ -13708,7 +13708,7 @@
                     <a:lstStyle/>
                     <a:p>
                       <a:r>
-                        <a:rPr lang="en-US" dirty="0" smtClean="0"/>
+                        <a:rPr lang="en-US" b="0" i="0" strike="noStrike" dirty="0" smtClean="0"/>
                         <a:t>3.9.6</a:t>
                       </a:r>
                       <a:endParaRPr lang="fr-FR" dirty="0"/>
@@ -13724,7 +13724,7 @@
                     <a:lstStyle/>
                     <a:p>
                       <a:r>
-                        <a:rPr lang="en-US" dirty="0" smtClean="0"/>
+                        <a:rPr lang="en-US" b="0" i="0" strike="noStrike" dirty="0" smtClean="0"/>
                         <a:t>3.10.1</a:t>
                       </a:r>
                       <a:endParaRPr lang="fr-FR" dirty="0"/>
@@ -13755,7 +13755,7 @@
                         <a:defRPr/>
                       </a:pPr>
                       <a:r>
-                        <a:rPr lang="en-US" dirty="0" smtClean="0"/>
+                        <a:rPr lang="en-US" b="0" i="0" strike="noStrike" dirty="0" smtClean="0"/>
                         <a:t>3.10.2</a:t>
                       </a:r>
                       <a:endParaRPr lang="fr-FR" dirty="0" smtClean="0"/>
@@ -13769,7 +13769,7 @@
                     <a:lstStyle/>
                     <a:p>
                       <a:r>
-                        <a:rPr lang="en-US" dirty="0" smtClean="0"/>
+                        <a:rPr lang="en-US" b="0" i="0" strike="noStrike" dirty="0" smtClean="0"/>
                         <a:t>3.10.3</a:t>
                       </a:r>
                       <a:endParaRPr lang="fr-FR" dirty="0"/>
@@ -13783,7 +13783,7 @@
                     <a:lstStyle/>
                     <a:p>
                       <a:r>
-                        <a:rPr lang="en-US" dirty="0" smtClean="0"/>
+                        <a:rPr lang="en-US" b="0" i="0" strike="noStrike" dirty="0" smtClean="0"/>
                         <a:t>3.10.4</a:t>
                       </a:r>
                       <a:endParaRPr lang="fr-FR" dirty="0"/>
@@ -13797,7 +13797,7 @@
                     <a:lstStyle/>
                     <a:p>
                       <a:r>
-                        <a:rPr lang="en-US" dirty="0" smtClean="0"/>
+                        <a:rPr lang="en-US" b="0" i="0" strike="noStrike" dirty="0" smtClean="0"/>
                         <a:t>3.10.5</a:t>
                       </a:r>
                       <a:endParaRPr lang="fr-FR" dirty="0"/>
@@ -13811,7 +13811,7 @@
                     <a:lstStyle/>
                     <a:p>
                       <a:r>
-                        <a:rPr lang="en-US" dirty="0" smtClean="0"/>
+                        <a:rPr lang="en-US" b="0" i="0" strike="noStrike" dirty="0" smtClean="0"/>
                         <a:t>3.10.6</a:t>
                       </a:r>
                       <a:endParaRPr lang="fr-FR" dirty="0"/>
@@ -13827,7 +13827,7 @@
                     <a:lstStyle/>
                     <a:p>
                       <a:r>
-                        <a:rPr lang="en-US" dirty="0" smtClean="0"/>
+                        <a:rPr lang="en-US" b="0" i="0" strike="noStrike" dirty="0" smtClean="0"/>
                         <a:t>3.11.1</a:t>
                       </a:r>
                       <a:endParaRPr lang="fr-FR" dirty="0"/>
@@ -13858,7 +13858,7 @@
                         <a:defRPr/>
                       </a:pPr>
                       <a:r>
-                        <a:rPr lang="en-US" dirty="0" smtClean="0"/>
+                        <a:rPr lang="en-US" b="0" i="0" strike="noStrike" dirty="0" smtClean="0"/>
                         <a:t>3.11.2</a:t>
                       </a:r>
                       <a:endParaRPr lang="fr-FR" dirty="0" smtClean="0"/>
@@ -13872,7 +13872,7 @@
                     <a:lstStyle/>
                     <a:p>
                       <a:r>
-                        <a:rPr lang="en-US" dirty="0" smtClean="0"/>
+                        <a:rPr lang="en-US" b="0" i="0" strike="noStrike" dirty="0" smtClean="0"/>
                         <a:t>3.11.3</a:t>
                       </a:r>
                       <a:endParaRPr lang="fr-FR" dirty="0"/>
@@ -13886,7 +13886,7 @@
                     <a:lstStyle/>
                     <a:p>
                       <a:r>
-                        <a:rPr lang="en-US" dirty="0" smtClean="0"/>
+                        <a:rPr lang="en-US" b="0" i="0" strike="noStrike" dirty="0" smtClean="0"/>
                         <a:t>3.11.4</a:t>
                       </a:r>
                       <a:endParaRPr lang="fr-FR" dirty="0"/>
@@ -13900,7 +13900,7 @@
                     <a:lstStyle/>
                     <a:p>
                       <a:r>
-                        <a:rPr lang="en-US" dirty="0" smtClean="0"/>
+                        <a:rPr lang="en-US" b="0" i="0" strike="noStrike" dirty="0" smtClean="0"/>
                         <a:t>3.11.5</a:t>
                       </a:r>
                       <a:endParaRPr lang="fr-FR" dirty="0"/>
@@ -13914,7 +13914,7 @@
                     <a:lstStyle/>
                     <a:p>
                       <a:r>
-                        <a:rPr lang="en-US" dirty="0" smtClean="0"/>
+                        <a:rPr lang="en-US" b="0" i="0" strike="noStrike" dirty="0" smtClean="0"/>
                         <a:t>3.11.6</a:t>
                       </a:r>
                       <a:endParaRPr lang="fr-FR" dirty="0"/>
@@ -14082,7 +14082,7 @@
                     <a:lstStyle/>
                     <a:p>
                       <a:r>
-                        <a:rPr lang="en-US" sz="1800" b="0" i="0" u="none" dirty="0" smtClean="0"/>
+                        <a:rPr lang="en-US" sz="1800" b="0" i="0" u="none" strike="noStrike" dirty="0" smtClean="0"/>
                         <a:t>1.9.1</a:t>
                       </a:r>
                       <a:endParaRPr lang="fr-FR" sz="1800" b="0" i="0" u="none" dirty="0"/>
@@ -14113,7 +14113,7 @@
                         <a:defRPr/>
                       </a:pPr>
                       <a:r>
-                        <a:rPr lang="en-US" dirty="0" smtClean="0"/>
+                        <a:rPr lang="en-US" b="0" i="0" strike="noStrike" dirty="0" smtClean="0"/>
                         <a:t>1.9.2</a:t>
                       </a:r>
                       <a:endParaRPr lang="fr-FR" dirty="0" smtClean="0"/>
@@ -14127,7 +14127,7 @@
                     <a:lstStyle/>
                     <a:p>
                       <a:r>
-                        <a:rPr lang="en-US" dirty="0" smtClean="0"/>
+                        <a:rPr lang="en-US" b="0" i="0" strike="noStrike" dirty="0" smtClean="0"/>
                         <a:t>1.9.3</a:t>
                       </a:r>
                       <a:endParaRPr lang="fr-FR" dirty="0"/>
@@ -14141,7 +14141,7 @@
                     <a:lstStyle/>
                     <a:p>
                       <a:r>
-                        <a:rPr lang="en-US" dirty="0" smtClean="0"/>
+                        <a:rPr lang="en-US" b="0" i="0" strike="noStrike" dirty="0" smtClean="0"/>
                         <a:t>1.9.4</a:t>
                       </a:r>
                       <a:endParaRPr lang="fr-FR" dirty="0"/>
@@ -14155,7 +14155,7 @@
                     <a:lstStyle/>
                     <a:p>
                       <a:r>
-                        <a:rPr lang="en-US" dirty="0" smtClean="0"/>
+                        <a:rPr lang="en-US" b="0" i="0" strike="noStrike" dirty="0" smtClean="0"/>
                         <a:t>1.9.5</a:t>
                       </a:r>
                       <a:endParaRPr lang="fr-FR" dirty="0"/>
@@ -14169,7 +14169,7 @@
                     <a:lstStyle/>
                     <a:p>
                       <a:r>
-                        <a:rPr lang="en-US" dirty="0" smtClean="0"/>
+                        <a:rPr lang="en-US" b="0" i="0" strike="noStrike" dirty="0" smtClean="0"/>
                         <a:t>1.9.6</a:t>
                       </a:r>
                       <a:endParaRPr lang="fr-FR" dirty="0"/>
@@ -14185,7 +14185,7 @@
                     <a:lstStyle/>
                     <a:p>
                       <a:r>
-                        <a:rPr lang="en-US" dirty="0" smtClean="0"/>
+                        <a:rPr lang="en-US" b="0" i="0" strike="noStrike" dirty="0" smtClean="0"/>
                         <a:t>1.10.1</a:t>
                       </a:r>
                       <a:endParaRPr lang="fr-FR" dirty="0"/>
@@ -14216,7 +14216,7 @@
                         <a:defRPr/>
                       </a:pPr>
                       <a:r>
-                        <a:rPr lang="en-US" dirty="0" smtClean="0"/>
+                        <a:rPr lang="en-US" b="0" i="0" strike="noStrike" dirty="0" smtClean="0"/>
                         <a:t>1.10.2</a:t>
                       </a:r>
                       <a:endParaRPr lang="fr-FR" dirty="0" smtClean="0"/>
@@ -14230,7 +14230,7 @@
                     <a:lstStyle/>
                     <a:p>
                       <a:r>
-                        <a:rPr lang="en-US" dirty="0" smtClean="0"/>
+                        <a:rPr lang="en-US" b="0" i="0" strike="noStrike" dirty="0" smtClean="0"/>
                         <a:t>1.10.3</a:t>
                       </a:r>
                       <a:endParaRPr lang="fr-FR" dirty="0"/>
@@ -14244,7 +14244,7 @@
                     <a:lstStyle/>
                     <a:p>
                       <a:r>
-                        <a:rPr lang="en-US" dirty="0" smtClean="0"/>
+                        <a:rPr lang="en-US" b="0" i="0" strike="noStrike" dirty="0" smtClean="0"/>
                         <a:t>1.10.4</a:t>
                       </a:r>
                       <a:endParaRPr lang="fr-FR" dirty="0"/>
@@ -14258,7 +14258,7 @@
                     <a:lstStyle/>
                     <a:p>
                       <a:r>
-                        <a:rPr lang="en-US" dirty="0" smtClean="0"/>
+                        <a:rPr lang="en-US" b="0" i="0" strike="noStrike" dirty="0" smtClean="0"/>
                         <a:t>1.10.5</a:t>
                       </a:r>
                       <a:endParaRPr lang="fr-FR" dirty="0"/>
@@ -14272,7 +14272,7 @@
                     <a:lstStyle/>
                     <a:p>
                       <a:r>
-                        <a:rPr lang="en-US" dirty="0" smtClean="0"/>
+                        <a:rPr lang="en-US" b="0" i="0" strike="noStrike" dirty="0" smtClean="0"/>
                         <a:t>1.10.6</a:t>
                       </a:r>
                       <a:endParaRPr lang="fr-FR" dirty="0"/>
@@ -14410,7 +14410,7 @@
                     <a:lstStyle/>
                     <a:p>
                       <a:r>
-                        <a:rPr lang="en-US" dirty="0" smtClean="0"/>
+                        <a:rPr lang="en-US" b="0" i="0" strike="noStrike" dirty="0" smtClean="0"/>
                         <a:t>2.12.1</a:t>
                       </a:r>
                       <a:endParaRPr lang="fr-FR" dirty="0"/>
@@ -14441,7 +14441,7 @@
                         <a:defRPr/>
                       </a:pPr>
                       <a:r>
-                        <a:rPr lang="en-US" dirty="0" smtClean="0"/>
+                        <a:rPr lang="en-US" b="0" i="0" strike="noStrike" dirty="0" smtClean="0"/>
                         <a:t>2.12.2</a:t>
                       </a:r>
                       <a:endParaRPr lang="fr-FR" dirty="0" smtClean="0"/>
@@ -14455,7 +14455,7 @@
                     <a:lstStyle/>
                     <a:p>
                       <a:r>
-                        <a:rPr lang="en-US" dirty="0" smtClean="0"/>
+                        <a:rPr lang="en-US" b="0" i="0" strike="noStrike" dirty="0" smtClean="0"/>
                         <a:t>2.12.3</a:t>
                       </a:r>
                       <a:endParaRPr lang="fr-FR" dirty="0"/>
@@ -14469,7 +14469,7 @@
                     <a:lstStyle/>
                     <a:p>
                       <a:r>
-                        <a:rPr lang="en-US" dirty="0" smtClean="0"/>
+                        <a:rPr lang="en-US" b="0" i="0" strike="noStrike" dirty="0" smtClean="0"/>
                         <a:t>2.12.4</a:t>
                       </a:r>
                       <a:endParaRPr lang="fr-FR" dirty="0"/>
@@ -14483,7 +14483,7 @@
                     <a:lstStyle/>
                     <a:p>
                       <a:r>
-                        <a:rPr lang="en-US" dirty="0" smtClean="0"/>
+                        <a:rPr lang="en-US" b="0" i="0" strike="noStrike" dirty="0" smtClean="0"/>
                         <a:t>2.12.5</a:t>
                       </a:r>
                       <a:endParaRPr lang="fr-FR" dirty="0"/>
@@ -14497,7 +14497,7 @@
                     <a:lstStyle/>
                     <a:p>
                       <a:r>
-                        <a:rPr lang="en-US" dirty="0" smtClean="0"/>
+                        <a:rPr lang="en-US" b="0" i="0" strike="noStrike" dirty="0" smtClean="0"/>
                         <a:t>2.12.6</a:t>
                       </a:r>
                       <a:endParaRPr lang="fr-FR" dirty="0"/>
@@ -14513,7 +14513,7 @@
                     <a:lstStyle/>
                     <a:p>
                       <a:r>
-                        <a:rPr lang="en-US" dirty="0" smtClean="0"/>
+                        <a:rPr lang="en-US" b="0" i="0" strike="noStrike" dirty="0" smtClean="0"/>
                         <a:t>2.13.1</a:t>
                       </a:r>
                       <a:endParaRPr lang="fr-FR" dirty="0"/>
@@ -14544,7 +14544,7 @@
                         <a:defRPr/>
                       </a:pPr>
                       <a:r>
-                        <a:rPr lang="en-US" dirty="0" smtClean="0"/>
+                        <a:rPr lang="en-US" b="0" i="0" strike="noStrike" dirty="0" smtClean="0"/>
                         <a:t>2.13.2</a:t>
                       </a:r>
                       <a:endParaRPr lang="fr-FR" dirty="0" smtClean="0"/>
@@ -14558,7 +14558,7 @@
                     <a:lstStyle/>
                     <a:p>
                       <a:r>
-                        <a:rPr lang="en-US" dirty="0" smtClean="0"/>
+                        <a:rPr lang="en-US" b="0" i="0" strike="noStrike" dirty="0" smtClean="0"/>
                         <a:t>2.13.3</a:t>
                       </a:r>
                       <a:endParaRPr lang="fr-FR" dirty="0"/>
@@ -14572,7 +14572,7 @@
                     <a:lstStyle/>
                     <a:p>
                       <a:r>
-                        <a:rPr lang="en-US" dirty="0" smtClean="0"/>
+                        <a:rPr lang="en-US" b="0" i="0" strike="noStrike" dirty="0" smtClean="0"/>
                         <a:t>2.13.4</a:t>
                       </a:r>
                       <a:endParaRPr lang="fr-FR" dirty="0"/>
@@ -14586,7 +14586,7 @@
                     <a:lstStyle/>
                     <a:p>
                       <a:r>
-                        <a:rPr lang="en-US" dirty="0" smtClean="0"/>
+                        <a:rPr lang="en-US" b="0" i="0" strike="noStrike" dirty="0" smtClean="0"/>
                         <a:t>2.13.5</a:t>
                       </a:r>
                       <a:endParaRPr lang="fr-FR" dirty="0"/>
@@ -14600,7 +14600,7 @@
                     <a:lstStyle/>
                     <a:p>
                       <a:r>
-                        <a:rPr lang="en-US" dirty="0" smtClean="0"/>
+                        <a:rPr lang="en-US" b="0" i="0" strike="noStrike" dirty="0" smtClean="0"/>
                         <a:t>2.13.6</a:t>
                       </a:r>
                       <a:endParaRPr lang="fr-FR" dirty="0"/>
@@ -14616,7 +14616,7 @@
                     <a:lstStyle/>
                     <a:p>
                       <a:r>
-                        <a:rPr lang="en-US" dirty="0" smtClean="0"/>
+                        <a:rPr lang="en-US" b="0" i="0" strike="noStrike" dirty="0" smtClean="0"/>
                         <a:t>2.14.1</a:t>
                       </a:r>
                       <a:endParaRPr lang="fr-FR" dirty="0"/>
@@ -14647,7 +14647,7 @@
                         <a:defRPr/>
                       </a:pPr>
                       <a:r>
-                        <a:rPr lang="en-US" dirty="0" smtClean="0"/>
+                        <a:rPr lang="en-US" b="0" i="0" strike="noStrike" dirty="0" smtClean="0"/>
                         <a:t>2.14.2</a:t>
                       </a:r>
                       <a:endParaRPr lang="fr-FR" dirty="0" smtClean="0"/>
@@ -14661,7 +14661,7 @@
                     <a:lstStyle/>
                     <a:p>
                       <a:r>
-                        <a:rPr lang="en-US" dirty="0" smtClean="0"/>
+                        <a:rPr lang="en-US" b="0" i="0" strike="noStrike" dirty="0" smtClean="0"/>
                         <a:t>2.14.3</a:t>
                       </a:r>
                       <a:endParaRPr lang="fr-FR" dirty="0"/>
@@ -14675,7 +14675,7 @@
                     <a:lstStyle/>
                     <a:p>
                       <a:r>
-                        <a:rPr lang="en-US" dirty="0" smtClean="0"/>
+                        <a:rPr lang="en-US" b="0" i="0" strike="noStrike" dirty="0" smtClean="0"/>
                         <a:t>2.14.4</a:t>
                       </a:r>
                       <a:endParaRPr lang="fr-FR" dirty="0"/>
@@ -14689,7 +14689,7 @@
                     <a:lstStyle/>
                     <a:p>
                       <a:r>
-                        <a:rPr lang="en-US" dirty="0" smtClean="0"/>
+                        <a:rPr lang="en-US" b="0" i="0" strike="noStrike" dirty="0" smtClean="0"/>
                         <a:t>2.14.5</a:t>
                       </a:r>
                       <a:endParaRPr lang="fr-FR" dirty="0"/>
@@ -14703,7 +14703,7 @@
                     <a:lstStyle/>
                     <a:p>
                       <a:r>
-                        <a:rPr lang="en-US" dirty="0" smtClean="0"/>
+                        <a:rPr lang="en-US" b="0" i="0" strike="noStrike" dirty="0" smtClean="0"/>
                         <a:t>2.14.6</a:t>
                       </a:r>
                       <a:endParaRPr lang="fr-FR" dirty="0"/>
@@ -14719,7 +14719,7 @@
                     <a:lstStyle/>
                     <a:p>
                       <a:r>
-                        <a:rPr lang="en-US" dirty="0" smtClean="0"/>
+                        <a:rPr lang="en-US" b="0" i="0" strike="noStrike" dirty="0" smtClean="0"/>
                         <a:t>2.15.1</a:t>
                       </a:r>
                       <a:endParaRPr lang="fr-FR" dirty="0"/>
@@ -14750,7 +14750,7 @@
                         <a:defRPr/>
                       </a:pPr>
                       <a:r>
-                        <a:rPr lang="en-US" dirty="0" smtClean="0"/>
+                        <a:rPr lang="en-US" b="0" i="0" strike="noStrike" dirty="0" smtClean="0"/>
                         <a:t>2.15.2</a:t>
                       </a:r>
                       <a:endParaRPr lang="fr-FR" dirty="0" smtClean="0"/>
@@ -14764,7 +14764,7 @@
                     <a:lstStyle/>
                     <a:p>
                       <a:r>
-                        <a:rPr lang="en-US" dirty="0" smtClean="0"/>
+                        <a:rPr lang="en-US" b="0" i="0" strike="noStrike" dirty="0" smtClean="0"/>
                         <a:t>2.15.3</a:t>
                       </a:r>
                       <a:endParaRPr lang="fr-FR" dirty="0"/>
@@ -14778,7 +14778,7 @@
                     <a:lstStyle/>
                     <a:p>
                       <a:r>
-                        <a:rPr lang="en-US" dirty="0" smtClean="0"/>
+                        <a:rPr lang="en-US" b="0" i="0" strike="noStrike" dirty="0" smtClean="0"/>
                         <a:t>2.15.4</a:t>
                       </a:r>
                       <a:endParaRPr lang="fr-FR" dirty="0"/>
@@ -14792,7 +14792,7 @@
                     <a:lstStyle/>
                     <a:p>
                       <a:r>
-                        <a:rPr lang="en-US" dirty="0" smtClean="0"/>
+                        <a:rPr lang="en-US" b="0" i="0" strike="noStrike" dirty="0" smtClean="0"/>
                         <a:t>2.15.5</a:t>
                       </a:r>
                       <a:endParaRPr lang="fr-FR" dirty="0"/>
@@ -14806,7 +14806,7 @@
                     <a:lstStyle/>
                     <a:p>
                       <a:r>
-                        <a:rPr lang="en-US" dirty="0" smtClean="0"/>
+                        <a:rPr lang="en-US" b="0" i="0" strike="noStrike" dirty="0" smtClean="0"/>
                         <a:t>2.15.6</a:t>
                       </a:r>
                       <a:endParaRPr lang="fr-FR" dirty="0"/>
@@ -14944,7 +14944,7 @@
                     <a:lstStyle/>
                     <a:p>
                       <a:r>
-                        <a:rPr lang="en-US" dirty="0" smtClean="0"/>
+                        <a:rPr lang="en-US" b="0" i="0" strike="noStrike" dirty="0" smtClean="0"/>
                         <a:t>3.12.1</a:t>
                       </a:r>
                       <a:endParaRPr lang="fr-FR" dirty="0"/>
@@ -14975,7 +14975,7 @@
                         <a:defRPr/>
                       </a:pPr>
                       <a:r>
-                        <a:rPr lang="en-US" dirty="0" smtClean="0"/>
+                        <a:rPr lang="en-US" b="0" i="0" strike="noStrike" dirty="0" smtClean="0"/>
                         <a:t>3.12.2</a:t>
                       </a:r>
                       <a:endParaRPr lang="fr-FR" dirty="0" smtClean="0"/>
@@ -14989,7 +14989,7 @@
                     <a:lstStyle/>
                     <a:p>
                       <a:r>
-                        <a:rPr lang="en-US" dirty="0" smtClean="0"/>
+                        <a:rPr lang="en-US" b="0" i="0" strike="noStrike" dirty="0" smtClean="0"/>
                         <a:t>3.12.3</a:t>
                       </a:r>
                       <a:endParaRPr lang="fr-FR" dirty="0"/>
@@ -15003,7 +15003,7 @@
                     <a:lstStyle/>
                     <a:p>
                       <a:r>
-                        <a:rPr lang="en-US" dirty="0" smtClean="0"/>
+                        <a:rPr lang="en-US" b="0" i="0" strike="noStrike" dirty="0" smtClean="0"/>
                         <a:t>3.12.4</a:t>
                       </a:r>
                       <a:endParaRPr lang="fr-FR" dirty="0"/>
@@ -15017,7 +15017,7 @@
                     <a:lstStyle/>
                     <a:p>
                       <a:r>
-                        <a:rPr lang="en-US" dirty="0" smtClean="0"/>
+                        <a:rPr lang="en-US" b="0" i="0" strike="noStrike" dirty="0" smtClean="0"/>
                         <a:t>3.12.5</a:t>
                       </a:r>
                       <a:endParaRPr lang="fr-FR" dirty="0"/>
@@ -15031,7 +15031,7 @@
                     <a:lstStyle/>
                     <a:p>
                       <a:r>
-                        <a:rPr lang="en-US" dirty="0" smtClean="0"/>
+                        <a:rPr lang="en-US" b="0" i="0" strike="noStrike" dirty="0" smtClean="0"/>
                         <a:t>3.12.6</a:t>
                       </a:r>
                       <a:endParaRPr lang="fr-FR" dirty="0"/>
@@ -15047,7 +15047,7 @@
                     <a:lstStyle/>
                     <a:p>
                       <a:r>
-                        <a:rPr lang="en-US" dirty="0" smtClean="0"/>
+                        <a:rPr lang="en-US" b="0" i="0" strike="noStrike" dirty="0" smtClean="0"/>
                         <a:t>3.13.1</a:t>
                       </a:r>
                       <a:endParaRPr lang="fr-FR" dirty="0"/>
@@ -15078,7 +15078,7 @@
                         <a:defRPr/>
                       </a:pPr>
                       <a:r>
-                        <a:rPr lang="en-US" dirty="0" smtClean="0"/>
+                        <a:rPr lang="en-US" b="0" i="0" strike="noStrike" dirty="0" smtClean="0"/>
                         <a:t>3.13.2</a:t>
                       </a:r>
                       <a:endParaRPr lang="fr-FR" dirty="0" smtClean="0"/>
@@ -15092,7 +15092,7 @@
                     <a:lstStyle/>
                     <a:p>
                       <a:r>
-                        <a:rPr lang="en-US" dirty="0" smtClean="0"/>
+                        <a:rPr lang="en-US" b="0" i="0" strike="noStrike" dirty="0" smtClean="0"/>
                         <a:t>3.13.3</a:t>
                       </a:r>
                       <a:endParaRPr lang="fr-FR" dirty="0"/>
@@ -15106,7 +15106,7 @@
                     <a:lstStyle/>
                     <a:p>
                       <a:r>
-                        <a:rPr lang="en-US" dirty="0" smtClean="0"/>
+                        <a:rPr lang="en-US" b="0" i="0" strike="noStrike" dirty="0" smtClean="0"/>
                         <a:t>3.13.4</a:t>
                       </a:r>
                       <a:endParaRPr lang="fr-FR" dirty="0"/>
@@ -15120,7 +15120,7 @@
                     <a:lstStyle/>
                     <a:p>
                       <a:r>
-                        <a:rPr lang="en-US" dirty="0" smtClean="0"/>
+                        <a:rPr lang="en-US" b="0" i="0" strike="noStrike" dirty="0" smtClean="0"/>
                         <a:t>3.13.5</a:t>
                       </a:r>
                       <a:endParaRPr lang="fr-FR" dirty="0"/>
@@ -15134,7 +15134,7 @@
                     <a:lstStyle/>
                     <a:p>
                       <a:r>
-                        <a:rPr lang="en-US" dirty="0" smtClean="0"/>
+                        <a:rPr lang="en-US" b="0" i="0" strike="noStrike" dirty="0" smtClean="0"/>
                         <a:t>3.13.6</a:t>
                       </a:r>
                       <a:endParaRPr lang="fr-FR" dirty="0"/>
@@ -15150,7 +15150,7 @@
                     <a:lstStyle/>
                     <a:p>
                       <a:r>
-                        <a:rPr lang="en-US" dirty="0" smtClean="0"/>
+                        <a:rPr lang="en-US" b="0" i="0" strike="noStrike" dirty="0" smtClean="0"/>
                         <a:t>3.14.1</a:t>
                       </a:r>
                       <a:endParaRPr lang="fr-FR" dirty="0"/>
@@ -15181,7 +15181,7 @@
                         <a:defRPr/>
                       </a:pPr>
                       <a:r>
-                        <a:rPr lang="en-US" dirty="0" smtClean="0"/>
+                        <a:rPr lang="en-US" b="0" i="0" strike="noStrike" dirty="0" smtClean="0"/>
                         <a:t>3.14.2</a:t>
                       </a:r>
                       <a:endParaRPr lang="fr-FR" dirty="0" smtClean="0"/>
@@ -15195,7 +15195,7 @@
                     <a:lstStyle/>
                     <a:p>
                       <a:r>
-                        <a:rPr lang="en-US" dirty="0" smtClean="0"/>
+                        <a:rPr lang="en-US" b="0" i="0" strike="noStrike" dirty="0" smtClean="0"/>
                         <a:t>3.14.3</a:t>
                       </a:r>
                       <a:endParaRPr lang="fr-FR" dirty="0"/>
@@ -15209,7 +15209,7 @@
                     <a:lstStyle/>
                     <a:p>
                       <a:r>
-                        <a:rPr lang="en-US" dirty="0" smtClean="0"/>
+                        <a:rPr lang="en-US" b="0" i="0" strike="noStrike" dirty="0" smtClean="0"/>
                         <a:t>3.14.4</a:t>
                       </a:r>
                       <a:endParaRPr lang="fr-FR" dirty="0"/>
@@ -15223,7 +15223,7 @@
                     <a:lstStyle/>
                     <a:p>
                       <a:r>
-                        <a:rPr lang="en-US" dirty="0" smtClean="0"/>
+                        <a:rPr lang="en-US" b="0" i="0" strike="noStrike" dirty="0" smtClean="0"/>
                         <a:t>3.14.5</a:t>
                       </a:r>
                       <a:endParaRPr lang="fr-FR" dirty="0"/>
@@ -15237,7 +15237,7 @@
                     <a:lstStyle/>
                     <a:p>
                       <a:r>
-                        <a:rPr lang="en-US" dirty="0" smtClean="0"/>
+                        <a:rPr lang="en-US" b="0" i="0" strike="noStrike" dirty="0" smtClean="0"/>
                         <a:t>3.14.6</a:t>
                       </a:r>
                       <a:endParaRPr lang="fr-FR" dirty="0"/>
@@ -15253,7 +15253,7 @@
                     <a:lstStyle/>
                     <a:p>
                       <a:r>
-                        <a:rPr lang="en-US" dirty="0" smtClean="0"/>
+                        <a:rPr lang="en-US" b="0" i="0" strike="noStrike" dirty="0" smtClean="0"/>
                         <a:t>3.15.1</a:t>
                       </a:r>
                       <a:endParaRPr lang="fr-FR" dirty="0"/>
@@ -15284,7 +15284,7 @@
                         <a:defRPr/>
                       </a:pPr>
                       <a:r>
-                        <a:rPr lang="en-US" dirty="0" smtClean="0"/>
+                        <a:rPr lang="en-US" b="0" i="0" strike="noStrike" dirty="0" smtClean="0"/>
                         <a:t>3.15.2</a:t>
                       </a:r>
                       <a:endParaRPr lang="fr-FR" dirty="0" smtClean="0"/>
@@ -15298,7 +15298,7 @@
                     <a:lstStyle/>
                     <a:p>
                       <a:r>
-                        <a:rPr lang="en-US" dirty="0" smtClean="0"/>
+                        <a:rPr lang="en-US" b="0" i="0" strike="noStrike" dirty="0" smtClean="0"/>
                         <a:t>3.15.3</a:t>
                       </a:r>
                       <a:endParaRPr lang="fr-FR" dirty="0"/>
@@ -15312,7 +15312,7 @@
                     <a:lstStyle/>
                     <a:p>
                       <a:r>
-                        <a:rPr lang="en-US" dirty="0" smtClean="0"/>
+                        <a:rPr lang="en-US" b="0" i="0" strike="noStrike" dirty="0" smtClean="0"/>
                         <a:t>3.15.4</a:t>
                       </a:r>
                       <a:endParaRPr lang="fr-FR" dirty="0"/>
@@ -15326,7 +15326,7 @@
                     <a:lstStyle/>
                     <a:p>
                       <a:r>
-                        <a:rPr lang="en-US" dirty="0" smtClean="0"/>
+                        <a:rPr lang="en-US" b="0" i="0" strike="noStrike" dirty="0" smtClean="0"/>
                         <a:t>3.15.5</a:t>
                       </a:r>
                       <a:endParaRPr lang="fr-FR" dirty="0"/>
@@ -15340,7 +15340,7 @@
                     <a:lstStyle/>
                     <a:p>
                       <a:r>
-                        <a:rPr lang="en-US" dirty="0" smtClean="0"/>
+                        <a:rPr lang="en-US" b="0" i="0" strike="noStrike" dirty="0" smtClean="0"/>
                         <a:t>3.15.6</a:t>
                       </a:r>
                       <a:endParaRPr lang="fr-FR" dirty="0"/>

--- a/PowerpointTemplater.Tests/files/ReplaceTables_output6.pptx
+++ b/PowerpointTemplater.Tests/files/ReplaceTables_output6.pptx
@@ -6,15 +6,15 @@
   </p:sldMasterIdLst>
   <p:sldIdLst>
     <p:sldId id="256" r:id="rId2"/>
-    <p:sldId id="259" r:id="R432764c0e9c841f8"/>
-    <p:sldId id="260" r:id="Rcda6e8fdcf1d424c"/>
-    <p:sldId id="261" r:id="Rbb08d40dd9e94f6a"/>
-    <p:sldId id="262" r:id="Rce56ecf1e7364f4b"/>
-    <p:sldId id="263" r:id="Rf34b6ef3c8cb4fa5"/>
-    <p:sldId id="264" r:id="R977bb247487d49c7"/>
-    <p:sldId id="265" r:id="Rae4927771be047a8"/>
-    <p:sldId id="266" r:id="Rb1affca70e034eb8"/>
-    <p:sldId id="267" r:id="R935b8318fa5d4bfb"/>
+    <p:sldId id="259" r:id="R11a079fbf7fb4034"/>
+    <p:sldId id="260" r:id="Rb352099ff2ea4988"/>
+    <p:sldId id="261" r:id="Ra8cc120bbb0d494c"/>
+    <p:sldId id="262" r:id="Rfe40a3a441574091"/>
+    <p:sldId id="263" r:id="R28e68d18af0b4682"/>
+    <p:sldId id="264" r:id="R33b34aee57414b5d"/>
+    <p:sldId id="265" r:id="R1ce8b412cf5d4fb1"/>
+    <p:sldId id="266" r:id="R1334a53f4ee44896"/>
+    <p:sldId id="267" r:id="Re9c5c0cf15db4342"/>
     <p:sldId id="258" r:id="rId4"/>
   </p:sldIdLst>
   <p:sldSz cx="9144000" cy="6858000" type="screen4x3"/>
@@ -9322,7 +9322,7 @@
           </p:nvPr>
         </p:nvPicPr>
         <p:blipFill>
-          <a:blip r:embed="R9d43d3db3b1e4fa8">
+          <a:blip r:embed="R085a49f7b3fb41fe">
             <a:extLst>
               <a:ext uri="{28A0092B-C50C-407E-A947-70E740481C1C}">
                 <a14:useLocalDpi xmlns:a14="http://schemas.microsoft.com/office/drawing/2010/main" val="0"/>
